--- a/v11.pptx
+++ b/v11.pptx
@@ -1,31 +1,31 @@
 
 <file path=ppt/presentation.xml><?xml version="1.0" encoding="utf-8"?>
-<p:presentation xmlns:a="http://schemas.openxmlformats.org/drawingml/2006/main" xmlns:r="http://schemas.openxmlformats.org/officeDocument/2006/relationships" xmlns:p="http://schemas.openxmlformats.org/presentationml/2006/main" showSpecialPlsOnTitleSld="0" strictFirstAndLastChars="0" autoCompressPictures="0">
+<p:presentation xmlns:r="http://schemas.openxmlformats.org/officeDocument/2006/relationships" xmlns:c="http://schemas.openxmlformats.org/drawingml/2006/chart" xmlns:a="http://schemas.openxmlformats.org/drawingml/2006/main" xmlns:dgm="http://schemas.openxmlformats.org/drawingml/2006/diagram" xmlns:dsp="http://schemas.microsoft.com/office/drawing/2008/diagram" xmlns:p="http://schemas.openxmlformats.org/presentationml/2006/main" showSpecialPlsOnTitleSld="0" strictFirstAndLastChars="0" autoCompressPictures="0">
   <p:sldMasterIdLst>
-    <p:sldMasterId id="2147483664" r:id="rId1"/>
+    <p:sldMasterId id="2147483671" r:id="rId1"/>
   </p:sldMasterIdLst>
   <p:notesMasterIdLst>
-    <p:notesMasterId r:id="rId20"/>
+    <p:notesMasterId r:id="rId2"/>
   </p:notesMasterIdLst>
   <p:sldIdLst>
-    <p:sldId id="256" r:id="rId2"/>
-    <p:sldId id="257" r:id="rId3"/>
-    <p:sldId id="258" r:id="rId4"/>
-    <p:sldId id="259" r:id="rId5"/>
-    <p:sldId id="260" r:id="rId6"/>
-    <p:sldId id="261" r:id="rId7"/>
-    <p:sldId id="262" r:id="rId8"/>
-    <p:sldId id="263" r:id="rId9"/>
-    <p:sldId id="264" r:id="rId10"/>
-    <p:sldId id="265" r:id="rId11"/>
-    <p:sldId id="266" r:id="rId12"/>
-    <p:sldId id="267" r:id="rId13"/>
-    <p:sldId id="268" r:id="rId14"/>
-    <p:sldId id="269" r:id="rId15"/>
-    <p:sldId id="270" r:id="rId16"/>
-    <p:sldId id="271" r:id="rId17"/>
-    <p:sldId id="272" r:id="rId18"/>
-    <p:sldId id="273" r:id="rId19"/>
+    <p:sldId id="256" r:id="rId3"/>
+    <p:sldId id="257" r:id="rId4"/>
+    <p:sldId id="258" r:id="rId5"/>
+    <p:sldId id="259" r:id="rId6"/>
+    <p:sldId id="260" r:id="rId7"/>
+    <p:sldId id="261" r:id="rId8"/>
+    <p:sldId id="262" r:id="rId9"/>
+    <p:sldId id="263" r:id="rId10"/>
+    <p:sldId id="264" r:id="rId11"/>
+    <p:sldId id="265" r:id="rId12"/>
+    <p:sldId id="266" r:id="rId13"/>
+    <p:sldId id="267" r:id="rId14"/>
+    <p:sldId id="268" r:id="rId15"/>
+    <p:sldId id="269" r:id="rId16"/>
+    <p:sldId id="270" r:id="rId17"/>
+    <p:sldId id="271" r:id="rId18"/>
+    <p:sldId id="272" r:id="rId19"/>
+    <p:sldId id="273" r:id="rId20"/>
   </p:sldIdLst>
   <p:sldSz cx="9144000" cy="5143500" type="screen16x9"/>
   <p:notesSz cx="6858000" cy="9144000"/>
@@ -262,13 +262,13 @@
 </file>
 
 <file path=ppt/commentAuthors.xml><?xml version="1.0" encoding="utf-8"?>
-<p:cmAuthorLst xmlns:a="http://schemas.openxmlformats.org/drawingml/2006/main" xmlns:r="http://schemas.openxmlformats.org/officeDocument/2006/relationships" xmlns:p="http://schemas.openxmlformats.org/presentationml/2006/main">
+<p:cmAuthorLst xmlns:r="http://schemas.openxmlformats.org/officeDocument/2006/relationships" xmlns:c="http://schemas.openxmlformats.org/drawingml/2006/chart" xmlns:a="http://schemas.openxmlformats.org/drawingml/2006/main" xmlns:dgm="http://schemas.openxmlformats.org/drawingml/2006/diagram" xmlns:dsp="http://schemas.microsoft.com/office/drawing/2008/diagram" xmlns:p="http://schemas.openxmlformats.org/presentationml/2006/main">
   <p:cmAuthor id="0" name="wsj26" initials="w" lastIdx="1" clrIdx="0"/>
 </p:cmAuthorLst>
 </file>
 
 <file path=ppt/notesMasters/notesMaster1.xml><?xml version="1.0" encoding="utf-8"?>
-<p:notesMaster xmlns:a="http://schemas.openxmlformats.org/drawingml/2006/main" xmlns:r="http://schemas.openxmlformats.org/officeDocument/2006/relationships" xmlns:p="http://schemas.openxmlformats.org/presentationml/2006/main">
+<p:notesMaster xmlns:r="http://schemas.openxmlformats.org/officeDocument/2006/relationships" xmlns:c="http://schemas.openxmlformats.org/drawingml/2006/chart" xmlns:a="http://schemas.openxmlformats.org/drawingml/2006/main" xmlns:dgm="http://schemas.openxmlformats.org/drawingml/2006/diagram" xmlns:dsp="http://schemas.microsoft.com/office/drawing/2008/diagram" xmlns:p="http://schemas.openxmlformats.org/presentationml/2006/main">
   <p:cSld>
     <p:bg>
       <p:bgRef idx="1001">
@@ -307,8 +307,6 @@
           <a:custGeom>
             <a:avLst/>
             <a:gdLst/>
-            <a:ahLst/>
-            <a:cxnLst/>
             <a:rect l="l" t="t" r="r" b="b"/>
             <a:pathLst>
               <a:path w="120000" h="120000" extrusionOk="0">
@@ -470,16 +468,15 @@
             <a:pPr lvl="0">
               <a:defRPr/>
             </a:pPr>
+            <a:r>
+              <a:rPr lang="ko-KR" altLang="en-US"/>
+              <a:t/>
+            </a:r>
             <a:endParaRPr lang="ko-KR" altLang="en-US"/>
           </a:p>
         </p:txBody>
       </p:sp>
     </p:spTree>
-    <p:extLst>
-      <p:ext uri="{BB962C8B-B14F-4D97-AF65-F5344CB8AC3E}">
-        <p14:creationId xmlns:p14="http://schemas.microsoft.com/office/powerpoint/2010/main" val="3330916285"/>
-      </p:ext>
-    </p:extLst>
   </p:cSld>
   <p:clrMap bg1="lt1" tx1="dk1" bg2="dk2" tx2="lt2" accent1="accent1" accent2="accent2" accent3="accent3" accent4="accent4" accent5="accent5" accent6="accent6" hlink="hlink" folHlink="folHlink"/>
   <p:hf hdr="0" ftr="0" dt="0"/>
@@ -716,7 +713,7 @@
 </file>
 
 <file path=ppt/notesSlides/notesSlide1.xml><?xml version="1.0" encoding="utf-8"?>
-<p:notes xmlns:a="http://schemas.openxmlformats.org/drawingml/2006/main" xmlns:r="http://schemas.openxmlformats.org/officeDocument/2006/relationships" xmlns:p="http://schemas.openxmlformats.org/presentationml/2006/main" showMasterSp="0" showMasterPhAnim="0">
+<p:notes xmlns:r="http://schemas.openxmlformats.org/officeDocument/2006/relationships" xmlns:c="http://schemas.openxmlformats.org/drawingml/2006/chart" xmlns:a="http://schemas.openxmlformats.org/drawingml/2006/main" xmlns:dgm="http://schemas.openxmlformats.org/drawingml/2006/diagram" xmlns:dsp="http://schemas.microsoft.com/office/drawing/2008/diagram" xmlns:p="http://schemas.openxmlformats.org/presentationml/2006/main" showMasterSp="0" showMasterPhAnim="0">
   <p:cSld>
     <p:spTree>
       <p:nvGrpSpPr>
@@ -750,8 +747,6 @@
           <a:custGeom>
             <a:avLst/>
             <a:gdLst/>
-            <a:ahLst/>
-            <a:cxnLst/>
             <a:rect l="l" t="t" r="r" b="b"/>
             <a:pathLst>
               <a:path w="120000" h="120000" extrusionOk="0">
@@ -808,6 +803,10 @@
               <a:buNone/>
               <a:defRPr/>
             </a:pPr>
+            <a:r>
+              <a:rPr lang="ko-KR" altLang="en-US"/>
+              <a:t/>
+            </a:r>
             <a:endParaRPr lang="ko-KR" altLang="en-US"/>
           </a:p>
         </p:txBody>
@@ -821,7 +820,7 @@
 </file>
 
 <file path=ppt/notesSlides/notesSlide10.xml><?xml version="1.0" encoding="utf-8"?>
-<p:notes xmlns:a="http://schemas.openxmlformats.org/drawingml/2006/main" xmlns:r="http://schemas.openxmlformats.org/officeDocument/2006/relationships" xmlns:p="http://schemas.openxmlformats.org/presentationml/2006/main" showMasterSp="0" showMasterPhAnim="0">
+<p:notes xmlns:r="http://schemas.openxmlformats.org/officeDocument/2006/relationships" xmlns:c="http://schemas.openxmlformats.org/drawingml/2006/chart" xmlns:a="http://schemas.openxmlformats.org/drawingml/2006/main" xmlns:dgm="http://schemas.openxmlformats.org/drawingml/2006/diagram" xmlns:dsp="http://schemas.microsoft.com/office/drawing/2008/diagram" xmlns:p="http://schemas.openxmlformats.org/presentationml/2006/main" showMasterSp="0" showMasterPhAnim="0">
   <p:cSld>
     <p:spTree>
       <p:nvGrpSpPr>
@@ -855,8 +854,6 @@
           <a:custGeom>
             <a:avLst/>
             <a:gdLst/>
-            <a:ahLst/>
-            <a:cxnLst/>
             <a:rect l="l" t="t" r="r" b="b"/>
             <a:pathLst>
               <a:path w="120000" h="120000" extrusionOk="0">
@@ -913,7 +910,7 @@
               <a:buNone/>
               <a:defRPr/>
             </a:pPr>
-            <a:endParaRPr lang="en-US" altLang="ko-KR" dirty="0" smtClean="0"/>
+            <a:endParaRPr lang="ko-KR" altLang="en-US"/>
           </a:p>
         </p:txBody>
       </p:sp>
@@ -926,7 +923,7 @@
 </file>
 
 <file path=ppt/notesSlides/notesSlide11.xml><?xml version="1.0" encoding="utf-8"?>
-<p:notes xmlns:a="http://schemas.openxmlformats.org/drawingml/2006/main" xmlns:r="http://schemas.openxmlformats.org/officeDocument/2006/relationships" xmlns:p="http://schemas.openxmlformats.org/presentationml/2006/main" showMasterSp="0" showMasterPhAnim="0">
+<p:notes xmlns:r="http://schemas.openxmlformats.org/officeDocument/2006/relationships" xmlns:c="http://schemas.openxmlformats.org/drawingml/2006/chart" xmlns:a="http://schemas.openxmlformats.org/drawingml/2006/main" xmlns:dgm="http://schemas.openxmlformats.org/drawingml/2006/diagram" xmlns:dsp="http://schemas.microsoft.com/office/drawing/2008/diagram" xmlns:p="http://schemas.openxmlformats.org/presentationml/2006/main" showMasterSp="0" showMasterPhAnim="0">
   <p:cSld>
     <p:spTree>
       <p:nvGrpSpPr>
@@ -960,8 +957,6 @@
           <a:custGeom>
             <a:avLst/>
             <a:gdLst/>
-            <a:ahLst/>
-            <a:cxnLst/>
             <a:rect l="l" t="t" r="r" b="b"/>
             <a:pathLst>
               <a:path w="120000" h="120000" extrusionOk="0">
@@ -1018,7 +1013,11 @@
               <a:buNone/>
               <a:defRPr/>
             </a:pPr>
-            <a:endParaRPr lang="ko-KR" altLang="en-US" dirty="0"/>
+            <a:r>
+              <a:rPr lang="ko-KR" altLang="en-US"/>
+              <a:t/>
+            </a:r>
+            <a:endParaRPr lang="ko-KR" altLang="en-US"/>
           </a:p>
         </p:txBody>
       </p:sp>
@@ -1031,7 +1030,7 @@
 </file>
 
 <file path=ppt/notesSlides/notesSlide12.xml><?xml version="1.0" encoding="utf-8"?>
-<p:notes xmlns:a="http://schemas.openxmlformats.org/drawingml/2006/main" xmlns:r="http://schemas.openxmlformats.org/officeDocument/2006/relationships" xmlns:p="http://schemas.openxmlformats.org/presentationml/2006/main" showMasterSp="0" showMasterPhAnim="0">
+<p:notes xmlns:r="http://schemas.openxmlformats.org/officeDocument/2006/relationships" xmlns:c="http://schemas.openxmlformats.org/drawingml/2006/chart" xmlns:a="http://schemas.openxmlformats.org/drawingml/2006/main" xmlns:dgm="http://schemas.openxmlformats.org/drawingml/2006/diagram" xmlns:dsp="http://schemas.microsoft.com/office/drawing/2008/diagram" xmlns:p="http://schemas.openxmlformats.org/presentationml/2006/main" showMasterSp="0" showMasterPhAnim="0">
   <p:cSld>
     <p:spTree>
       <p:nvGrpSpPr>
@@ -1065,8 +1064,6 @@
           <a:custGeom>
             <a:avLst/>
             <a:gdLst/>
-            <a:ahLst/>
-            <a:cxnLst/>
             <a:rect l="l" t="t" r="r" b="b"/>
             <a:pathLst>
               <a:path w="120000" h="120000" extrusionOk="0">
@@ -1123,6 +1120,10 @@
               <a:buNone/>
               <a:defRPr/>
             </a:pPr>
+            <a:r>
+              <a:rPr lang="ko-KR" altLang="en-US"/>
+              <a:t/>
+            </a:r>
             <a:endParaRPr lang="ko-KR" altLang="en-US"/>
           </a:p>
         </p:txBody>
@@ -1136,7 +1137,7 @@
 </file>
 
 <file path=ppt/notesSlides/notesSlide13.xml><?xml version="1.0" encoding="utf-8"?>
-<p:notes xmlns:a="http://schemas.openxmlformats.org/drawingml/2006/main" xmlns:r="http://schemas.openxmlformats.org/officeDocument/2006/relationships" xmlns:p="http://schemas.openxmlformats.org/presentationml/2006/main" showMasterSp="0" showMasterPhAnim="0">
+<p:notes xmlns:r="http://schemas.openxmlformats.org/officeDocument/2006/relationships" xmlns:c="http://schemas.openxmlformats.org/drawingml/2006/chart" xmlns:a="http://schemas.openxmlformats.org/drawingml/2006/main" xmlns:dgm="http://schemas.openxmlformats.org/drawingml/2006/diagram" xmlns:dsp="http://schemas.microsoft.com/office/drawing/2008/diagram" xmlns:p="http://schemas.openxmlformats.org/presentationml/2006/main" showMasterSp="0" showMasterPhAnim="0">
   <p:cSld>
     <p:spTree>
       <p:nvGrpSpPr>
@@ -1170,8 +1171,6 @@
           <a:custGeom>
             <a:avLst/>
             <a:gdLst/>
-            <a:ahLst/>
-            <a:cxnLst/>
             <a:rect l="l" t="t" r="r" b="b"/>
             <a:pathLst>
               <a:path w="120000" h="120000" extrusionOk="0">
@@ -1228,6 +1227,10 @@
               <a:buNone/>
               <a:defRPr/>
             </a:pPr>
+            <a:r>
+              <a:rPr lang="ko-KR" altLang="en-US"/>
+              <a:t/>
+            </a:r>
             <a:endParaRPr lang="ko-KR" altLang="en-US"/>
           </a:p>
         </p:txBody>
@@ -1241,7 +1244,7 @@
 </file>
 
 <file path=ppt/notesSlides/notesSlide14.xml><?xml version="1.0" encoding="utf-8"?>
-<p:notes xmlns:a="http://schemas.openxmlformats.org/drawingml/2006/main" xmlns:r="http://schemas.openxmlformats.org/officeDocument/2006/relationships" xmlns:p="http://schemas.openxmlformats.org/presentationml/2006/main" showMasterSp="0" showMasterPhAnim="0">
+<p:notes xmlns:r="http://schemas.openxmlformats.org/officeDocument/2006/relationships" xmlns:c="http://schemas.openxmlformats.org/drawingml/2006/chart" xmlns:a="http://schemas.openxmlformats.org/drawingml/2006/main" xmlns:dgm="http://schemas.openxmlformats.org/drawingml/2006/diagram" xmlns:dsp="http://schemas.microsoft.com/office/drawing/2008/diagram" xmlns:p="http://schemas.openxmlformats.org/presentationml/2006/main" showMasterSp="0" showMasterPhAnim="0">
   <p:cSld>
     <p:spTree>
       <p:nvGrpSpPr>
@@ -1275,8 +1278,6 @@
           <a:custGeom>
             <a:avLst/>
             <a:gdLst/>
-            <a:ahLst/>
-            <a:cxnLst/>
             <a:rect l="l" t="t" r="r" b="b"/>
             <a:pathLst>
               <a:path w="120000" h="120000" extrusionOk="0">
@@ -1333,7 +1334,11 @@
               <a:buNone/>
               <a:defRPr/>
             </a:pPr>
-            <a:endParaRPr lang="ko-KR" altLang="en-US" dirty="0"/>
+            <a:r>
+              <a:rPr lang="en-US" altLang="ko-KR"/>
+              <a:t/>
+            </a:r>
+            <a:endParaRPr lang="en-US" altLang="ko-KR"/>
           </a:p>
         </p:txBody>
       </p:sp>
@@ -1346,7 +1351,7 @@
 </file>
 
 <file path=ppt/notesSlides/notesSlide15.xml><?xml version="1.0" encoding="utf-8"?>
-<p:notes xmlns:a="http://schemas.openxmlformats.org/drawingml/2006/main" xmlns:r="http://schemas.openxmlformats.org/officeDocument/2006/relationships" xmlns:p="http://schemas.openxmlformats.org/presentationml/2006/main" showMasterSp="0" showMasterPhAnim="0">
+<p:notes xmlns:r="http://schemas.openxmlformats.org/officeDocument/2006/relationships" xmlns:c="http://schemas.openxmlformats.org/drawingml/2006/chart" xmlns:a="http://schemas.openxmlformats.org/drawingml/2006/main" xmlns:dgm="http://schemas.openxmlformats.org/drawingml/2006/diagram" xmlns:dsp="http://schemas.microsoft.com/office/drawing/2008/diagram" xmlns:p="http://schemas.openxmlformats.org/presentationml/2006/main" showMasterSp="0" showMasterPhAnim="0">
   <p:cSld>
     <p:spTree>
       <p:nvGrpSpPr>
@@ -1380,8 +1385,6 @@
           <a:custGeom>
             <a:avLst/>
             <a:gdLst/>
-            <a:ahLst/>
-            <a:cxnLst/>
             <a:rect l="l" t="t" r="r" b="b"/>
             <a:pathLst>
               <a:path w="120000" h="120000" extrusionOk="0">
@@ -1438,7 +1441,11 @@
               <a:buNone/>
               <a:defRPr/>
             </a:pPr>
-            <a:endParaRPr lang="ko-KR" altLang="en-US"/>
+            <a:r>
+              <a:rPr lang="en-US" altLang="ko-KR"/>
+              <a:t/>
+            </a:r>
+            <a:endParaRPr lang="en-US" altLang="ko-KR"/>
           </a:p>
         </p:txBody>
       </p:sp>
@@ -1451,7 +1458,7 @@
 </file>
 
 <file path=ppt/notesSlides/notesSlide16.xml><?xml version="1.0" encoding="utf-8"?>
-<p:notes xmlns:a="http://schemas.openxmlformats.org/drawingml/2006/main" xmlns:r="http://schemas.openxmlformats.org/officeDocument/2006/relationships" xmlns:p="http://schemas.openxmlformats.org/presentationml/2006/main" showMasterSp="0" showMasterPhAnim="0">
+<p:notes xmlns:r="http://schemas.openxmlformats.org/officeDocument/2006/relationships" xmlns:c="http://schemas.openxmlformats.org/drawingml/2006/chart" xmlns:a="http://schemas.openxmlformats.org/drawingml/2006/main" xmlns:dgm="http://schemas.openxmlformats.org/drawingml/2006/diagram" xmlns:dsp="http://schemas.microsoft.com/office/drawing/2008/diagram" xmlns:p="http://schemas.openxmlformats.org/presentationml/2006/main" showMasterSp="0" showMasterPhAnim="0">
   <p:cSld>
     <p:spTree>
       <p:nvGrpSpPr>
@@ -1485,8 +1492,6 @@
           <a:custGeom>
             <a:avLst/>
             <a:gdLst/>
-            <a:ahLst/>
-            <a:cxnLst/>
             <a:rect l="l" t="t" r="r" b="b"/>
             <a:pathLst>
               <a:path w="120000" h="120000" extrusionOk="0">
@@ -1543,7 +1548,11 @@
               <a:buNone/>
               <a:defRPr/>
             </a:pPr>
-            <a:endParaRPr lang="ko-KR" altLang="en-US"/>
+            <a:r>
+              <a:rPr lang="en-US" altLang="ko-KR"/>
+              <a:t/>
+            </a:r>
+            <a:endParaRPr lang="en-US" altLang="ko-KR"/>
           </a:p>
         </p:txBody>
       </p:sp>
@@ -1556,7 +1565,7 @@
 </file>
 
 <file path=ppt/notesSlides/notesSlide17.xml><?xml version="1.0" encoding="utf-8"?>
-<p:notes xmlns:a="http://schemas.openxmlformats.org/drawingml/2006/main" xmlns:r="http://schemas.openxmlformats.org/officeDocument/2006/relationships" xmlns:p="http://schemas.openxmlformats.org/presentationml/2006/main" showMasterSp="0" showMasterPhAnim="0">
+<p:notes xmlns:r="http://schemas.openxmlformats.org/officeDocument/2006/relationships" xmlns:c="http://schemas.openxmlformats.org/drawingml/2006/chart" xmlns:a="http://schemas.openxmlformats.org/drawingml/2006/main" xmlns:dgm="http://schemas.openxmlformats.org/drawingml/2006/diagram" xmlns:dsp="http://schemas.microsoft.com/office/drawing/2008/diagram" xmlns:p="http://schemas.openxmlformats.org/presentationml/2006/main" showMasterSp="0" showMasterPhAnim="0">
   <p:cSld>
     <p:spTree>
       <p:nvGrpSpPr>
@@ -1590,8 +1599,6 @@
           <a:custGeom>
             <a:avLst/>
             <a:gdLst/>
-            <a:ahLst/>
-            <a:cxnLst/>
             <a:rect l="l" t="t" r="r" b="b"/>
             <a:pathLst>
               <a:path w="120000" h="120000" extrusionOk="0">
@@ -1648,7 +1655,11 @@
               <a:buNone/>
               <a:defRPr/>
             </a:pPr>
-            <a:endParaRPr lang="ko-KR" altLang="en-US" dirty="0"/>
+            <a:r>
+              <a:rPr lang="en-US" altLang="ko-KR"/>
+              <a:t/>
+            </a:r>
+            <a:endParaRPr lang="en-US" altLang="ko-KR"/>
           </a:p>
         </p:txBody>
       </p:sp>
@@ -1661,7 +1672,7 @@
 </file>
 
 <file path=ppt/notesSlides/notesSlide18.xml><?xml version="1.0" encoding="utf-8"?>
-<p:notes xmlns:a="http://schemas.openxmlformats.org/drawingml/2006/main" xmlns:r="http://schemas.openxmlformats.org/officeDocument/2006/relationships" xmlns:p="http://schemas.openxmlformats.org/presentationml/2006/main" showMasterSp="0" showMasterPhAnim="0">
+<p:notes xmlns:r="http://schemas.openxmlformats.org/officeDocument/2006/relationships" xmlns:c="http://schemas.openxmlformats.org/drawingml/2006/chart" xmlns:a="http://schemas.openxmlformats.org/drawingml/2006/main" xmlns:dgm="http://schemas.openxmlformats.org/drawingml/2006/diagram" xmlns:dsp="http://schemas.microsoft.com/office/drawing/2008/diagram" xmlns:p="http://schemas.openxmlformats.org/presentationml/2006/main" showMasterSp="0" showMasterPhAnim="0">
   <p:cSld>
     <p:spTree>
       <p:nvGrpSpPr>
@@ -1695,8 +1706,6 @@
           <a:custGeom>
             <a:avLst/>
             <a:gdLst/>
-            <a:ahLst/>
-            <a:cxnLst/>
             <a:rect l="l" t="t" r="r" b="b"/>
             <a:pathLst>
               <a:path w="120000" h="120000" extrusionOk="0">
@@ -1753,7 +1762,11 @@
               <a:buNone/>
               <a:defRPr/>
             </a:pPr>
-            <a:endParaRPr lang="ko-KR" altLang="en-US"/>
+            <a:r>
+              <a:rPr lang="en-US" altLang="ko-KR"/>
+              <a:t/>
+            </a:r>
+            <a:endParaRPr lang="en-US" altLang="ko-KR"/>
           </a:p>
         </p:txBody>
       </p:sp>
@@ -1766,7 +1779,7 @@
 </file>
 
 <file path=ppt/notesSlides/notesSlide2.xml><?xml version="1.0" encoding="utf-8"?>
-<p:notes xmlns:a="http://schemas.openxmlformats.org/drawingml/2006/main" xmlns:r="http://schemas.openxmlformats.org/officeDocument/2006/relationships" xmlns:p="http://schemas.openxmlformats.org/presentationml/2006/main" showMasterSp="0" showMasterPhAnim="0">
+<p:notes xmlns:r="http://schemas.openxmlformats.org/officeDocument/2006/relationships" xmlns:c="http://schemas.openxmlformats.org/drawingml/2006/chart" xmlns:a="http://schemas.openxmlformats.org/drawingml/2006/main" xmlns:dgm="http://schemas.openxmlformats.org/drawingml/2006/diagram" xmlns:dsp="http://schemas.microsoft.com/office/drawing/2008/diagram" xmlns:p="http://schemas.openxmlformats.org/presentationml/2006/main" showMasterSp="0" showMasterPhAnim="0">
   <p:cSld>
     <p:spTree>
       <p:nvGrpSpPr>
@@ -1800,8 +1813,6 @@
           <a:custGeom>
             <a:avLst/>
             <a:gdLst/>
-            <a:ahLst/>
-            <a:cxnLst/>
             <a:rect l="l" t="t" r="r" b="b"/>
             <a:pathLst>
               <a:path w="120000" h="120000" extrusionOk="0">
@@ -1858,6 +1869,10 @@
               <a:buNone/>
               <a:defRPr/>
             </a:pPr>
+            <a:r>
+              <a:rPr lang="ko-KR" altLang="en-US"/>
+              <a:t/>
+            </a:r>
             <a:endParaRPr lang="ko-KR" altLang="en-US"/>
           </a:p>
         </p:txBody>
@@ -1871,7 +1886,7 @@
 </file>
 
 <file path=ppt/notesSlides/notesSlide3.xml><?xml version="1.0" encoding="utf-8"?>
-<p:notes xmlns:a="http://schemas.openxmlformats.org/drawingml/2006/main" xmlns:r="http://schemas.openxmlformats.org/officeDocument/2006/relationships" xmlns:p="http://schemas.openxmlformats.org/presentationml/2006/main" showMasterSp="0" showMasterPhAnim="0">
+<p:notes xmlns:r="http://schemas.openxmlformats.org/officeDocument/2006/relationships" xmlns:c="http://schemas.openxmlformats.org/drawingml/2006/chart" xmlns:a="http://schemas.openxmlformats.org/drawingml/2006/main" xmlns:dgm="http://schemas.openxmlformats.org/drawingml/2006/diagram" xmlns:dsp="http://schemas.microsoft.com/office/drawing/2008/diagram" xmlns:p="http://schemas.openxmlformats.org/presentationml/2006/main" showMasterSp="0" showMasterPhAnim="0">
   <p:cSld>
     <p:spTree>
       <p:nvGrpSpPr>
@@ -1905,8 +1920,6 @@
           <a:custGeom>
             <a:avLst/>
             <a:gdLst/>
-            <a:ahLst/>
-            <a:cxnLst/>
             <a:rect l="l" t="t" r="r" b="b"/>
             <a:pathLst>
               <a:path w="120000" h="120000" extrusionOk="0">
@@ -1963,7 +1976,11 @@
               <a:buNone/>
               <a:defRPr/>
             </a:pPr>
-            <a:endParaRPr lang="ko-KR" altLang="en-US"/>
+            <a:r>
+              <a:rPr lang="en-US" altLang="ko-KR"/>
+              <a:t/>
+            </a:r>
+            <a:endParaRPr lang="en-US" altLang="ko-KR"/>
           </a:p>
         </p:txBody>
       </p:sp>
@@ -1976,7 +1993,7 @@
 </file>
 
 <file path=ppt/notesSlides/notesSlide4.xml><?xml version="1.0" encoding="utf-8"?>
-<p:notes xmlns:a="http://schemas.openxmlformats.org/drawingml/2006/main" xmlns:r="http://schemas.openxmlformats.org/officeDocument/2006/relationships" xmlns:p="http://schemas.openxmlformats.org/presentationml/2006/main" showMasterSp="0" showMasterPhAnim="0">
+<p:notes xmlns:r="http://schemas.openxmlformats.org/officeDocument/2006/relationships" xmlns:c="http://schemas.openxmlformats.org/drawingml/2006/chart" xmlns:a="http://schemas.openxmlformats.org/drawingml/2006/main" xmlns:dgm="http://schemas.openxmlformats.org/drawingml/2006/diagram" xmlns:dsp="http://schemas.microsoft.com/office/drawing/2008/diagram" xmlns:p="http://schemas.openxmlformats.org/presentationml/2006/main" showMasterSp="0" showMasterPhAnim="0">
   <p:cSld>
     <p:spTree>
       <p:nvGrpSpPr>
@@ -2010,8 +2027,6 @@
           <a:custGeom>
             <a:avLst/>
             <a:gdLst/>
-            <a:ahLst/>
-            <a:cxnLst/>
             <a:rect l="l" t="t" r="r" b="b"/>
             <a:pathLst>
               <a:path w="120000" h="120000" extrusionOk="0">
@@ -2068,7 +2083,11 @@
               <a:buNone/>
               <a:defRPr/>
             </a:pPr>
-            <a:endParaRPr lang="ko-KR" altLang="en-US"/>
+            <a:r>
+              <a:rPr lang="en-US" altLang="ko-KR"/>
+              <a:t/>
+            </a:r>
+            <a:endParaRPr lang="en-US" altLang="ko-KR"/>
           </a:p>
         </p:txBody>
       </p:sp>
@@ -2081,7 +2100,7 @@
 </file>
 
 <file path=ppt/notesSlides/notesSlide5.xml><?xml version="1.0" encoding="utf-8"?>
-<p:notes xmlns:a="http://schemas.openxmlformats.org/drawingml/2006/main" xmlns:r="http://schemas.openxmlformats.org/officeDocument/2006/relationships" xmlns:p="http://schemas.openxmlformats.org/presentationml/2006/main" showMasterSp="0" showMasterPhAnim="0">
+<p:notes xmlns:r="http://schemas.openxmlformats.org/officeDocument/2006/relationships" xmlns:c="http://schemas.openxmlformats.org/drawingml/2006/chart" xmlns:a="http://schemas.openxmlformats.org/drawingml/2006/main" xmlns:dgm="http://schemas.openxmlformats.org/drawingml/2006/diagram" xmlns:dsp="http://schemas.microsoft.com/office/drawing/2008/diagram" xmlns:p="http://schemas.openxmlformats.org/presentationml/2006/main" showMasterSp="0" showMasterPhAnim="0">
   <p:cSld>
     <p:spTree>
       <p:nvGrpSpPr>
@@ -2115,8 +2134,6 @@
           <a:custGeom>
             <a:avLst/>
             <a:gdLst/>
-            <a:ahLst/>
-            <a:cxnLst/>
             <a:rect l="l" t="t" r="r" b="b"/>
             <a:pathLst>
               <a:path w="120000" h="120000" extrusionOk="0">
@@ -2173,7 +2190,11 @@
               <a:buNone/>
               <a:defRPr/>
             </a:pPr>
-            <a:endParaRPr lang="ko-KR" altLang="en-US"/>
+            <a:r>
+              <a:rPr lang="en-US" altLang="ko-KR"/>
+              <a:t/>
+            </a:r>
+            <a:endParaRPr lang="en-US" altLang="ko-KR"/>
           </a:p>
         </p:txBody>
       </p:sp>
@@ -2186,7 +2207,7 @@
 </file>
 
 <file path=ppt/notesSlides/notesSlide6.xml><?xml version="1.0" encoding="utf-8"?>
-<p:notes xmlns:a="http://schemas.openxmlformats.org/drawingml/2006/main" xmlns:r="http://schemas.openxmlformats.org/officeDocument/2006/relationships" xmlns:p="http://schemas.openxmlformats.org/presentationml/2006/main" showMasterSp="0" showMasterPhAnim="0">
+<p:notes xmlns:r="http://schemas.openxmlformats.org/officeDocument/2006/relationships" xmlns:c="http://schemas.openxmlformats.org/drawingml/2006/chart" xmlns:a="http://schemas.openxmlformats.org/drawingml/2006/main" xmlns:dgm="http://schemas.openxmlformats.org/drawingml/2006/diagram" xmlns:dsp="http://schemas.microsoft.com/office/drawing/2008/diagram" xmlns:p="http://schemas.openxmlformats.org/presentationml/2006/main" showMasterSp="0" showMasterPhAnim="0">
   <p:cSld>
     <p:spTree>
       <p:nvGrpSpPr>
@@ -2220,8 +2241,6 @@
           <a:custGeom>
             <a:avLst/>
             <a:gdLst/>
-            <a:ahLst/>
-            <a:cxnLst/>
             <a:rect l="l" t="t" r="r" b="b"/>
             <a:pathLst>
               <a:path w="120000" h="120000" extrusionOk="0">
@@ -2278,7 +2297,11 @@
               <a:buNone/>
               <a:defRPr/>
             </a:pPr>
-            <a:endParaRPr lang="ko-KR" altLang="en-US"/>
+            <a:r>
+              <a:rPr lang="en-US" altLang="ko-KR"/>
+              <a:t/>
+            </a:r>
+            <a:endParaRPr lang="en-US" altLang="ko-KR"/>
           </a:p>
         </p:txBody>
       </p:sp>
@@ -2291,7 +2314,7 @@
 </file>
 
 <file path=ppt/notesSlides/notesSlide7.xml><?xml version="1.0" encoding="utf-8"?>
-<p:notes xmlns:a="http://schemas.openxmlformats.org/drawingml/2006/main" xmlns:r="http://schemas.openxmlformats.org/officeDocument/2006/relationships" xmlns:p="http://schemas.openxmlformats.org/presentationml/2006/main" showMasterSp="0" showMasterPhAnim="0">
+<p:notes xmlns:r="http://schemas.openxmlformats.org/officeDocument/2006/relationships" xmlns:c="http://schemas.openxmlformats.org/drawingml/2006/chart" xmlns:a="http://schemas.openxmlformats.org/drawingml/2006/main" xmlns:dgm="http://schemas.openxmlformats.org/drawingml/2006/diagram" xmlns:dsp="http://schemas.microsoft.com/office/drawing/2008/diagram" xmlns:p="http://schemas.openxmlformats.org/presentationml/2006/main" showMasterSp="0" showMasterPhAnim="0">
   <p:cSld>
     <p:spTree>
       <p:nvGrpSpPr>
@@ -2325,8 +2348,6 @@
           <a:custGeom>
             <a:avLst/>
             <a:gdLst/>
-            <a:ahLst/>
-            <a:cxnLst/>
             <a:rect l="l" t="t" r="r" b="b"/>
             <a:pathLst>
               <a:path w="120000" h="120000" extrusionOk="0">
@@ -2383,6 +2404,10 @@
               <a:buNone/>
               <a:defRPr/>
             </a:pPr>
+            <a:r>
+              <a:rPr lang="ko-KR" altLang="en-US"/>
+              <a:t/>
+            </a:r>
             <a:endParaRPr lang="ko-KR" altLang="en-US"/>
           </a:p>
         </p:txBody>
@@ -2396,7 +2421,7 @@
 </file>
 
 <file path=ppt/notesSlides/notesSlide8.xml><?xml version="1.0" encoding="utf-8"?>
-<p:notes xmlns:a="http://schemas.openxmlformats.org/drawingml/2006/main" xmlns:r="http://schemas.openxmlformats.org/officeDocument/2006/relationships" xmlns:p="http://schemas.openxmlformats.org/presentationml/2006/main" showMasterSp="0" showMasterPhAnim="0">
+<p:notes xmlns:r="http://schemas.openxmlformats.org/officeDocument/2006/relationships" xmlns:c="http://schemas.openxmlformats.org/drawingml/2006/chart" xmlns:a="http://schemas.openxmlformats.org/drawingml/2006/main" xmlns:dgm="http://schemas.openxmlformats.org/drawingml/2006/diagram" xmlns:dsp="http://schemas.microsoft.com/office/drawing/2008/diagram" xmlns:p="http://schemas.openxmlformats.org/presentationml/2006/main" showMasterSp="0" showMasterPhAnim="0">
   <p:cSld>
     <p:spTree>
       <p:nvGrpSpPr>
@@ -2430,8 +2455,6 @@
           <a:custGeom>
             <a:avLst/>
             <a:gdLst/>
-            <a:ahLst/>
-            <a:cxnLst/>
             <a:rect l="l" t="t" r="r" b="b"/>
             <a:pathLst>
               <a:path w="120000" h="120000" extrusionOk="0">
@@ -2488,6 +2511,10 @@
               <a:buNone/>
               <a:defRPr/>
             </a:pPr>
+            <a:r>
+              <a:rPr lang="ko-KR" altLang="en-US"/>
+              <a:t/>
+            </a:r>
             <a:endParaRPr lang="ko-KR" altLang="en-US"/>
           </a:p>
         </p:txBody>
@@ -2501,7 +2528,7 @@
 </file>
 
 <file path=ppt/notesSlides/notesSlide9.xml><?xml version="1.0" encoding="utf-8"?>
-<p:notes xmlns:a="http://schemas.openxmlformats.org/drawingml/2006/main" xmlns:r="http://schemas.openxmlformats.org/officeDocument/2006/relationships" xmlns:p="http://schemas.openxmlformats.org/presentationml/2006/main" showMasterSp="0" showMasterPhAnim="0">
+<p:notes xmlns:r="http://schemas.openxmlformats.org/officeDocument/2006/relationships" xmlns:c="http://schemas.openxmlformats.org/drawingml/2006/chart" xmlns:a="http://schemas.openxmlformats.org/drawingml/2006/main" xmlns:dgm="http://schemas.openxmlformats.org/drawingml/2006/diagram" xmlns:dsp="http://schemas.microsoft.com/office/drawing/2008/diagram" xmlns:p="http://schemas.openxmlformats.org/presentationml/2006/main" showMasterSp="0" showMasterPhAnim="0">
   <p:cSld>
     <p:spTree>
       <p:nvGrpSpPr>
@@ -2535,8 +2562,6 @@
           <a:custGeom>
             <a:avLst/>
             <a:gdLst/>
-            <a:ahLst/>
-            <a:cxnLst/>
             <a:rect l="l" t="t" r="r" b="b"/>
             <a:pathLst>
               <a:path w="120000" h="120000" extrusionOk="0">
@@ -2593,6 +2618,10 @@
               <a:buNone/>
               <a:defRPr/>
             </a:pPr>
+            <a:r>
+              <a:rPr lang="ko-KR" altLang="en-US"/>
+              <a:t/>
+            </a:r>
             <a:endParaRPr lang="ko-KR" altLang="en-US"/>
           </a:p>
         </p:txBody>
@@ -5746,7 +5775,7 @@
 </file>
 
 <file path=ppt/slides/slide10.xml><?xml version="1.0" encoding="utf-8"?>
-<p:sld xmlns:a="http://schemas.openxmlformats.org/drawingml/2006/main" xmlns:r="http://schemas.openxmlformats.org/officeDocument/2006/relationships" xmlns:p="http://schemas.openxmlformats.org/presentationml/2006/main">
+<p:sld xmlns:r="http://schemas.openxmlformats.org/officeDocument/2006/relationships" xmlns:c="http://schemas.openxmlformats.org/drawingml/2006/chart" xmlns:a="http://schemas.openxmlformats.org/drawingml/2006/main" xmlns:dgm="http://schemas.openxmlformats.org/drawingml/2006/diagram" xmlns:dsp="http://schemas.microsoft.com/office/drawing/2008/diagram" xmlns:p="http://schemas.openxmlformats.org/presentationml/2006/main">
   <p:cSld>
     <p:spTree>
       <p:nvGrpSpPr>
@@ -5769,7 +5798,7 @@
             <a:spLocks noGrp="1"/>
           </p:cNvSpPr>
           <p:nvPr>
-            <p:ph type="title"/>
+            <p:ph type="title" idx="0"/>
           </p:nvPr>
         </p:nvSpPr>
         <p:spPr>
@@ -5826,7 +5855,7 @@
             <a:r>
               <a:rPr lang="en-US" altLang="ko-KR">
                 <a:solidFill>
-                  <a:srgbClr val="1D263F"/>
+                  <a:srgbClr val="1d263f"/>
                 </a:solidFill>
                 <a:latin typeface="+mj-ea"/>
                 <a:ea typeface="+mj-ea"/>
@@ -5836,7 +5865,7 @@
             <a:r>
               <a:rPr lang="ko-KR" altLang="en-US">
                 <a:solidFill>
-                  <a:srgbClr val="1D263F"/>
+                  <a:srgbClr val="1d263f"/>
                 </a:solidFill>
                 <a:latin typeface="+mj-ea"/>
                 <a:ea typeface="+mj-ea"/>
@@ -5846,7 +5875,7 @@
             <a:r>
               <a:rPr lang="en-US" altLang="ko-KR">
                 <a:solidFill>
-                  <a:srgbClr val="1D263F"/>
+                  <a:srgbClr val="1d263f"/>
                 </a:solidFill>
                 <a:latin typeface="+mj-ea"/>
                 <a:ea typeface="+mj-ea"/>
@@ -5856,7 +5885,7 @@
             <a:r>
               <a:rPr lang="ko-KR" altLang="en-US">
                 <a:solidFill>
-                  <a:srgbClr val="1D263F"/>
+                  <a:srgbClr val="1d263f"/>
                 </a:solidFill>
                 <a:latin typeface="+mj-ea"/>
                 <a:ea typeface="+mj-ea"/>
@@ -5865,7 +5894,7 @@
             </a:r>
             <a:endParaRPr>
               <a:solidFill>
-                <a:srgbClr val="1D263F"/>
+                <a:srgbClr val="1d263f"/>
               </a:solidFill>
               <a:latin typeface="+mj-ea"/>
               <a:ea typeface="+mj-ea"/>
@@ -6011,48 +6040,55 @@
               <a:tr h="1638580">
                 <a:tc>
                   <a:txBody>
-                    <a:bodyPr/>
-                    <a:lstStyle/>
+                    <a:bodyPr vert="horz" lIns="91440" tIns="45720" rIns="91440" bIns="45720" anchor="ctr" anchorCtr="0"/>
                     <a:p>
                       <a:pPr algn="ctr" latinLnBrk="1">
                         <a:defRPr/>
                       </a:pPr>
                       <a:r>
-                        <a:rPr lang="ko-KR" altLang="en-US" dirty="0">
+                        <a:rPr lang="ko-KR" altLang="en-US">
                           <a:latin typeface="+mj-ea"/>
                           <a:ea typeface="+mj-ea"/>
                         </a:rPr>
                         <a:t>기술</a:t>
                       </a:r>
+                      <a:endParaRPr lang="ko-KR" altLang="en-US">
+                        <a:latin typeface="+mj-ea"/>
+                        <a:ea typeface="+mj-ea"/>
+                      </a:endParaRPr>
                     </a:p>
                     <a:p>
                       <a:pPr algn="ctr" latinLnBrk="1">
                         <a:defRPr/>
                       </a:pPr>
                       <a:r>
-                        <a:rPr lang="en-US" altLang="ko-KR" dirty="0">
+                        <a:rPr lang="en-US" altLang="ko-KR">
                           <a:latin typeface="+mj-ea"/>
                           <a:ea typeface="+mj-ea"/>
                         </a:rPr>
                         <a:t>(5</a:t>
                       </a:r>
                       <a:r>
-                        <a:rPr lang="ko-KR" altLang="en-US" baseline="0" dirty="0">
+                        <a:rPr lang="ko-KR" altLang="en-US" baseline="0">
                           <a:latin typeface="+mj-ea"/>
                           <a:ea typeface="+mj-ea"/>
                         </a:rPr>
                         <a:t> 개</a:t>
                       </a:r>
                       <a:r>
-                        <a:rPr lang="en-US" altLang="ko-KR" baseline="0" dirty="0">
+                        <a:rPr lang="en-US" altLang="ko-KR" baseline="0">
                           <a:latin typeface="+mj-ea"/>
                           <a:ea typeface="+mj-ea"/>
                         </a:rPr>
                         <a:t>)</a:t>
                       </a:r>
+                      <a:endParaRPr lang="en-US" altLang="ko-KR" baseline="0">
+                        <a:latin typeface="+mj-ea"/>
+                        <a:ea typeface="+mj-ea"/>
+                      </a:endParaRPr>
                     </a:p>
                   </a:txBody>
-                  <a:tcPr anchor="ctr">
+                  <a:tcPr marL="91440" marR="91440" anchor="ctr">
                     <a:lnL w="12700" cap="flat" cmpd="sng" algn="ctr">
                       <a:solidFill>
                         <a:schemeClr val="tx2">
@@ -6093,8 +6129,7 @@
                 </a:tc>
                 <a:tc>
                   <a:txBody>
-                    <a:bodyPr/>
-                    <a:lstStyle/>
+                    <a:bodyPr vert="horz" lIns="91440" tIns="45720" rIns="91440" bIns="45720" anchor="ctr" anchorCtr="0"/>
                     <a:p>
                       <a:pPr latinLnBrk="1">
                         <a:lnSpc>
@@ -6103,47 +6138,37 @@
                         <a:defRPr/>
                       </a:pPr>
                       <a:r>
-                        <a:rPr lang="ko-KR" altLang="en-US" baseline="0" dirty="0" err="1">
+                        <a:rPr lang="ko-KR" altLang="en-US" baseline="0">
                           <a:latin typeface="+mj-ea"/>
                           <a:ea typeface="+mj-ea"/>
                         </a:rPr>
                         <a:t>위빙</a:t>
                       </a:r>
                       <a:r>
-                        <a:rPr lang="en-US" altLang="ko-KR" baseline="0" dirty="0">
+                        <a:rPr lang="en-US" altLang="ko-KR" baseline="0">
                           <a:latin typeface="+mj-ea"/>
                           <a:ea typeface="+mj-ea"/>
                         </a:rPr>
                         <a:t>(</a:t>
                       </a:r>
                       <a:r>
-                        <a:rPr lang="ko-KR" altLang="en-US" baseline="0" dirty="0">
+                        <a:rPr lang="ko-KR" altLang="en-US" baseline="0">
                           <a:latin typeface="+mj-ea"/>
                           <a:ea typeface="+mj-ea"/>
                         </a:rPr>
-                        <a:t> 방향키 </a:t>
-                      </a:r>
-                      <a:r>
-                        <a:rPr lang="ko-KR" altLang="en-US" baseline="0" dirty="0" err="1">
+                        <a:t> 방향키 두번 </a:t>
+                      </a:r>
+                      <a:r>
+                        <a:rPr lang="en-US" altLang="ko-KR" baseline="0">
                           <a:latin typeface="+mj-ea"/>
                           <a:ea typeface="+mj-ea"/>
                         </a:rPr>
-                        <a:t>두번</a:t>
-                      </a:r>
-                      <a:r>
-                        <a:rPr lang="ko-KR" altLang="en-US" baseline="0" dirty="0">
-                          <a:latin typeface="+mj-ea"/>
-                          <a:ea typeface="+mj-ea"/>
-                        </a:rPr>
-                        <a:t> </a:t>
-                      </a:r>
-                      <a:r>
-                        <a:rPr lang="en-US" altLang="ko-KR" baseline="0" dirty="0">
-                          <a:latin typeface="+mj-ea"/>
-                          <a:ea typeface="+mj-ea"/>
-                        </a:rPr>
                         <a:t>)</a:t>
                       </a:r>
+                      <a:endParaRPr lang="en-US" altLang="ko-KR" baseline="0">
+                        <a:latin typeface="+mj-ea"/>
+                        <a:ea typeface="+mj-ea"/>
+                      </a:endParaRPr>
                     </a:p>
                     <a:p>
                       <a:pPr latinLnBrk="1">
@@ -6153,47 +6178,51 @@
                         <a:defRPr/>
                       </a:pPr>
                       <a:r>
-                        <a:rPr lang="ko-KR" altLang="en-US" baseline="0" dirty="0">
+                        <a:rPr lang="ko-KR" altLang="en-US" baseline="0">
                           <a:latin typeface="+mj-ea"/>
                           <a:ea typeface="+mj-ea"/>
                         </a:rPr>
                         <a:t>스트레이트</a:t>
                       </a:r>
                       <a:r>
-                        <a:rPr lang="en-US" altLang="ko-KR" baseline="0" dirty="0">
+                        <a:rPr lang="en-US" altLang="ko-KR" baseline="0">
                           <a:latin typeface="+mj-ea"/>
                           <a:ea typeface="+mj-ea"/>
                         </a:rPr>
                         <a:t>, </a:t>
                       </a:r>
                       <a:r>
-                        <a:rPr lang="ko-KR" altLang="en-US" baseline="0" dirty="0" err="1">
+                        <a:rPr lang="ko-KR" altLang="en-US" baseline="0">
                           <a:latin typeface="+mj-ea"/>
                           <a:ea typeface="+mj-ea"/>
                         </a:rPr>
                         <a:t>어퍼</a:t>
                       </a:r>
                       <a:r>
-                        <a:rPr lang="en-US" altLang="ko-KR" baseline="0" dirty="0">
+                        <a:rPr lang="en-US" altLang="ko-KR" baseline="0">
                           <a:latin typeface="+mj-ea"/>
                           <a:ea typeface="+mj-ea"/>
                         </a:rPr>
                         <a:t>(</a:t>
                       </a:r>
                       <a:r>
-                        <a:rPr lang="ko-KR" altLang="en-US" baseline="0" dirty="0">
+                        <a:rPr lang="ko-KR" altLang="en-US" baseline="0">
                           <a:latin typeface="+mj-ea"/>
                           <a:ea typeface="+mj-ea"/>
                         </a:rPr>
                         <a:t> 자동기술 </a:t>
                       </a:r>
                       <a:r>
-                        <a:rPr lang="en-US" altLang="ko-KR" baseline="0" dirty="0">
+                        <a:rPr lang="en-US" altLang="ko-KR" baseline="0">
                           <a:latin typeface="+mj-ea"/>
                           <a:ea typeface="+mj-ea"/>
                         </a:rPr>
                         <a:t>)</a:t>
                       </a:r>
+                      <a:endParaRPr lang="en-US" altLang="ko-KR" baseline="0">
+                        <a:latin typeface="+mj-ea"/>
+                        <a:ea typeface="+mj-ea"/>
+                      </a:endParaRPr>
                     </a:p>
                     <a:p>
                       <a:pPr latinLnBrk="1">
@@ -6203,36 +6232,40 @@
                         <a:defRPr/>
                       </a:pPr>
                       <a:r>
-                        <a:rPr lang="ko-KR" altLang="en-US" baseline="0" dirty="0" err="1">
+                        <a:rPr lang="ko-KR" altLang="en-US" baseline="0">
                           <a:latin typeface="+mj-ea"/>
                           <a:ea typeface="+mj-ea"/>
                         </a:rPr>
                         <a:t>원투</a:t>
                       </a:r>
                       <a:r>
-                        <a:rPr lang="en-US" altLang="ko-KR" baseline="0" dirty="0">
+                        <a:rPr lang="en-US" altLang="ko-KR" baseline="0">
                           <a:latin typeface="+mj-ea"/>
                           <a:ea typeface="+mj-ea"/>
                         </a:rPr>
                         <a:t>(</a:t>
                       </a:r>
                       <a:r>
-                        <a:rPr lang="ko-KR" altLang="en-US" baseline="0" dirty="0">
+                        <a:rPr lang="ko-KR" altLang="en-US" baseline="0">
                           <a:latin typeface="+mj-ea"/>
                           <a:ea typeface="+mj-ea"/>
                         </a:rPr>
                         <a:t> 양쪽 잽 </a:t>
                       </a:r>
                       <a:r>
-                        <a:rPr lang="en-US" altLang="ko-KR" baseline="0" dirty="0">
+                        <a:rPr lang="en-US" altLang="ko-KR" baseline="0">
                           <a:latin typeface="+mj-ea"/>
                           <a:ea typeface="+mj-ea"/>
                         </a:rPr>
                         <a:t>)</a:t>
                       </a:r>
+                      <a:endParaRPr lang="en-US" altLang="ko-KR" baseline="0">
+                        <a:latin typeface="+mj-ea"/>
+                        <a:ea typeface="+mj-ea"/>
+                      </a:endParaRPr>
                     </a:p>
                   </a:txBody>
-                  <a:tcPr anchor="ctr">
+                  <a:tcPr marL="91440" marR="91440" anchor="ctr">
                     <a:lnL w="12700" cap="flat" cmpd="sng" algn="ctr">
                       <a:solidFill>
                         <a:schemeClr val="tx2">
@@ -6275,31 +6308,37 @@
               <a:tr h="1638580">
                 <a:tc>
                   <a:txBody>
-                    <a:bodyPr/>
-                    <a:lstStyle/>
+                    <a:bodyPr vert="horz" lIns="91440" tIns="45720" rIns="91440" bIns="45720" anchor="ctr" anchorCtr="0"/>
                     <a:p>
                       <a:pPr algn="ctr" latinLnBrk="1">
                         <a:defRPr/>
                       </a:pPr>
                       <a:r>
-                        <a:rPr lang="ko-KR" altLang="en-US" dirty="0">
+                        <a:rPr lang="ko-KR" altLang="en-US">
                           <a:solidFill>
-                            <a:srgbClr val="1D263F"/>
+                            <a:srgbClr val="1d263f"/>
                           </a:solidFill>
                           <a:latin typeface="+mj-ea"/>
                           <a:ea typeface="+mj-ea"/>
                         </a:rPr>
                         <a:t>연계기</a:t>
                       </a:r>
+                      <a:endParaRPr lang="ko-KR" altLang="en-US">
+                        <a:solidFill>
+                          <a:srgbClr val="1d263f"/>
+                        </a:solidFill>
+                        <a:latin typeface="+mj-ea"/>
+                        <a:ea typeface="+mj-ea"/>
+                      </a:endParaRPr>
                     </a:p>
                     <a:p>
                       <a:pPr algn="ctr" latinLnBrk="1">
                         <a:defRPr/>
                       </a:pPr>
                       <a:r>
-                        <a:rPr lang="en-US" altLang="ko-KR" dirty="0">
+                        <a:rPr lang="en-US" altLang="ko-KR">
                           <a:solidFill>
-                            <a:srgbClr val="1D263F"/>
+                            <a:srgbClr val="1d263f"/>
                           </a:solidFill>
                           <a:latin typeface="+mj-ea"/>
                           <a:ea typeface="+mj-ea"/>
@@ -6307,28 +6346,45 @@
                         <a:t>(</a:t>
                       </a:r>
                       <a:r>
-                        <a:rPr lang="ko-KR" altLang="en-US" baseline="0" dirty="0">
+                        <a:rPr lang="en-US" altLang="ko-KR" baseline="0">
                           <a:solidFill>
-                            <a:srgbClr val="1D263F"/>
+                            <a:srgbClr val="1d263f"/>
                           </a:solidFill>
                           <a:latin typeface="+mj-ea"/>
                           <a:ea typeface="+mj-ea"/>
                         </a:rPr>
-                        <a:t>횟수 제한</a:t>
-                      </a:r>
-                      <a:r>
-                        <a:rPr lang="en-US" altLang="ko-KR" baseline="0" dirty="0">
+                        <a:t>5</a:t>
+                      </a:r>
+                      <a:r>
+                        <a:rPr lang="ko-KR" altLang="en-US" baseline="0">
                           <a:solidFill>
-                            <a:srgbClr val="1D263F"/>
+                            <a:srgbClr val="1d263f"/>
                           </a:solidFill>
                           <a:latin typeface="+mj-ea"/>
                           <a:ea typeface="+mj-ea"/>
                         </a:rPr>
+                        <a:t> 개</a:t>
+                      </a:r>
+                      <a:r>
+                        <a:rPr lang="en-US" altLang="ko-KR" baseline="0">
+                          <a:solidFill>
+                            <a:srgbClr val="1d263f"/>
+                          </a:solidFill>
+                          <a:latin typeface="+mj-ea"/>
+                          <a:ea typeface="+mj-ea"/>
+                        </a:rPr>
                         <a:t>)</a:t>
                       </a:r>
+                      <a:endParaRPr lang="en-US" altLang="ko-KR" baseline="0">
+                        <a:solidFill>
+                          <a:srgbClr val="1d263f"/>
+                        </a:solidFill>
+                        <a:latin typeface="+mj-ea"/>
+                        <a:ea typeface="+mj-ea"/>
+                      </a:endParaRPr>
                     </a:p>
                   </a:txBody>
-                  <a:tcPr anchor="ctr">
+                  <a:tcPr marL="91440" marR="91440" anchor="ctr">
                     <a:lnL w="12700" cap="flat" cmpd="sng" algn="ctr">
                       <a:solidFill>
                         <a:schemeClr val="tx2">
@@ -6369,8 +6425,7 @@
                 </a:tc>
                 <a:tc>
                   <a:txBody>
-                    <a:bodyPr/>
-                    <a:lstStyle/>
+                    <a:bodyPr vert="horz" lIns="91440" tIns="45720" rIns="91440" bIns="45720" anchor="ctr" anchorCtr="0"/>
                     <a:p>
                       <a:pPr marL="0" marR="0" indent="0" algn="l" defTabSz="914400" rtl="0" eaLnBrk="1" latinLnBrk="1" hangingPunct="1">
                         <a:lnSpc>
@@ -6390,9 +6445,9 @@
                         <a:defRPr/>
                       </a:pPr>
                       <a:r>
-                        <a:rPr lang="ko-KR" altLang="en-US" baseline="0" dirty="0">
+                        <a:rPr lang="ko-KR" altLang="en-US" baseline="0">
                           <a:solidFill>
-                            <a:srgbClr val="1D263F"/>
+                            <a:srgbClr val="1d263f"/>
                           </a:solidFill>
                           <a:latin typeface="+mj-ea"/>
                           <a:ea typeface="+mj-ea"/>
@@ -6400,9 +6455,9 @@
                         <a:t>잽</a:t>
                       </a:r>
                       <a:r>
-                        <a:rPr lang="en-US" altLang="ko-KR" baseline="0" dirty="0">
+                        <a:rPr lang="en-US" altLang="ko-KR" baseline="0">
                           <a:solidFill>
-                            <a:srgbClr val="1D263F"/>
+                            <a:srgbClr val="1d263f"/>
                           </a:solidFill>
                           <a:latin typeface="+mj-ea"/>
                           <a:ea typeface="+mj-ea"/>
@@ -6410,9 +6465,9 @@
                         <a:t>-</a:t>
                       </a:r>
                       <a:r>
-                        <a:rPr lang="ko-KR" altLang="en-US" baseline="0" dirty="0">
+                        <a:rPr lang="ko-KR" altLang="en-US" baseline="0">
                           <a:solidFill>
-                            <a:srgbClr val="1D263F"/>
+                            <a:srgbClr val="1d263f"/>
                           </a:solidFill>
                           <a:latin typeface="+mj-ea"/>
                           <a:ea typeface="+mj-ea"/>
@@ -6420,9 +6475,9 @@
                         <a:t>스트레이트</a:t>
                       </a:r>
                       <a:r>
-                        <a:rPr lang="en-US" altLang="ko-KR" baseline="0" dirty="0">
+                        <a:rPr lang="en-US" altLang="ko-KR" baseline="0">
                           <a:solidFill>
-                            <a:srgbClr val="1D263F"/>
+                            <a:srgbClr val="1d263f"/>
                           </a:solidFill>
                           <a:latin typeface="+mj-ea"/>
                           <a:ea typeface="+mj-ea"/>
@@ -6430,9 +6485,9 @@
                         <a:t>-</a:t>
                       </a:r>
                       <a:r>
-                        <a:rPr lang="ko-KR" altLang="en-US" baseline="0" dirty="0">
+                        <a:rPr lang="ko-KR" altLang="en-US" baseline="0">
                           <a:solidFill>
-                            <a:srgbClr val="1D263F"/>
+                            <a:srgbClr val="1d263f"/>
                           </a:solidFill>
                           <a:latin typeface="+mj-ea"/>
                           <a:ea typeface="+mj-ea"/>
@@ -6440,79 +6495,79 @@
                         <a:t>훅</a:t>
                       </a:r>
                       <a:r>
-                        <a:rPr lang="en-US" altLang="ko-KR" baseline="0" dirty="0">
+                        <a:rPr lang="en-US" altLang="ko-KR" baseline="0">
                           <a:solidFill>
-                            <a:srgbClr val="1D263F"/>
+                            <a:srgbClr val="1d263f"/>
                           </a:solidFill>
                           <a:latin typeface="+mj-ea"/>
                           <a:ea typeface="+mj-ea"/>
                         </a:rPr>
-                        <a:t>(</a:t>
-                      </a:r>
-                      <a:r>
-                        <a:rPr lang="ko-KR" altLang="en-US" baseline="0" dirty="0" err="1">
+                        <a:t> (</a:t>
+                      </a:r>
+                      <a:r>
+                        <a:rPr lang="ko-KR" altLang="en-US" baseline="0">
                           <a:solidFill>
-                            <a:srgbClr val="1D263F"/>
+                            <a:srgbClr val="1d263f"/>
                           </a:solidFill>
                           <a:latin typeface="+mj-ea"/>
                           <a:ea typeface="+mj-ea"/>
                         </a:rPr>
-                        <a:t>어퍼</a:t>
-                      </a:r>
-                      <a:r>
-                        <a:rPr lang="en-US" altLang="ko-KR" baseline="0" dirty="0">
+                        <a:t> </a:t>
+                      </a:r>
+                      <a:r>
+                        <a:rPr lang="en-US" altLang="ko-KR" baseline="0">
                           <a:solidFill>
-                            <a:srgbClr val="1D263F"/>
+                            <a:srgbClr val="1d263f"/>
                           </a:solidFill>
                           <a:latin typeface="+mj-ea"/>
                           <a:ea typeface="+mj-ea"/>
                         </a:rPr>
-                        <a:t>) (</a:t>
-                      </a:r>
-                      <a:r>
-                        <a:rPr lang="ko-KR" altLang="en-US" baseline="0" dirty="0">
+                        <a:t>[</a:t>
+                      </a:r>
+                      <a:r>
+                        <a:rPr lang="ko-KR" altLang="en-US" baseline="0">
                           <a:solidFill>
-                            <a:srgbClr val="1D263F"/>
+                            <a:srgbClr val="1d263f"/>
                           </a:solidFill>
                           <a:latin typeface="+mj-ea"/>
                           <a:ea typeface="+mj-ea"/>
                         </a:rPr>
-                        <a:t> </a:t>
-                      </a:r>
-                      <a:r>
-                        <a:rPr lang="en-US" altLang="ko-KR" baseline="0" dirty="0">
+                        <a:t>전방 이동</a:t>
+                      </a:r>
+                      <a:r>
+                        <a:rPr lang="en-US" altLang="ko-KR" baseline="0">
                           <a:solidFill>
-                            <a:srgbClr val="1D263F"/>
+                            <a:srgbClr val="1d263f"/>
                           </a:solidFill>
                           <a:latin typeface="+mj-ea"/>
                           <a:ea typeface="+mj-ea"/>
                         </a:rPr>
-                        <a:t>[ </a:t>
-                      </a:r>
-                      <a:r>
-                        <a:rPr lang="ko-KR" altLang="en-US" baseline="0" dirty="0">
+                        <a:t>]-[ S ]-[</a:t>
+                      </a:r>
+                      <a:r>
+                        <a:rPr lang="ko-KR" altLang="en-US" baseline="0">
                           <a:solidFill>
-                            <a:srgbClr val="1D263F"/>
+                            <a:srgbClr val="1d263f"/>
                           </a:solidFill>
                           <a:latin typeface="+mj-ea"/>
                           <a:ea typeface="+mj-ea"/>
                         </a:rPr>
-                        <a:t>전방 이동</a:t>
-                      </a:r>
-                      <a:r>
-                        <a:rPr lang="en-US" altLang="ko-KR" baseline="0" dirty="0">
+                        <a:t> </a:t>
+                      </a:r>
+                      <a:r>
+                        <a:rPr lang="en-US" altLang="ko-KR" baseline="0">
                           <a:solidFill>
-                            <a:srgbClr val="1D263F"/>
+                            <a:srgbClr val="1d263f"/>
                           </a:solidFill>
                           <a:latin typeface="+mj-ea"/>
                           <a:ea typeface="+mj-ea"/>
                         </a:rPr>
-                        <a:t> ]-[ S ]-[ ; ]</a:t>
-                      </a:r>
-                      <a:r>
-                        <a:rPr lang="ko-KR" altLang="en-US" baseline="0" dirty="0">
+                        <a:t>; ]</a:t>
+                      </a:r>
+                      <a:r>
+                        <a:rPr lang="ko-KR" altLang="en-US" baseline="0">
                           <a:solidFill>
-                            <a:srgbClr val="1D263F"/>
+                            <a:srgbClr val="1d263f"/>
                           </a:solidFill>
                           <a:latin typeface="+mj-ea"/>
                           <a:ea typeface="+mj-ea"/>
@@ -6520,15 +6575,22 @@
                         <a:t> </a:t>
                       </a:r>
                       <a:r>
-                        <a:rPr lang="en-US" altLang="ko-KR" baseline="0" dirty="0">
+                        <a:rPr lang="en-US" altLang="ko-KR" baseline="0">
                           <a:solidFill>
-                            <a:srgbClr val="1D263F"/>
+                            <a:srgbClr val="1d263f"/>
                           </a:solidFill>
                           <a:latin typeface="+mj-ea"/>
                           <a:ea typeface="+mj-ea"/>
                         </a:rPr>
                         <a:t>)</a:t>
                       </a:r>
+                      <a:endParaRPr lang="en-US" altLang="ko-KR" baseline="0">
+                        <a:solidFill>
+                          <a:srgbClr val="1d263f"/>
+                        </a:solidFill>
+                        <a:latin typeface="+mj-ea"/>
+                        <a:ea typeface="+mj-ea"/>
+                      </a:endParaRPr>
                     </a:p>
                     <a:p>
                       <a:pPr marL="0" marR="0" indent="0" algn="l" defTabSz="914400" rtl="0" eaLnBrk="1" latinLnBrk="1" hangingPunct="1">
@@ -6549,9 +6611,9 @@
                         <a:defRPr/>
                       </a:pPr>
                       <a:r>
-                        <a:rPr lang="ko-KR" altLang="en-US" baseline="0" dirty="0">
+                        <a:rPr lang="ko-KR" altLang="en-US" baseline="0">
                           <a:solidFill>
-                            <a:srgbClr val="1D263F"/>
+                            <a:srgbClr val="1d263f"/>
                           </a:solidFill>
                           <a:latin typeface="+mj-ea"/>
                           <a:ea typeface="+mj-ea"/>
@@ -6559,9 +6621,9 @@
                         <a:t>잽</a:t>
                       </a:r>
                       <a:r>
-                        <a:rPr lang="en-US" altLang="ko-KR" baseline="0" dirty="0">
+                        <a:rPr lang="en-US" altLang="ko-KR" baseline="0">
                           <a:solidFill>
-                            <a:srgbClr val="1D263F"/>
+                            <a:srgbClr val="1d263f"/>
                           </a:solidFill>
                           <a:latin typeface="+mj-ea"/>
                           <a:ea typeface="+mj-ea"/>
@@ -6569,9 +6631,9 @@
                         <a:t>-</a:t>
                       </a:r>
                       <a:r>
-                        <a:rPr lang="ko-KR" altLang="en-US" baseline="0" dirty="0">
+                        <a:rPr lang="ko-KR" altLang="en-US" baseline="0">
                           <a:solidFill>
-                            <a:srgbClr val="1D263F"/>
+                            <a:srgbClr val="1d263f"/>
                           </a:solidFill>
                           <a:latin typeface="+mj-ea"/>
                           <a:ea typeface="+mj-ea"/>
@@ -6579,9 +6641,9 @@
                         <a:t>잽</a:t>
                       </a:r>
                       <a:r>
-                        <a:rPr lang="en-US" altLang="ko-KR" baseline="0" dirty="0">
+                        <a:rPr lang="en-US" altLang="ko-KR" baseline="0">
                           <a:solidFill>
-                            <a:srgbClr val="1D263F"/>
+                            <a:srgbClr val="1d263f"/>
                           </a:solidFill>
                           <a:latin typeface="+mj-ea"/>
                           <a:ea typeface="+mj-ea"/>
@@ -6589,9 +6651,9 @@
                         <a:t>-</a:t>
                       </a:r>
                       <a:r>
-                        <a:rPr lang="ko-KR" altLang="en-US" baseline="0" dirty="0" err="1">
+                        <a:rPr lang="ko-KR" altLang="en-US" baseline="0">
                           <a:solidFill>
-                            <a:srgbClr val="1D263F"/>
+                            <a:srgbClr val="1d263f"/>
                           </a:solidFill>
                           <a:latin typeface="+mj-ea"/>
                           <a:ea typeface="+mj-ea"/>
@@ -6599,9 +6661,9 @@
                         <a:t>어퍼</a:t>
                       </a:r>
                       <a:r>
-                        <a:rPr lang="en-US" altLang="ko-KR" baseline="0" dirty="0">
+                        <a:rPr lang="en-US" altLang="ko-KR" baseline="0">
                           <a:solidFill>
-                            <a:srgbClr val="1D263F"/>
+                            <a:srgbClr val="1d263f"/>
                           </a:solidFill>
                           <a:latin typeface="+mj-ea"/>
                           <a:ea typeface="+mj-ea"/>
@@ -6609,9 +6671,9 @@
                         <a:t> (</a:t>
                       </a:r>
                       <a:r>
-                        <a:rPr lang="ko-KR" altLang="en-US" baseline="0" dirty="0">
+                        <a:rPr lang="ko-KR" altLang="en-US" baseline="0">
                           <a:solidFill>
-                            <a:srgbClr val="1D263F"/>
+                            <a:srgbClr val="1d263f"/>
                           </a:solidFill>
                           <a:latin typeface="+mj-ea"/>
                           <a:ea typeface="+mj-ea"/>
@@ -6619,9 +6681,9 @@
                         <a:t> </a:t>
                       </a:r>
                       <a:r>
-                        <a:rPr lang="en-US" altLang="ko-KR" baseline="0" dirty="0">
+                        <a:rPr lang="en-US" altLang="ko-KR" baseline="0">
                           <a:solidFill>
-                            <a:srgbClr val="1D263F"/>
+                            <a:srgbClr val="1d263f"/>
                           </a:solidFill>
                           <a:latin typeface="+mj-ea"/>
                           <a:ea typeface="+mj-ea"/>
@@ -6629,9 +6691,9 @@
                         <a:t>[ S ]-[ S ]-[ ; ]</a:t>
                       </a:r>
                       <a:r>
-                        <a:rPr lang="ko-KR" altLang="en-US" baseline="0" dirty="0">
+                        <a:rPr lang="ko-KR" altLang="en-US" baseline="0">
                           <a:solidFill>
-                            <a:srgbClr val="1D263F"/>
+                            <a:srgbClr val="1d263f"/>
                           </a:solidFill>
                           <a:latin typeface="+mj-ea"/>
                           <a:ea typeface="+mj-ea"/>
@@ -6639,15 +6701,22 @@
                         <a:t> </a:t>
                       </a:r>
                       <a:r>
-                        <a:rPr lang="en-US" altLang="ko-KR" baseline="0" dirty="0">
+                        <a:rPr lang="en-US" altLang="ko-KR" baseline="0">
                           <a:solidFill>
-                            <a:srgbClr val="1D263F"/>
+                            <a:srgbClr val="1d263f"/>
                           </a:solidFill>
                           <a:latin typeface="+mj-ea"/>
                           <a:ea typeface="+mj-ea"/>
                         </a:rPr>
                         <a:t>)</a:t>
                       </a:r>
+                      <a:endParaRPr lang="en-US" altLang="ko-KR" baseline="0">
+                        <a:solidFill>
+                          <a:srgbClr val="1d263f"/>
+                        </a:solidFill>
+                        <a:latin typeface="+mj-ea"/>
+                        <a:ea typeface="+mj-ea"/>
+                      </a:endParaRPr>
                     </a:p>
                     <a:p>
                       <a:pPr marL="0" marR="0" indent="0" algn="l" defTabSz="914400" rtl="0" eaLnBrk="1" latinLnBrk="1" hangingPunct="1">
@@ -6668,9 +6737,9 @@
                         <a:defRPr/>
                       </a:pPr>
                       <a:r>
-                        <a:rPr lang="ko-KR" altLang="en-US" baseline="0" dirty="0">
+                        <a:rPr lang="ko-KR" altLang="en-US" baseline="0">
                           <a:solidFill>
-                            <a:srgbClr val="1D263F"/>
+                            <a:srgbClr val="1d263f"/>
                           </a:solidFill>
                           <a:latin typeface="+mj-ea"/>
                           <a:ea typeface="+mj-ea"/>
@@ -6678,9 +6747,9 @@
                         <a:t>잽</a:t>
                       </a:r>
                       <a:r>
-                        <a:rPr lang="en-US" altLang="ko-KR" baseline="0" dirty="0">
+                        <a:rPr lang="en-US" altLang="ko-KR" baseline="0">
                           <a:solidFill>
-                            <a:srgbClr val="1D263F"/>
+                            <a:srgbClr val="1d263f"/>
                           </a:solidFill>
                           <a:latin typeface="+mj-ea"/>
                           <a:ea typeface="+mj-ea"/>
@@ -6688,9 +6757,9 @@
                         <a:t>-</a:t>
                       </a:r>
                       <a:r>
-                        <a:rPr lang="ko-KR" altLang="en-US" baseline="0" dirty="0">
+                        <a:rPr lang="ko-KR" altLang="en-US" baseline="0">
                           <a:solidFill>
-                            <a:srgbClr val="1D263F"/>
+                            <a:srgbClr val="1d263f"/>
                           </a:solidFill>
                           <a:latin typeface="+mj-ea"/>
                           <a:ea typeface="+mj-ea"/>
@@ -6698,9 +6767,9 @@
                         <a:t>스트레이트</a:t>
                       </a:r>
                       <a:r>
-                        <a:rPr lang="en-US" altLang="ko-KR" baseline="0" dirty="0">
+                        <a:rPr lang="en-US" altLang="ko-KR" baseline="0">
                           <a:solidFill>
-                            <a:srgbClr val="1D263F"/>
+                            <a:srgbClr val="1d263f"/>
                           </a:solidFill>
                           <a:latin typeface="+mj-ea"/>
                           <a:ea typeface="+mj-ea"/>
@@ -6708,9 +6777,9 @@
                         <a:t>-</a:t>
                       </a:r>
                       <a:r>
-                        <a:rPr lang="ko-KR" altLang="en-US" baseline="0" dirty="0">
+                        <a:rPr lang="ko-KR" altLang="en-US" baseline="0">
                           <a:solidFill>
-                            <a:srgbClr val="1D263F"/>
+                            <a:srgbClr val="1d263f"/>
                           </a:solidFill>
                           <a:latin typeface="+mj-ea"/>
                           <a:ea typeface="+mj-ea"/>
@@ -6718,9 +6787,9 @@
                         <a:t>잽</a:t>
                       </a:r>
                       <a:r>
-                        <a:rPr lang="en-US" altLang="ko-KR" baseline="0" dirty="0">
+                        <a:rPr lang="en-US" altLang="ko-KR" baseline="0">
                           <a:solidFill>
-                            <a:srgbClr val="1D263F"/>
+                            <a:srgbClr val="1d263f"/>
                           </a:solidFill>
                           <a:latin typeface="+mj-ea"/>
                           <a:ea typeface="+mj-ea"/>
@@ -6728,9 +6797,9 @@
                         <a:t>-</a:t>
                       </a:r>
                       <a:r>
-                        <a:rPr lang="ko-KR" altLang="en-US" baseline="0" dirty="0">
+                        <a:rPr lang="ko-KR" altLang="en-US" baseline="0">
                           <a:solidFill>
-                            <a:srgbClr val="1D263F"/>
+                            <a:srgbClr val="1d263f"/>
                           </a:solidFill>
                           <a:latin typeface="+mj-ea"/>
                           <a:ea typeface="+mj-ea"/>
@@ -6738,9 +6807,9 @@
                         <a:t>스트레이트 </a:t>
                       </a:r>
                       <a:r>
-                        <a:rPr lang="en-US" altLang="ko-KR" baseline="0" dirty="0">
+                        <a:rPr lang="en-US" altLang="ko-KR" baseline="0">
                           <a:solidFill>
-                            <a:srgbClr val="1D263F"/>
+                            <a:srgbClr val="1d263f"/>
                           </a:solidFill>
                           <a:latin typeface="+mj-ea"/>
                           <a:ea typeface="+mj-ea"/>
@@ -6748,9 +6817,9 @@
                         <a:t>(</a:t>
                       </a:r>
                       <a:r>
-                        <a:rPr lang="ko-KR" altLang="en-US" baseline="0" dirty="0">
+                        <a:rPr lang="ko-KR" altLang="en-US" baseline="0">
                           <a:solidFill>
-                            <a:srgbClr val="1D263F"/>
+                            <a:srgbClr val="1d263f"/>
                           </a:solidFill>
                           <a:latin typeface="+mj-ea"/>
                           <a:ea typeface="+mj-ea"/>
@@ -6758,19 +6827,19 @@
                         <a:t> </a:t>
                       </a:r>
                       <a:r>
-                        <a:rPr lang="en-US" altLang="ko-KR" baseline="0" dirty="0">
+                        <a:rPr lang="en-US" altLang="ko-KR" baseline="0">
                           <a:solidFill>
-                            <a:srgbClr val="1D263F"/>
+                            <a:srgbClr val="1d263f"/>
                           </a:solidFill>
                           <a:latin typeface="+mj-ea"/>
                           <a:ea typeface="+mj-ea"/>
                         </a:rPr>
-                        <a:t>[ </a:t>
-                      </a:r>
-                      <a:r>
-                        <a:rPr lang="ko-KR" altLang="en-US" baseline="0" dirty="0">
+                        <a:t>[</a:t>
+                      </a:r>
+                      <a:r>
+                        <a:rPr lang="ko-KR" altLang="en-US" baseline="0">
                           <a:solidFill>
-                            <a:srgbClr val="1D263F"/>
+                            <a:srgbClr val="1d263f"/>
                           </a:solidFill>
                           <a:latin typeface="+mj-ea"/>
                           <a:ea typeface="+mj-ea"/>
@@ -6778,29 +6847,29 @@
                         <a:t>전방 이동</a:t>
                       </a:r>
                       <a:r>
-                        <a:rPr lang="en-US" altLang="ko-KR" baseline="0" dirty="0">
+                        <a:rPr lang="en-US" altLang="ko-KR" baseline="0">
                           <a:solidFill>
-                            <a:srgbClr val="1D263F"/>
+                            <a:srgbClr val="1d263f"/>
                           </a:solidFill>
                           <a:latin typeface="+mj-ea"/>
                           <a:ea typeface="+mj-ea"/>
                         </a:rPr>
-                        <a:t> ]-[ S ]-[ ; ]-[ S ]-[</a:t>
-                      </a:r>
-                      <a:r>
-                        <a:rPr lang="ko-KR" altLang="en-US" baseline="0" dirty="0">
+                        <a:t>]-[ S ]-[ ; ]-[</a:t>
+                      </a:r>
+                      <a:r>
+                        <a:rPr lang="ko-KR" altLang="en-US" baseline="0">
                           <a:solidFill>
-                            <a:srgbClr val="1D263F"/>
+                            <a:srgbClr val="1d263f"/>
                           </a:solidFill>
                           <a:latin typeface="+mj-ea"/>
                           <a:ea typeface="+mj-ea"/>
                         </a:rPr>
-                        <a:t>전방이동</a:t>
-                      </a:r>
-                      <a:r>
-                        <a:rPr lang="en-US" altLang="ko-KR" baseline="0" dirty="0">
+                        <a:t>전방 이동</a:t>
+                      </a:r>
+                      <a:r>
+                        <a:rPr lang="en-US" altLang="ko-KR" baseline="0">
                           <a:solidFill>
-                            <a:srgbClr val="1D263F"/>
+                            <a:srgbClr val="1d263f"/>
                           </a:solidFill>
                           <a:latin typeface="+mj-ea"/>
                           <a:ea typeface="+mj-ea"/>
@@ -6808,9 +6877,9 @@
                         <a:t>]</a:t>
                       </a:r>
                       <a:r>
-                        <a:rPr lang="ko-KR" altLang="en-US" baseline="0" dirty="0">
+                        <a:rPr lang="ko-KR" altLang="en-US" baseline="0">
                           <a:solidFill>
-                            <a:srgbClr val="1D263F"/>
+                            <a:srgbClr val="1d263f"/>
                           </a:solidFill>
                           <a:latin typeface="+mj-ea"/>
                           <a:ea typeface="+mj-ea"/>
@@ -6818,15 +6887,22 @@
                         <a:t> </a:t>
                       </a:r>
                       <a:r>
-                        <a:rPr lang="en-US" altLang="ko-KR" baseline="0" dirty="0">
+                        <a:rPr lang="en-US" altLang="ko-KR" baseline="0">
                           <a:solidFill>
-                            <a:srgbClr val="1D263F"/>
+                            <a:srgbClr val="1d263f"/>
                           </a:solidFill>
                           <a:latin typeface="+mj-ea"/>
                           <a:ea typeface="+mj-ea"/>
                         </a:rPr>
                         <a:t>)</a:t>
                       </a:r>
+                      <a:endParaRPr lang="en-US" altLang="ko-KR" baseline="0">
+                        <a:solidFill>
+                          <a:srgbClr val="1d263f"/>
+                        </a:solidFill>
+                        <a:latin typeface="+mj-ea"/>
+                        <a:ea typeface="+mj-ea"/>
+                      </a:endParaRPr>
                     </a:p>
                     <a:p>
                       <a:pPr marL="0" marR="0" indent="0" algn="l" defTabSz="914400" rtl="0" eaLnBrk="1" latinLnBrk="1" hangingPunct="1">
@@ -6847,9 +6923,9 @@
                         <a:defRPr/>
                       </a:pPr>
                       <a:r>
-                        <a:rPr lang="ko-KR" altLang="en-US" baseline="0" dirty="0">
+                        <a:rPr lang="ko-KR" altLang="en-US" baseline="0">
                           <a:solidFill>
-                            <a:srgbClr val="1D263F"/>
+                            <a:srgbClr val="1d263f"/>
                           </a:solidFill>
                           <a:latin typeface="+mj-ea"/>
                           <a:ea typeface="+mj-ea"/>
@@ -6857,9 +6933,9 @@
                         <a:t>잽</a:t>
                       </a:r>
                       <a:r>
-                        <a:rPr lang="en-US" altLang="ko-KR" baseline="0" dirty="0">
+                        <a:rPr lang="en-US" altLang="ko-KR" baseline="0">
                           <a:solidFill>
-                            <a:srgbClr val="1D263F"/>
+                            <a:srgbClr val="1d263f"/>
                           </a:solidFill>
                           <a:latin typeface="+mj-ea"/>
                           <a:ea typeface="+mj-ea"/>
@@ -6867,9 +6943,9 @@
                         <a:t>-</a:t>
                       </a:r>
                       <a:r>
-                        <a:rPr lang="ko-KR" altLang="en-US" baseline="0" dirty="0">
+                        <a:rPr lang="ko-KR" altLang="en-US" baseline="0">
                           <a:solidFill>
-                            <a:srgbClr val="1D263F"/>
+                            <a:srgbClr val="1d263f"/>
                           </a:solidFill>
                           <a:latin typeface="+mj-ea"/>
                           <a:ea typeface="+mj-ea"/>
@@ -6877,9 +6953,9 @@
                         <a:t>스트레이트</a:t>
                       </a:r>
                       <a:r>
-                        <a:rPr lang="en-US" altLang="ko-KR" baseline="0" dirty="0">
+                        <a:rPr lang="en-US" altLang="ko-KR" baseline="0">
                           <a:solidFill>
-                            <a:srgbClr val="1D263F"/>
+                            <a:srgbClr val="1d263f"/>
                           </a:solidFill>
                           <a:latin typeface="+mj-ea"/>
                           <a:ea typeface="+mj-ea"/>
@@ -6887,9 +6963,9 @@
                         <a:t>-</a:t>
                       </a:r>
                       <a:r>
-                        <a:rPr lang="ko-KR" altLang="en-US" baseline="0" dirty="0">
+                        <a:rPr lang="ko-KR" altLang="en-US" baseline="0">
                           <a:solidFill>
-                            <a:srgbClr val="1D263F"/>
+                            <a:srgbClr val="1d263f"/>
                           </a:solidFill>
                           <a:latin typeface="+mj-ea"/>
                           <a:ea typeface="+mj-ea"/>
@@ -6897,9 +6973,9 @@
                         <a:t>훅</a:t>
                       </a:r>
                       <a:r>
-                        <a:rPr lang="en-US" altLang="ko-KR" baseline="0" dirty="0">
+                        <a:rPr lang="en-US" altLang="ko-KR" baseline="0">
                           <a:solidFill>
-                            <a:srgbClr val="1D263F"/>
+                            <a:srgbClr val="1d263f"/>
                           </a:solidFill>
                           <a:latin typeface="+mj-ea"/>
                           <a:ea typeface="+mj-ea"/>
@@ -6907,9 +6983,9 @@
                         <a:t>-</a:t>
                       </a:r>
                       <a:r>
-                        <a:rPr lang="ko-KR" altLang="en-US" baseline="0" dirty="0">
+                        <a:rPr lang="ko-KR" altLang="en-US" baseline="0">
                           <a:solidFill>
-                            <a:srgbClr val="1D263F"/>
+                            <a:srgbClr val="1d263f"/>
                           </a:solidFill>
                           <a:latin typeface="+mj-ea"/>
                           <a:ea typeface="+mj-ea"/>
@@ -6917,9 +6993,9 @@
                         <a:t>훅</a:t>
                       </a:r>
                       <a:r>
-                        <a:rPr lang="en-US" altLang="ko-KR" baseline="0" dirty="0">
+                        <a:rPr lang="en-US" altLang="ko-KR" baseline="0">
                           <a:solidFill>
-                            <a:srgbClr val="1D263F"/>
+                            <a:srgbClr val="1d263f"/>
                           </a:solidFill>
                           <a:latin typeface="+mj-ea"/>
                           <a:ea typeface="+mj-ea"/>
@@ -6927,9 +7003,9 @@
                         <a:t>-</a:t>
                       </a:r>
                       <a:r>
-                        <a:rPr lang="ko-KR" altLang="en-US" baseline="0" dirty="0" err="1">
+                        <a:rPr lang="ko-KR" altLang="en-US" baseline="0">
                           <a:solidFill>
-                            <a:srgbClr val="1D263F"/>
+                            <a:srgbClr val="1d263f"/>
                           </a:solidFill>
                           <a:latin typeface="+mj-ea"/>
                           <a:ea typeface="+mj-ea"/>
@@ -6937,9 +7013,9 @@
                         <a:t>어퍼</a:t>
                       </a:r>
                       <a:r>
-                        <a:rPr lang="en-US" altLang="ko-KR" baseline="0" dirty="0">
+                        <a:rPr lang="en-US" altLang="ko-KR" baseline="0">
                           <a:solidFill>
-                            <a:srgbClr val="1D263F"/>
+                            <a:srgbClr val="1d263f"/>
                           </a:solidFill>
                           <a:latin typeface="+mj-ea"/>
                           <a:ea typeface="+mj-ea"/>
@@ -6947,9 +7023,9 @@
                         <a:t>-</a:t>
                       </a:r>
                       <a:r>
-                        <a:rPr lang="ko-KR" altLang="en-US" baseline="0" dirty="0" err="1">
+                        <a:rPr lang="ko-KR" altLang="en-US" baseline="0">
                           <a:solidFill>
-                            <a:srgbClr val="1D263F"/>
+                            <a:srgbClr val="1d263f"/>
                           </a:solidFill>
                           <a:latin typeface="+mj-ea"/>
                           <a:ea typeface="+mj-ea"/>
@@ -6957,9 +7033,9 @@
                         <a:t>어퍼</a:t>
                       </a:r>
                       <a:r>
-                        <a:rPr lang="en-US" altLang="ko-KR" baseline="0" dirty="0">
+                        <a:rPr lang="en-US" altLang="ko-KR" baseline="0">
                           <a:solidFill>
-                            <a:srgbClr val="1D263F"/>
+                            <a:srgbClr val="1d263f"/>
                           </a:solidFill>
                           <a:latin typeface="+mj-ea"/>
                           <a:ea typeface="+mj-ea"/>
@@ -6967,9 +7043,9 @@
                         <a:t> (</a:t>
                       </a:r>
                       <a:r>
-                        <a:rPr lang="ko-KR" altLang="en-US" baseline="0" dirty="0">
+                        <a:rPr lang="ko-KR" altLang="en-US" baseline="0">
                           <a:solidFill>
-                            <a:srgbClr val="1D263F"/>
+                            <a:srgbClr val="1d263f"/>
                           </a:solidFill>
                           <a:latin typeface="+mj-ea"/>
                           <a:ea typeface="+mj-ea"/>
@@ -6977,9 +7053,9 @@
                         <a:t> </a:t>
                       </a:r>
                       <a:r>
-                        <a:rPr lang="en-US" altLang="ko-KR" baseline="0" dirty="0">
+                        <a:rPr lang="en-US" altLang="ko-KR" baseline="0">
                           <a:solidFill>
-                            <a:srgbClr val="1D263F"/>
+                            <a:srgbClr val="1d263f"/>
                           </a:solidFill>
                           <a:latin typeface="+mj-ea"/>
                           <a:ea typeface="+mj-ea"/>
@@ -6987,19 +7063,19 @@
                         <a:t>[ S ]-[ ; ]-[ A ]-[ ’ ]-[</a:t>
                       </a:r>
                       <a:r>
-                        <a:rPr lang="ko-KR" altLang="en-US" baseline="0" dirty="0">
+                        <a:rPr lang="ko-KR" altLang="en-US" baseline="0">
                           <a:solidFill>
-                            <a:srgbClr val="1D263F"/>
+                            <a:srgbClr val="1d263f"/>
                           </a:solidFill>
                           <a:latin typeface="+mj-ea"/>
                           <a:ea typeface="+mj-ea"/>
                         </a:rPr>
-                        <a:t>전방이동</a:t>
-                      </a:r>
-                      <a:r>
-                        <a:rPr lang="en-US" altLang="ko-KR" baseline="0" dirty="0">
+                        <a:t>전방 이동</a:t>
+                      </a:r>
+                      <a:r>
+                        <a:rPr lang="en-US" altLang="ko-KR" baseline="0">
                           <a:solidFill>
-                            <a:srgbClr val="1D263F"/>
+                            <a:srgbClr val="1d263f"/>
                           </a:solidFill>
                           <a:latin typeface="+mj-ea"/>
                           <a:ea typeface="+mj-ea"/>
@@ -7007,9 +7083,9 @@
                         <a:t>]</a:t>
                       </a:r>
                       <a:r>
-                        <a:rPr lang="ko-KR" altLang="en-US" baseline="0" dirty="0">
+                        <a:rPr lang="ko-KR" altLang="en-US" baseline="0">
                           <a:solidFill>
-                            <a:srgbClr val="1D263F"/>
+                            <a:srgbClr val="1d263f"/>
                           </a:solidFill>
                           <a:latin typeface="+mj-ea"/>
                           <a:ea typeface="+mj-ea"/>
@@ -7017,15 +7093,22 @@
                         <a:t> </a:t>
                       </a:r>
                       <a:r>
-                        <a:rPr lang="en-US" altLang="ko-KR" baseline="0" dirty="0">
+                        <a:rPr lang="en-US" altLang="ko-KR" baseline="0">
                           <a:solidFill>
-                            <a:srgbClr val="1D263F"/>
+                            <a:srgbClr val="1d263f"/>
                           </a:solidFill>
                           <a:latin typeface="+mj-ea"/>
                           <a:ea typeface="+mj-ea"/>
                         </a:rPr>
                         <a:t>)</a:t>
                       </a:r>
+                      <a:endParaRPr lang="en-US" altLang="ko-KR" baseline="0">
+                        <a:solidFill>
+                          <a:srgbClr val="1d263f"/>
+                        </a:solidFill>
+                        <a:latin typeface="+mj-ea"/>
+                        <a:ea typeface="+mj-ea"/>
+                      </a:endParaRPr>
                     </a:p>
                     <a:p>
                       <a:pPr marL="0" marR="0" indent="0" algn="l" defTabSz="914400" rtl="0" eaLnBrk="1" latinLnBrk="1" hangingPunct="1">
@@ -7046,158 +7129,135 @@
                         <a:defRPr/>
                       </a:pPr>
                       <a:r>
-                        <a:rPr lang="ko-KR" altLang="en-US" baseline="0" dirty="0" err="1">
+                        <a:rPr lang="ko-KR" altLang="en-US" baseline="0">
                           <a:solidFill>
-                            <a:srgbClr val="1D263F"/>
+                            <a:srgbClr val="1d263f"/>
                           </a:solidFill>
                           <a:latin typeface="+mj-ea"/>
                           <a:ea typeface="+mj-ea"/>
                         </a:rPr>
-                        <a:t>댐프시</a:t>
-                      </a:r>
-                      <a:r>
-                        <a:rPr lang="ko-KR" altLang="en-US" baseline="0" dirty="0">
+                        <a:t>댐프시 롤 </a:t>
+                      </a:r>
+                      <a:r>
+                        <a:rPr lang="en-US" altLang="ko-KR" baseline="0">
                           <a:solidFill>
-                            <a:srgbClr val="1D263F"/>
+                            <a:srgbClr val="1d263f"/>
                           </a:solidFill>
                           <a:latin typeface="+mj-ea"/>
                           <a:ea typeface="+mj-ea"/>
                         </a:rPr>
-                        <a:t> </a:t>
-                      </a:r>
-                      <a:r>
-                        <a:rPr lang="ko-KR" altLang="en-US" baseline="0" dirty="0" err="1">
+                        <a:t>(</a:t>
+                      </a:r>
+                      <a:r>
+                        <a:rPr lang="ko-KR" altLang="en-US" baseline="0">
                           <a:solidFill>
-                            <a:srgbClr val="1D263F"/>
+                            <a:srgbClr val="1d263f"/>
                           </a:solidFill>
                           <a:latin typeface="+mj-ea"/>
                           <a:ea typeface="+mj-ea"/>
                         </a:rPr>
-                        <a:t>롤</a:t>
-                      </a:r>
-                      <a:r>
-                        <a:rPr lang="ko-KR" altLang="en-US" baseline="0" dirty="0">
+                        <a:t> </a:t>
+                      </a:r>
+                      <a:r>
+                        <a:rPr lang="en-US" altLang="ko-KR" baseline="0">
                           <a:solidFill>
-                            <a:srgbClr val="1D263F"/>
+                            <a:srgbClr val="1d263f"/>
                           </a:solidFill>
                           <a:latin typeface="+mj-ea"/>
                           <a:ea typeface="+mj-ea"/>
                         </a:rPr>
-                        <a:t> </a:t>
-                      </a:r>
-                      <a:r>
-                        <a:rPr lang="en-US" altLang="ko-KR" baseline="0" dirty="0">
+                        <a:t>[</a:t>
+                      </a:r>
+                      <a:r>
+                        <a:rPr lang="ko-KR" altLang="en-US" baseline="0">
                           <a:solidFill>
-                            <a:srgbClr val="1D263F"/>
+                            <a:srgbClr val="1d263f"/>
                           </a:solidFill>
                           <a:latin typeface="+mj-ea"/>
                           <a:ea typeface="+mj-ea"/>
                         </a:rPr>
-                        <a:t>(</a:t>
-                      </a:r>
-                      <a:r>
-                        <a:rPr lang="ko-KR" altLang="en-US" baseline="0" dirty="0">
+                        <a:t>위빙</a:t>
+                      </a:r>
+                      <a:r>
+                        <a:rPr lang="en-US" altLang="ko-KR" baseline="0">
                           <a:solidFill>
-                            <a:srgbClr val="1D263F"/>
+                            <a:srgbClr val="1d263f"/>
                           </a:solidFill>
                           <a:latin typeface="+mj-ea"/>
                           <a:ea typeface="+mj-ea"/>
                         </a:rPr>
-                        <a:t> </a:t>
-                      </a:r>
-                      <a:r>
-                        <a:rPr lang="en-US" altLang="ko-KR" baseline="0" dirty="0">
+                        <a:t>]-[</a:t>
+                      </a:r>
+                      <a:r>
+                        <a:rPr lang="ko-KR" altLang="en-US" baseline="0">
                           <a:solidFill>
-                            <a:srgbClr val="1D263F"/>
+                            <a:srgbClr val="1d263f"/>
                           </a:solidFill>
                           <a:latin typeface="+mj-ea"/>
                           <a:ea typeface="+mj-ea"/>
                         </a:rPr>
-                        <a:t>[</a:t>
-                      </a:r>
-                      <a:r>
-                        <a:rPr lang="ko-KR" altLang="en-US" baseline="0" dirty="0" err="1">
+                        <a:t>위빙</a:t>
+                      </a:r>
+                      <a:r>
+                        <a:rPr lang="en-US" altLang="ko-KR" baseline="0">
                           <a:solidFill>
-                            <a:srgbClr val="1D263F"/>
+                            <a:srgbClr val="1d263f"/>
                           </a:solidFill>
                           <a:latin typeface="+mj-ea"/>
                           <a:ea typeface="+mj-ea"/>
                         </a:rPr>
-                        <a:t>위빙</a:t>
-                      </a:r>
-                      <a:r>
-                        <a:rPr lang="en-US" altLang="ko-KR" baseline="0" dirty="0">
+                        <a:t>]-[</a:t>
+                      </a:r>
+                      <a:r>
+                        <a:rPr lang="ko-KR" altLang="en-US" baseline="0">
                           <a:solidFill>
-                            <a:srgbClr val="1D263F"/>
+                            <a:srgbClr val="1d263f"/>
                           </a:solidFill>
                           <a:latin typeface="+mj-ea"/>
                           <a:ea typeface="+mj-ea"/>
                         </a:rPr>
-                        <a:t>]-[</a:t>
-                      </a:r>
-                      <a:r>
-                        <a:rPr lang="ko-KR" altLang="en-US" baseline="0" dirty="0" err="1">
+                        <a:t>훅</a:t>
+                      </a:r>
+                      <a:r>
+                        <a:rPr lang="en-US" altLang="ko-KR" baseline="0">
                           <a:solidFill>
-                            <a:srgbClr val="1D263F"/>
+                            <a:srgbClr val="1d263f"/>
                           </a:solidFill>
                           <a:latin typeface="+mj-ea"/>
                           <a:ea typeface="+mj-ea"/>
                         </a:rPr>
-                        <a:t>위빙</a:t>
-                      </a:r>
-                      <a:r>
-                        <a:rPr lang="en-US" altLang="ko-KR" baseline="0" dirty="0">
+                        <a:t>]</a:t>
+                      </a:r>
+                      <a:r>
+                        <a:rPr lang="ko-KR" altLang="en-US" baseline="0">
                           <a:solidFill>
-                            <a:srgbClr val="1D263F"/>
+                            <a:srgbClr val="1d263f"/>
                           </a:solidFill>
                           <a:latin typeface="+mj-ea"/>
                           <a:ea typeface="+mj-ea"/>
                         </a:rPr>
-                        <a:t>]-[</a:t>
-                      </a:r>
-                      <a:r>
-                        <a:rPr lang="ko-KR" altLang="en-US" baseline="0" dirty="0" err="1">
+                        <a:t> </a:t>
+                      </a:r>
+                      <a:r>
+                        <a:rPr lang="en-US" altLang="ko-KR" baseline="0">
                           <a:solidFill>
-                            <a:srgbClr val="1D263F"/>
+                            <a:srgbClr val="1d263f"/>
                           </a:solidFill>
                           <a:latin typeface="+mj-ea"/>
                           <a:ea typeface="+mj-ea"/>
                         </a:rPr>
-                        <a:t>어퍼</a:t>
-                      </a:r>
-                      <a:r>
-                        <a:rPr lang="en-US" altLang="ko-KR" baseline="0" dirty="0">
-                          <a:solidFill>
-                            <a:srgbClr val="1D263F"/>
-                          </a:solidFill>
-                          <a:latin typeface="+mj-ea"/>
-                          <a:ea typeface="+mj-ea"/>
-                        </a:rPr>
-                        <a:t>]</a:t>
-                      </a:r>
-                      <a:r>
-                        <a:rPr lang="ko-KR" altLang="en-US" baseline="0" dirty="0">
-                          <a:solidFill>
-                            <a:srgbClr val="1D263F"/>
-                          </a:solidFill>
-                          <a:latin typeface="+mj-ea"/>
-                          <a:ea typeface="+mj-ea"/>
-                        </a:rPr>
-                        <a:t> </a:t>
-                      </a:r>
-                      <a:r>
-                        <a:rPr lang="en-US" altLang="ko-KR" baseline="0" dirty="0">
-                          <a:solidFill>
-                            <a:srgbClr val="1D263F"/>
-                          </a:solidFill>
-                          <a:latin typeface="+mj-ea"/>
-                          <a:ea typeface="+mj-ea"/>
-                        </a:rPr>
                         <a:t>)</a:t>
                       </a:r>
+                      <a:endParaRPr lang="en-US" altLang="ko-KR" baseline="0">
+                        <a:solidFill>
+                          <a:srgbClr val="1d263f"/>
+                        </a:solidFill>
+                        <a:latin typeface="+mj-ea"/>
+                        <a:ea typeface="+mj-ea"/>
+                      </a:endParaRPr>
                     </a:p>
                   </a:txBody>
-                  <a:tcPr anchor="ctr">
+                  <a:tcPr marL="91440" marR="91440" anchor="ctr">
                     <a:lnL w="12700" cap="flat" cmpd="sng" algn="ctr">
                       <a:solidFill>
                         <a:schemeClr val="tx2">
@@ -7246,11 +7306,11 @@
   <p:clrMapOvr>
     <a:masterClrMapping/>
   </p:clrMapOvr>
-  <mc:AlternateContent xmlns:mc="http://schemas.openxmlformats.org/markup-compatibility/2006" xmlns:p14="http://schemas.microsoft.com/office/powerpoint/2010/main">
-    <mc:Choice Requires="p14">
-      <p:transition/>
+  <mc:AlternateContent xmlns:mc="http://schemas.openxmlformats.org/markup-compatibility/2006">
+    <mc:Choice xmlns:p14="http://schemas.microsoft.com/office/powerpoint/2010/main" Requires="p14">
+      <p:transition xmlns:mc="http://schemas.openxmlformats.org/markup-compatibility/2006" xmlns:p14="http://schemas.microsoft.com/office/powerpoint/2010/main" mc:Ignorable="p14" p14:dur="500"/>
     </mc:Choice>
-    <mc:Fallback xmlns:dsp="http://schemas.microsoft.com/office/drawing/2008/diagram" xmlns:dgm="http://schemas.openxmlformats.org/drawingml/2006/diagram" xmlns:c="http://schemas.openxmlformats.org/drawingml/2006/chart" xmlns="">
+    <mc:Fallback>
       <p:transition/>
     </mc:Fallback>
   </mc:AlternateContent>
@@ -7265,7 +7325,7 @@
 </file>
 
 <file path=ppt/slides/slide11.xml><?xml version="1.0" encoding="utf-8"?>
-<p:sld xmlns:a="http://schemas.openxmlformats.org/drawingml/2006/main" xmlns:r="http://schemas.openxmlformats.org/officeDocument/2006/relationships" xmlns:p="http://schemas.openxmlformats.org/presentationml/2006/main">
+<p:sld xmlns:r="http://schemas.openxmlformats.org/officeDocument/2006/relationships" xmlns:c="http://schemas.openxmlformats.org/drawingml/2006/chart" xmlns:a="http://schemas.openxmlformats.org/drawingml/2006/main" xmlns:dgm="http://schemas.openxmlformats.org/drawingml/2006/diagram" xmlns:dsp="http://schemas.microsoft.com/office/drawing/2008/diagram" xmlns:p="http://schemas.openxmlformats.org/presentationml/2006/main">
   <p:cSld>
     <p:spTree>
       <p:nvGrpSpPr>
@@ -7288,7 +7348,7 @@
             <a:spLocks noGrp="1"/>
           </p:cNvSpPr>
           <p:nvPr>
-            <p:ph type="title"/>
+            <p:ph type="title" idx="0"/>
           </p:nvPr>
         </p:nvSpPr>
         <p:spPr>
@@ -7386,7 +7446,7 @@
         </p:nvSpPr>
         <p:spPr>
           <a:xfrm>
-            <a:off x="899592" y="1520200"/>
+            <a:off x="899592" y="1523401"/>
             <a:ext cx="3528392" cy="3280597"/>
           </a:xfrm>
           <a:prstGeom prst="rect">
@@ -7426,6 +7486,17 @@
               </a:rPr>
               <a:t>타격감</a:t>
             </a:r>
+            <a:endParaRPr lang="ko-KR" altLang="en-US" sz="1800" b="1">
+              <a:solidFill>
+                <a:schemeClr val="tx1">
+                  <a:lumMod val="50000"/>
+                </a:schemeClr>
+              </a:solidFill>
+              <a:latin typeface="Lato"/>
+              <a:ea typeface="Lato"/>
+              <a:cs typeface="Lato"/>
+              <a:sym typeface="Lato"/>
+            </a:endParaRPr>
           </a:p>
           <a:p>
             <a:pPr marL="285750" lvl="0" indent="-285750" algn="l" rtl="0">
@@ -7453,6 +7524,17 @@
               </a:rPr>
               <a:t>감각치환</a:t>
             </a:r>
+            <a:endParaRPr lang="ko-KR" altLang="en-US" sz="1600" b="1">
+              <a:solidFill>
+                <a:schemeClr val="tx1">
+                  <a:lumMod val="50000"/>
+                </a:schemeClr>
+              </a:solidFill>
+              <a:latin typeface="Lato"/>
+              <a:ea typeface="Lato"/>
+              <a:cs typeface="Lato"/>
+              <a:sym typeface="Lato"/>
+            </a:endParaRPr>
           </a:p>
           <a:p>
             <a:pPr marL="285750" lvl="0" indent="-285750" algn="l" rtl="0">
@@ -7508,55 +7590,6 @@
               </a:rPr>
               <a:t>청각적 효과</a:t>
             </a:r>
-          </a:p>
-          <a:p>
-            <a:pPr marL="285750" lvl="0" indent="-285750" algn="l" rtl="0">
-              <a:spcBef>
-                <a:spcPts val="600"/>
-              </a:spcBef>
-              <a:spcAft>
-                <a:spcPts val="0"/>
-              </a:spcAft>
-              <a:buFontTx/>
-              <a:buChar char="-"/>
-              <a:defRPr/>
-            </a:pPr>
-            <a:endParaRPr lang="ko-KR" altLang="en-US" sz="1600" b="1">
-              <a:solidFill>
-                <a:schemeClr val="tx1">
-                  <a:lumMod val="50000"/>
-                </a:schemeClr>
-              </a:solidFill>
-              <a:latin typeface="Lato"/>
-              <a:ea typeface="Lato"/>
-              <a:cs typeface="Lato"/>
-              <a:sym typeface="Lato"/>
-            </a:endParaRPr>
-          </a:p>
-          <a:p>
-            <a:pPr lvl="0" algn="l" rtl="0">
-              <a:spcBef>
-                <a:spcPts val="600"/>
-              </a:spcBef>
-              <a:spcAft>
-                <a:spcPts val="0"/>
-              </a:spcAft>
-              <a:defRPr/>
-            </a:pPr>
-            <a:r>
-              <a:rPr lang="ko-KR" altLang="en-US" sz="1800" b="1">
-                <a:solidFill>
-                  <a:schemeClr val="tx1">
-                    <a:lumMod val="50000"/>
-                  </a:schemeClr>
-                </a:solidFill>
-                <a:latin typeface="Lato"/>
-                <a:ea typeface="Lato"/>
-                <a:cs typeface="Lato"/>
-                <a:sym typeface="Lato"/>
-              </a:rPr>
-              <a:t>관련 논문</a:t>
-            </a:r>
             <a:endParaRPr lang="ko-KR" altLang="en-US" sz="1600" b="1">
               <a:solidFill>
                 <a:schemeClr val="tx1">
@@ -7581,8 +7614,27 @@
               <a:buChar char="-"/>
               <a:defRPr/>
             </a:pPr>
+            <a:endParaRPr lang="en-US" altLang="ko-KR" sz="1600" b="1">
+              <a:solidFill>
+                <a:schemeClr val="tx1">
+                  <a:lumMod val="50000"/>
+                </a:schemeClr>
+              </a:solidFill>
+              <a:latin typeface="Lato"/>
+              <a:ea typeface="Lato"/>
+              <a:cs typeface="Lato"/>
+              <a:sym typeface="Lato"/>
+            </a:endParaRPr>
+          </a:p>
+          <a:p>
+            <a:pPr lvl="0">
+              <a:spcBef>
+                <a:spcPts val="600"/>
+              </a:spcBef>
+              <a:defRPr/>
+            </a:pPr>
             <a:r>
-              <a:rPr lang="en-US" altLang="ko-KR" sz="1600" b="1">
+              <a:rPr lang="ko-KR" altLang="en-US" sz="1800" b="1">
                 <a:solidFill>
                   <a:schemeClr val="tx1">
                     <a:lumMod val="50000"/>
@@ -7593,8 +7645,29 @@
                 <a:cs typeface="Lato"/>
                 <a:sym typeface="Lato"/>
               </a:rPr>
-              <a:t>3D</a:t>
+              <a:t>애니메이션</a:t>
             </a:r>
+            <a:endParaRPr lang="ko-KR" altLang="en-US" sz="1800" b="1">
+              <a:solidFill>
+                <a:schemeClr val="tx1">
+                  <a:lumMod val="50000"/>
+                </a:schemeClr>
+              </a:solidFill>
+              <a:latin typeface="Lato"/>
+              <a:ea typeface="Lato"/>
+              <a:cs typeface="Lato"/>
+              <a:sym typeface="Lato"/>
+            </a:endParaRPr>
+          </a:p>
+          <a:p>
+            <a:pPr marL="285750" lvl="0" indent="-285750">
+              <a:spcBef>
+                <a:spcPts val="600"/>
+              </a:spcBef>
+              <a:buFontTx/>
+              <a:buChar char="-"/>
+              <a:defRPr/>
+            </a:pPr>
             <a:r>
               <a:rPr lang="ko-KR" altLang="en-US" sz="1600" b="1">
                 <a:solidFill>
@@ -7607,62 +7680,8 @@
                 <a:cs typeface="Lato"/>
                 <a:sym typeface="Lato"/>
               </a:rPr>
-              <a:t>타격감에 대한 논문 부실</a:t>
+              <a:t>스키닝 애니메이션</a:t>
             </a:r>
-          </a:p>
-          <a:p>
-            <a:pPr marL="285750" lvl="0" indent="-285750" algn="l" rtl="0">
-              <a:spcBef>
-                <a:spcPts val="600"/>
-              </a:spcBef>
-              <a:spcAft>
-                <a:spcPts val="0"/>
-              </a:spcAft>
-              <a:buFontTx/>
-              <a:buChar char="-"/>
-              <a:defRPr/>
-            </a:pPr>
-            <a:r>
-              <a:rPr lang="en-US" altLang="ko-KR" sz="1600" b="1">
-                <a:solidFill>
-                  <a:schemeClr val="tx1">
-                    <a:lumMod val="50000"/>
-                  </a:schemeClr>
-                </a:solidFill>
-                <a:latin typeface="Lato"/>
-                <a:ea typeface="Lato"/>
-                <a:cs typeface="Lato"/>
-                <a:sym typeface="Lato"/>
-              </a:rPr>
-              <a:t>2D</a:t>
-            </a:r>
-            <a:r>
-              <a:rPr lang="ko-KR" altLang="en-US" sz="1600" b="1">
-                <a:solidFill>
-                  <a:schemeClr val="tx1">
-                    <a:lumMod val="50000"/>
-                  </a:schemeClr>
-                </a:solidFill>
-                <a:latin typeface="Lato"/>
-                <a:ea typeface="Lato"/>
-                <a:cs typeface="Lato"/>
-                <a:sym typeface="Lato"/>
-              </a:rPr>
-              <a:t>타격감의 표현기법</a:t>
-            </a:r>
-          </a:p>
-          <a:p>
-            <a:pPr marL="0" lvl="0" indent="0" algn="l" rtl="0">
-              <a:spcBef>
-                <a:spcPts val="600"/>
-              </a:spcBef>
-              <a:spcAft>
-                <a:spcPts val="0"/>
-              </a:spcAft>
-              <a:buFontTx/>
-              <a:buNone/>
-              <a:defRPr/>
-            </a:pPr>
             <a:endParaRPr lang="ko-KR" altLang="en-US" sz="1600" b="1">
               <a:solidFill>
                 <a:schemeClr val="tx1">
@@ -7742,102 +7761,171 @@
           </a:p>
         </p:txBody>
       </p:sp>
-      <p:sp>
-        <p:nvSpPr>
-          <p:cNvPr id="14" name="Google Shape;94;p13"/>
-          <p:cNvSpPr txBox="1"/>
+      <p:pic>
+        <p:nvPicPr>
+          <p:cNvPr id="16" name=""/>
+          <p:cNvPicPr/>
           <p:nvPr/>
-        </p:nvSpPr>
+        </p:nvPicPr>
+        <p:blipFill rotWithShape="1">
+          <a:blip r:embed="rId3"/>
+          <a:stretch>
+            <a:fillRect/>
+          </a:stretch>
+        </p:blipFill>
         <p:spPr>
           <a:xfrm>
-            <a:off x="4572000" y="1427108"/>
-            <a:ext cx="3877039" cy="3376890"/>
+            <a:off x="6444208" y="1671637"/>
+            <a:ext cx="900112" cy="900112"/>
           </a:xfrm>
           <a:prstGeom prst="rect">
             <a:avLst/>
           </a:prstGeom>
-          <a:blipFill rotWithShape="1">
-            <a:blip r:embed="rId3"/>
-            <a:stretch>
-              <a:fillRect/>
-            </a:stretch>
-          </a:blipFill>
+        </p:spPr>
+      </p:pic>
+      <p:pic>
+        <p:nvPicPr>
+          <p:cNvPr id="20" name=""/>
+          <p:cNvPicPr/>
+          <p:nvPr/>
+        </p:nvPicPr>
+        <p:blipFill rotWithShape="1">
+          <a:blip r:embed="rId4"/>
+          <a:srcRect l="210" b="8000"/>
+          <a:stretch>
+            <a:fillRect/>
+          </a:stretch>
+        </p:blipFill>
+        <p:spPr>
+          <a:xfrm>
+            <a:off x="7884368" y="2121693"/>
+            <a:ext cx="900112" cy="900112"/>
+          </a:xfrm>
+          <a:prstGeom prst="rect">
+            <a:avLst/>
+          </a:prstGeom>
+        </p:spPr>
+      </p:pic>
+      <p:pic>
+        <p:nvPicPr>
+          <p:cNvPr id="21" name=""/>
+          <p:cNvPicPr/>
+          <p:nvPr/>
+        </p:nvPicPr>
+        <p:blipFill rotWithShape="1">
+          <a:blip r:embed="rId5"/>
+          <a:srcRect b="13600"/>
+          <a:stretch>
+            <a:fillRect/>
+          </a:stretch>
+        </p:blipFill>
+        <p:spPr>
+          <a:xfrm>
+            <a:off x="4968031" y="2121693"/>
+            <a:ext cx="900112" cy="900112"/>
+          </a:xfrm>
+          <a:prstGeom prst="rect">
+            <a:avLst/>
+          </a:prstGeom>
+        </p:spPr>
+      </p:pic>
+      <p:pic>
+        <p:nvPicPr>
+          <p:cNvPr id="22" name=""/>
+          <p:cNvPicPr/>
+          <p:nvPr/>
+        </p:nvPicPr>
+        <p:blipFill rotWithShape="1">
+          <a:blip r:embed="rId6"/>
+          <a:srcRect b="10800"/>
+          <a:stretch>
+            <a:fillRect/>
+          </a:stretch>
+        </p:blipFill>
+        <p:spPr>
+          <a:xfrm>
+            <a:off x="3671887" y="2121694"/>
+            <a:ext cx="900112" cy="900112"/>
+          </a:xfrm>
+          <a:prstGeom prst="rect">
+            <a:avLst/>
+          </a:prstGeom>
+        </p:spPr>
+      </p:pic>
+      <p:cxnSp>
+        <p:nvCxnSpPr>
+          <p:cNvPr id="30" name=""/>
+          <p:cNvCxnSpPr/>
+          <p:nvPr/>
+        </p:nvCxnSpPr>
+        <p:spPr>
+          <a:xfrm>
+            <a:off x="3635896" y="1707654"/>
+            <a:ext cx="4680520" cy="0"/>
+          </a:xfrm>
+          <a:prstGeom prst="straightConnector1">
+            <a:avLst/>
+          </a:prstGeom>
           <a:ln>
-            <a:solidFill>
-              <a:schemeClr val="tx2">
-                <a:lumMod val="10000"/>
-              </a:schemeClr>
-            </a:solidFill>
+            <a:tailEnd type="arrow"/>
           </a:ln>
         </p:spPr>
         <p:style>
-          <a:lnRef idx="2">
-            <a:schemeClr val="accent4"/>
+          <a:lnRef idx="1">
+            <a:schemeClr val="accent1"/>
           </a:lnRef>
-          <a:fillRef idx="1">
-            <a:schemeClr val="lt1"/>
+          <a:fillRef idx="0">
+            <a:schemeClr val="accent1"/>
           </a:fillRef>
           <a:effectRef idx="0">
-            <a:schemeClr val="accent4"/>
+            <a:schemeClr val="accent1"/>
           </a:effectRef>
           <a:fontRef idx="minor">
-            <a:schemeClr val="dk1"/>
+            <a:schemeClr val="tx1"/>
           </a:fontRef>
         </p:style>
-        <p:txBody>
-          <a:bodyPr wrap="square" lIns="91424" tIns="91424" rIns="91424" bIns="91424" anchor="t" anchorCtr="0">
-            <a:noAutofit/>
-          </a:bodyPr>
-          <a:lstStyle/>
-          <a:p>
-            <a:pPr lvl="0" algn="l" rtl="0">
-              <a:spcBef>
-                <a:spcPts val="600"/>
-              </a:spcBef>
-              <a:spcAft>
-                <a:spcPts val="0"/>
-              </a:spcAft>
-              <a:defRPr/>
-            </a:pPr>
-            <a:endParaRPr lang="ko-KR" altLang="en-US" sz="1600" b="1">
-              <a:solidFill>
-                <a:schemeClr val="tx1">
-                  <a:lumMod val="50000"/>
-                </a:schemeClr>
-              </a:solidFill>
-              <a:latin typeface="Lato"/>
-              <a:ea typeface="Lato"/>
-              <a:cs typeface="Lato"/>
-              <a:sym typeface="Lato"/>
-            </a:endParaRPr>
-          </a:p>
-        </p:txBody>
-      </p:sp>
+      </p:cxnSp>
+      <p:pic>
+        <p:nvPicPr>
+          <p:cNvPr id="31" name=""/>
+          <p:cNvPicPr/>
+          <p:nvPr/>
+        </p:nvPicPr>
+        <p:blipFill rotWithShape="1">
+          <a:blip r:embed="rId7"/>
+          <a:srcRect b="10080"/>
+          <a:stretch>
+            <a:fillRect/>
+          </a:stretch>
+        </p:blipFill>
+        <p:spPr>
+          <a:xfrm>
+            <a:off x="6444208" y="2571750"/>
+            <a:ext cx="900112" cy="900112"/>
+          </a:xfrm>
+          <a:prstGeom prst="rect">
+            <a:avLst/>
+          </a:prstGeom>
+        </p:spPr>
+      </p:pic>
     </p:spTree>
   </p:cSld>
   <p:clrMapOvr>
     <a:masterClrMapping/>
   </p:clrMapOvr>
-  <mc:AlternateContent xmlns:mc="http://schemas.openxmlformats.org/markup-compatibility/2006" xmlns:p14="http://schemas.microsoft.com/office/powerpoint/2010/main">
-    <mc:Choice Requires="p14">
-      <p:transition/>
+  <mc:AlternateContent xmlns:mc="http://schemas.openxmlformats.org/markup-compatibility/2006">
+    <mc:Choice xmlns:p14="http://schemas.microsoft.com/office/powerpoint/2010/main" Requires="p14">
+      <p:transition xmlns:mc="http://schemas.openxmlformats.org/markup-compatibility/2006" xmlns:p14="http://schemas.microsoft.com/office/powerpoint/2010/main" mc:Ignorable="p14" p14:dur="500"/>
     </mc:Choice>
-    <mc:Fallback xmlns:dsp="http://schemas.microsoft.com/office/drawing/2008/diagram" xmlns:dgm="http://schemas.openxmlformats.org/drawingml/2006/diagram" xmlns:c="http://schemas.openxmlformats.org/drawingml/2006/chart" xmlns="">
+    <mc:Fallback>
       <p:transition/>
     </mc:Fallback>
   </mc:AlternateContent>
-  <p:timing>
-    <p:tnLst>
-      <p:par>
-        <p:cTn id="1" dur="indefinite" restart="never" nodeType="tmRoot"/>
-      </p:par>
-    </p:tnLst>
-  </p:timing>
 </p:sld>
 </file>
 
 <file path=ppt/slides/slide12.xml><?xml version="1.0" encoding="utf-8"?>
-<p:sld xmlns:a="http://schemas.openxmlformats.org/drawingml/2006/main" xmlns:r="http://schemas.openxmlformats.org/officeDocument/2006/relationships" xmlns:p="http://schemas.openxmlformats.org/presentationml/2006/main">
+<p:sld xmlns:r="http://schemas.openxmlformats.org/officeDocument/2006/relationships" xmlns:c="http://schemas.openxmlformats.org/drawingml/2006/chart" xmlns:a="http://schemas.openxmlformats.org/drawingml/2006/main" xmlns:dgm="http://schemas.openxmlformats.org/drawingml/2006/diagram" xmlns:dsp="http://schemas.microsoft.com/office/drawing/2008/diagram" xmlns:p="http://schemas.openxmlformats.org/presentationml/2006/main">
   <p:cSld>
     <p:spTree>
       <p:nvGrpSpPr>
@@ -7973,7 +8061,7 @@
             <a:spLocks noGrp="1"/>
           </p:cNvSpPr>
           <p:nvPr>
-            <p:ph type="title"/>
+            <p:ph type="title" idx="0"/>
           </p:nvPr>
         </p:nvSpPr>
         <p:spPr>
@@ -8028,7 +8116,7 @@
               <a:defRPr/>
             </a:pPr>
             <a:r>
-              <a:rPr lang="en-US" altLang="ko-KR" dirty="0">
+              <a:rPr lang="en-US" altLang="ko-KR">
                 <a:solidFill>
                   <a:schemeClr val="tx2">
                     <a:lumMod val="10000"/>
@@ -8040,7 +8128,7 @@
               <a:t>3. </a:t>
             </a:r>
             <a:r>
-              <a:rPr lang="ko-KR" altLang="en-US" dirty="0">
+              <a:rPr lang="ko-KR" altLang="en-US">
                 <a:solidFill>
                   <a:schemeClr val="tx2">
                     <a:lumMod val="10000"/>
@@ -8049,21 +8137,9 @@
                 <a:latin typeface="+mj-ea"/>
                 <a:ea typeface="+mj-ea"/>
               </a:rPr>
-              <a:t>기술적 요소 및 중점 연구 </a:t>
+              <a:t>기술적 요소 및 중점 연구 분야</a:t>
             </a:r>
-            <a:r>
-              <a:rPr lang="ko-KR" altLang="en-US" dirty="0" smtClean="0">
-                <a:solidFill>
-                  <a:schemeClr val="tx2">
-                    <a:lumMod val="10000"/>
-                  </a:schemeClr>
-                </a:solidFill>
-                <a:latin typeface="+mj-ea"/>
-                <a:ea typeface="+mj-ea"/>
-              </a:rPr>
-              <a:t>분야</a:t>
-            </a:r>
-            <a:endParaRPr lang="ko-KR" altLang="en-US" dirty="0">
+            <a:endParaRPr lang="ko-KR" altLang="en-US">
               <a:solidFill>
                 <a:schemeClr val="tx2">
                   <a:lumMod val="10000"/>
@@ -8148,22 +8224,17 @@
           </p:cNvPicPr>
           <p:nvPr/>
         </p:nvPicPr>
-        <p:blipFill>
-          <a:blip r:embed="rId7">
-            <a:extLst>
-              <a:ext uri="{28A0092B-C50C-407E-A947-70E740481C1C}">
-                <a14:useLocalDpi xmlns:a14="http://schemas.microsoft.com/office/drawing/2010/main" val="0"/>
-              </a:ext>
-            </a:extLst>
-          </a:blip>
+        <p:blipFill rotWithShape="1">
+          <a:blip r:embed="rId7"/>
+          <a:srcRect/>
           <a:stretch>
             <a:fillRect/>
           </a:stretch>
         </p:blipFill>
         <p:spPr>
           <a:xfrm>
-            <a:off x="467543" y="1406566"/>
-            <a:ext cx="8136905" cy="3600001"/>
+            <a:off x="432814" y="1362164"/>
+            <a:ext cx="8278372" cy="3513841"/>
           </a:xfrm>
           <a:prstGeom prst="rect">
             <a:avLst/>
@@ -8174,16 +8245,87 @@
           </a:ln>
         </p:spPr>
       </p:pic>
+      <p:sp>
+        <p:nvSpPr>
+          <p:cNvPr id="20" name="Google Shape;94;p13"/>
+          <p:cNvSpPr txBox="1"/>
+          <p:nvPr/>
+        </p:nvSpPr>
+        <p:spPr>
+          <a:xfrm>
+            <a:off x="683568" y="1419622"/>
+            <a:ext cx="2664296" cy="2664296"/>
+          </a:xfrm>
+          <a:prstGeom prst="rect">
+            <a:avLst/>
+          </a:prstGeom>
+          <a:blipFill rotWithShape="1">
+            <a:blip r:embed="rId8"/>
+            <a:stretch>
+              <a:fillRect/>
+            </a:stretch>
+          </a:blipFill>
+          <a:ln>
+            <a:solidFill>
+              <a:schemeClr val="tx2">
+                <a:lumMod val="10000"/>
+              </a:schemeClr>
+            </a:solidFill>
+          </a:ln>
+        </p:spPr>
+        <p:style>
+          <a:lnRef idx="2">
+            <a:schemeClr val="accent4"/>
+          </a:lnRef>
+          <a:fillRef idx="1">
+            <a:schemeClr val="lt1"/>
+          </a:fillRef>
+          <a:effectRef idx="0">
+            <a:schemeClr val="accent4"/>
+          </a:effectRef>
+          <a:fontRef idx="minor">
+            <a:schemeClr val="dk1"/>
+          </a:fontRef>
+        </p:style>
+        <p:txBody>
+          <a:bodyPr wrap="square" lIns="91424" tIns="91424" rIns="91424" bIns="91424" anchor="t" anchorCtr="0">
+            <a:noAutofit/>
+          </a:bodyPr>
+          <a:lstStyle/>
+          <a:p>
+            <a:pPr lvl="0" algn="l" rtl="0">
+              <a:spcBef>
+                <a:spcPts val="600"/>
+              </a:spcBef>
+              <a:spcAft>
+                <a:spcPts val="0"/>
+              </a:spcAft>
+              <a:defRPr/>
+            </a:pPr>
+            <a:endParaRPr lang="ko-KR" altLang="en-US" sz="1600" b="1">
+              <a:solidFill>
+                <a:schemeClr val="tx1">
+                  <a:lumMod val="50000"/>
+                </a:schemeClr>
+              </a:solidFill>
+              <a:latin typeface="Lato"/>
+              <a:ea typeface="Lato"/>
+              <a:cs typeface="Lato"/>
+              <a:sym typeface="Lato"/>
+            </a:endParaRPr>
+          </a:p>
+        </p:txBody>
+      </p:sp>
     </p:spTree>
   </p:cSld>
   <p:clrMapOvr>
     <a:masterClrMapping/>
   </p:clrMapOvr>
-  <mc:AlternateContent xmlns:mc="http://schemas.openxmlformats.org/markup-compatibility/2006" xmlns:p14="http://schemas.microsoft.com/office/powerpoint/2010/main">
-    <mc:Choice Requires="p14">
-      <p:transition/>
+  <mc:AlternateContent xmlns:mc="http://schemas.openxmlformats.org/markup-compatibility/2006">
+    <mc:Choice xmlns:p14="http://schemas.microsoft.com/office/powerpoint/2010/main" Requires="p14">
+      <p:transition xmlns:mc="http://schemas.openxmlformats.org/markup-compatibility/2006" xmlns:p14="http://schemas.microsoft.com/office/powerpoint/2010/main" mc:Ignorable="p14" p14:dur="500"/>
     </mc:Choice>
-    <mc:Fallback xmlns:dsp="http://schemas.microsoft.com/office/drawing/2008/diagram" xmlns:dgm="http://schemas.openxmlformats.org/drawingml/2006/diagram" xmlns:c="http://schemas.openxmlformats.org/drawingml/2006/chart" xmlns="">
+    <mc:Fallback>
       <p:transition/>
     </mc:Fallback>
   </mc:AlternateContent>
@@ -8492,6 +8634,51 @@
                       </p:childTnLst>
                     </p:cTn>
                   </p:par>
+                  <p:par>
+                    <p:cTn id="24" fill="hold">
+                      <p:stCondLst>
+                        <p:cond delay="indefinite"/>
+                      </p:stCondLst>
+                      <p:childTnLst>
+                        <p:par>
+                          <p:cTn id="25" fill="hold">
+                            <p:stCondLst>
+                              <p:cond delay="0"/>
+                            </p:stCondLst>
+                            <p:childTnLst>
+                              <p:par>
+                                <p:cTn id="26" presetID="1" presetClass="entr" presetSubtype="0" fill="hold" grpId="0" nodeType="clickEffect">
+                                  <p:stCondLst>
+                                    <p:cond delay="0"/>
+                                  </p:stCondLst>
+                                  <p:childTnLst>
+                                    <p:set>
+                                      <p:cBhvr>
+                                        <p:cTn id="27" dur="1" fill="hold">
+                                          <p:stCondLst>
+                                            <p:cond delay="0"/>
+                                          </p:stCondLst>
+                                        </p:cTn>
+                                        <p:tgtEl>
+                                          <p:spTgt spid="20"/>
+                                        </p:tgtEl>
+                                        <p:attrNameLst>
+                                          <p:attrName>style.visibility</p:attrName>
+                                        </p:attrNameLst>
+                                      </p:cBhvr>
+                                      <p:to>
+                                        <p:strVal val="visible"/>
+                                      </p:to>
+                                    </p:set>
+                                  </p:childTnLst>
+                                </p:cTn>
+                              </p:par>
+                            </p:childTnLst>
+                          </p:cTn>
+                        </p:par>
+                      </p:childTnLst>
+                    </p:cTn>
+                  </p:par>
                 </p:childTnLst>
               </p:cTn>
               <p:prevCondLst>
@@ -8513,6 +8700,9 @@
         </p:cTn>
       </p:par>
     </p:tnLst>
+    <p:bldLst>
+      <p:bldP spid="20" grpId="0" animBg="1"/>
+    </p:bldLst>
   </p:timing>
 </p:sld>
 </file>
@@ -21035,11 +21225,11 @@
 </file>
 
 <file path=ppt/slides/slide3.xml><?xml version="1.0" encoding="utf-8"?>
-<p:sld xmlns:a="http://schemas.openxmlformats.org/drawingml/2006/main" xmlns:r="http://schemas.openxmlformats.org/officeDocument/2006/relationships" xmlns:p="http://schemas.openxmlformats.org/presentationml/2006/main">
+<p:sld xmlns:r="http://schemas.openxmlformats.org/officeDocument/2006/relationships" xmlns:c="http://schemas.openxmlformats.org/drawingml/2006/chart" xmlns:a="http://schemas.openxmlformats.org/drawingml/2006/main" xmlns:dgm="http://schemas.openxmlformats.org/drawingml/2006/diagram" xmlns:dsp="http://schemas.microsoft.com/office/drawing/2008/diagram" xmlns:p="http://schemas.openxmlformats.org/presentationml/2006/main">
   <p:cSld>
     <p:spTree>
       <p:nvGrpSpPr>
-        <p:cNvPr id="1" name="Shape 92"/>
+        <p:cNvPr id="1" name=""/>
         <p:cNvGrpSpPr/>
         <p:nvPr/>
       </p:nvGrpSpPr>
@@ -21058,7 +21248,7 @@
             <a:spLocks noGrp="1"/>
           </p:cNvSpPr>
           <p:nvPr>
-            <p:ph type="title"/>
+            <p:ph type="title" idx="0"/>
           </p:nvPr>
         </p:nvSpPr>
         <p:spPr>
@@ -21113,7 +21303,7 @@
               <a:defRPr/>
             </a:pPr>
             <a:r>
-              <a:rPr lang="en-US" altLang="ko-KR" dirty="0">
+              <a:rPr lang="en-US" altLang="ko-KR">
                 <a:solidFill>
                   <a:schemeClr val="tx1">
                     <a:lumMod val="50000"/>
@@ -21125,7 +21315,7 @@
               <a:t>1. </a:t>
             </a:r>
             <a:r>
-              <a:rPr lang="ko-KR" altLang="en-US" dirty="0">
+              <a:rPr lang="ko-KR" altLang="en-US">
                 <a:solidFill>
                   <a:schemeClr val="tx1">
                     <a:lumMod val="50000"/>
@@ -21136,7 +21326,7 @@
               </a:rPr>
               <a:t>연구 목적</a:t>
             </a:r>
-            <a:endParaRPr dirty="0">
+            <a:endParaRPr>
               <a:solidFill>
                 <a:schemeClr val="tx1">
                   <a:lumMod val="50000"/>
@@ -21182,7 +21372,7 @@
               <a:defRPr/>
             </a:pPr>
             <a:r>
-              <a:rPr lang="en-US" altLang="ko-KR" sz="1800" b="1" dirty="0" smtClean="0">
+              <a:rPr lang="en-US" altLang="ko-KR" sz="1800" b="1">
                 <a:solidFill>
                   <a:schemeClr val="tx1">
                     <a:lumMod val="50000"/>
@@ -21196,7 +21386,7 @@
               <a:t>1</a:t>
             </a:r>
             <a:r>
-              <a:rPr lang="ko-KR" altLang="en-US" sz="1800" b="1" dirty="0" smtClean="0">
+              <a:rPr lang="ko-KR" altLang="en-US" sz="1800" b="1">
                 <a:solidFill>
                   <a:schemeClr val="tx1">
                     <a:lumMod val="50000"/>
@@ -21210,7 +21400,7 @@
               <a:t>대</a:t>
             </a:r>
             <a:r>
-              <a:rPr lang="en-US" altLang="ko-KR" sz="1800" b="1" dirty="0" smtClean="0">
+              <a:rPr lang="en-US" altLang="ko-KR" sz="1800" b="1">
                 <a:solidFill>
                   <a:schemeClr val="tx1">
                     <a:lumMod val="50000"/>
@@ -21224,7 +21414,7 @@
               <a:t>1 3D </a:t>
             </a:r>
             <a:r>
-              <a:rPr lang="ko-KR" altLang="en-US" sz="1800" b="1" dirty="0" smtClean="0">
+              <a:rPr lang="ko-KR" altLang="en-US" sz="1800" b="1">
                 <a:solidFill>
                   <a:schemeClr val="tx1">
                     <a:lumMod val="50000"/>
@@ -21238,7 +21428,7 @@
               <a:t>복싱</a:t>
             </a:r>
             <a:r>
-              <a:rPr lang="en-US" altLang="ko-KR" sz="1800" b="1" dirty="0" smtClean="0">
+              <a:rPr lang="en-US" altLang="ko-KR" sz="1800" b="1">
                 <a:solidFill>
                   <a:schemeClr val="tx1">
                     <a:lumMod val="50000"/>
@@ -21252,7 +21442,7 @@
               <a:t> </a:t>
             </a:r>
             <a:r>
-              <a:rPr lang="ko-KR" altLang="en-US" sz="1800" b="1" dirty="0">
+              <a:rPr lang="ko-KR" altLang="en-US" sz="1800" b="1">
                 <a:solidFill>
                   <a:schemeClr val="tx1">
                     <a:lumMod val="50000"/>
@@ -21263,23 +21453,9 @@
                 <a:cs typeface="Lato"/>
                 <a:sym typeface="Lato"/>
               </a:rPr>
-              <a:t>게임 </a:t>
+              <a:t>게임 개발</a:t>
             </a:r>
-            <a:r>
-              <a:rPr lang="ko-KR" altLang="en-US" sz="1800" b="1" dirty="0" smtClean="0">
-                <a:solidFill>
-                  <a:schemeClr val="tx1">
-                    <a:lumMod val="50000"/>
-                  </a:schemeClr>
-                </a:solidFill>
-                <a:latin typeface="Lato"/>
-                <a:ea typeface="Lato"/>
-                <a:cs typeface="Lato"/>
-                <a:sym typeface="Lato"/>
-              </a:rPr>
-              <a:t>개발</a:t>
-            </a:r>
-            <a:endParaRPr lang="en-US" altLang="ko-KR" sz="1800" b="1" dirty="0" smtClean="0">
+            <a:endParaRPr lang="ko-KR" altLang="en-US" sz="1800" b="1">
               <a:solidFill>
                 <a:schemeClr val="tx1">
                   <a:lumMod val="50000"/>
@@ -21304,7 +21480,7 @@
               <a:defRPr/>
             </a:pPr>
             <a:r>
-              <a:rPr lang="en-US" altLang="ko-KR" sz="1800" b="1" dirty="0" smtClean="0">
+              <a:rPr lang="en-US" altLang="ko-KR" sz="1800" b="1">
                 <a:solidFill>
                   <a:schemeClr val="tx1">
                     <a:lumMod val="50000"/>
@@ -21318,7 +21494,7 @@
               <a:t>3D </a:t>
             </a:r>
             <a:r>
-              <a:rPr lang="ko-KR" altLang="en-US" sz="1800" b="1" dirty="0" err="1" smtClean="0">
+              <a:rPr lang="ko-KR" altLang="en-US" sz="1800" b="1">
                 <a:solidFill>
                   <a:schemeClr val="tx1">
                     <a:lumMod val="50000"/>
@@ -21329,51 +21505,9 @@
                 <a:cs typeface="Lato"/>
                 <a:sym typeface="Lato"/>
               </a:rPr>
-              <a:t>타격감</a:t>
+              <a:t>타격감 관련 논문 부족에 따른 타격감 연구</a:t>
             </a:r>
-            <a:r>
-              <a:rPr lang="ko-KR" altLang="en-US" sz="1800" b="1" dirty="0" smtClean="0">
-                <a:solidFill>
-                  <a:schemeClr val="tx1">
-                    <a:lumMod val="50000"/>
-                  </a:schemeClr>
-                </a:solidFill>
-                <a:latin typeface="Lato"/>
-                <a:ea typeface="Lato"/>
-                <a:cs typeface="Lato"/>
-                <a:sym typeface="Lato"/>
-              </a:rPr>
-              <a:t> 관련 논문 부족에 따른 </a:t>
-            </a:r>
-            <a:r>
-              <a:rPr lang="ko-KR" altLang="en-US" sz="1800" b="1" dirty="0" err="1" smtClean="0">
-                <a:solidFill>
-                  <a:schemeClr val="tx1">
-                    <a:lumMod val="50000"/>
-                  </a:schemeClr>
-                </a:solidFill>
-                <a:latin typeface="Lato"/>
-                <a:ea typeface="Lato"/>
-                <a:cs typeface="Lato"/>
-                <a:sym typeface="Lato"/>
-              </a:rPr>
-              <a:t>타격감</a:t>
-            </a:r>
-            <a:r>
-              <a:rPr lang="ko-KR" altLang="en-US" sz="1800" b="1" dirty="0" smtClean="0">
-                <a:solidFill>
-                  <a:schemeClr val="tx1">
-                    <a:lumMod val="50000"/>
-                  </a:schemeClr>
-                </a:solidFill>
-                <a:latin typeface="Lato"/>
-                <a:ea typeface="Lato"/>
-                <a:cs typeface="Lato"/>
-                <a:sym typeface="Lato"/>
-              </a:rPr>
-              <a:t> 연구</a:t>
-            </a:r>
-            <a:endParaRPr lang="en-US" altLang="ko-KR" sz="1800" b="1" dirty="0" smtClean="0">
+            <a:endParaRPr lang="ko-KR" altLang="en-US" sz="1800" b="1">
               <a:solidFill>
                 <a:schemeClr val="tx1">
                   <a:lumMod val="50000"/>
@@ -21453,15 +21587,18 @@
         </p:txBody>
       </p:sp>
     </p:spTree>
-    <p:extLst>
-      <p:ext uri="{BB962C8B-B14F-4D97-AF65-F5344CB8AC3E}">
-        <p14:creationId xmlns:p14="http://schemas.microsoft.com/office/powerpoint/2010/main" val="1685096637"/>
-      </p:ext>
-    </p:extLst>
   </p:cSld>
   <p:clrMapOvr>
     <a:masterClrMapping/>
   </p:clrMapOvr>
+  <mc:AlternateContent xmlns:mc="http://schemas.openxmlformats.org/markup-compatibility/2006">
+    <mc:Choice xmlns:p14="http://schemas.microsoft.com/office/powerpoint/2010/main" Requires="p14">
+      <p:transition xmlns:mc="http://schemas.openxmlformats.org/markup-compatibility/2006" xmlns:p14="http://schemas.microsoft.com/office/powerpoint/2010/main" mc:Ignorable="p14" p14:dur="500"/>
+    </mc:Choice>
+    <mc:Fallback>
+      <p:transition/>
+    </mc:Fallback>
+  </mc:AlternateContent>
   <p:timing>
     <p:tnLst>
       <p:par>
@@ -21882,7 +22019,7 @@
 </file>
 
 <file path=ppt/slides/slide5.xml><?xml version="1.0" encoding="utf-8"?>
-<p:sld xmlns:a="http://schemas.openxmlformats.org/drawingml/2006/main" xmlns:r="http://schemas.openxmlformats.org/officeDocument/2006/relationships" xmlns:p="http://schemas.openxmlformats.org/presentationml/2006/main">
+<p:sld xmlns:r="http://schemas.openxmlformats.org/officeDocument/2006/relationships" xmlns:c="http://schemas.openxmlformats.org/drawingml/2006/chart" xmlns:a="http://schemas.openxmlformats.org/drawingml/2006/main" xmlns:dgm="http://schemas.openxmlformats.org/drawingml/2006/diagram" xmlns:dsp="http://schemas.microsoft.com/office/drawing/2008/diagram" xmlns:p="http://schemas.openxmlformats.org/presentationml/2006/main">
   <p:cSld>
     <p:spTree>
       <p:nvGrpSpPr>
@@ -21905,7 +22042,7 @@
             <a:spLocks noGrp="1"/>
           </p:cNvSpPr>
           <p:nvPr>
-            <p:ph type="title"/>
+            <p:ph type="title" idx="0"/>
           </p:nvPr>
         </p:nvSpPr>
         <p:spPr>
@@ -22205,6 +22342,17 @@
               </a:rPr>
               <a:t>선승제</a:t>
             </a:r>
+            <a:endParaRPr lang="ko-KR" altLang="en-US" sz="1800" b="1">
+              <a:solidFill>
+                <a:schemeClr val="tx1">
+                  <a:lumMod val="50000"/>
+                </a:schemeClr>
+              </a:solidFill>
+              <a:latin typeface="Lato"/>
+              <a:ea typeface="Lato"/>
+              <a:cs typeface="Lato"/>
+              <a:sym typeface="Lato"/>
+            </a:endParaRPr>
           </a:p>
           <a:p>
             <a:pPr marL="285750" lvl="0" indent="-285750" algn="l" rtl="0">
@@ -22230,8 +22378,19 @@
                 <a:cs typeface="Lato"/>
                 <a:sym typeface="Lato"/>
               </a:rPr>
-              <a:t>업적 달성 시스템</a:t>
+              <a:t>미션 달성 시스템</a:t>
             </a:r>
+            <a:endParaRPr lang="ko-KR" altLang="en-US" sz="1800" b="1">
+              <a:solidFill>
+                <a:schemeClr val="tx1">
+                  <a:lumMod val="50000"/>
+                </a:schemeClr>
+              </a:solidFill>
+              <a:latin typeface="Lato"/>
+              <a:ea typeface="Lato"/>
+              <a:cs typeface="Lato"/>
+              <a:sym typeface="Lato"/>
+            </a:endParaRPr>
           </a:p>
           <a:p>
             <a:pPr lvl="0" algn="l" rtl="0">
@@ -22355,6 +22514,17 @@
               </a:rPr>
               <a:t> 위빙</a:t>
             </a:r>
+            <a:endParaRPr lang="ko-KR" altLang="en-US" sz="1600" b="1">
+              <a:solidFill>
+                <a:schemeClr val="tx1">
+                  <a:lumMod val="50000"/>
+                </a:schemeClr>
+              </a:solidFill>
+              <a:latin typeface="Lato"/>
+              <a:ea typeface="Lato"/>
+              <a:cs typeface="Lato"/>
+              <a:sym typeface="Lato"/>
+            </a:endParaRPr>
           </a:p>
           <a:p>
             <a:pPr lvl="0" algn="l" rtl="0">
@@ -22534,6 +22704,17 @@
               </a:rPr>
               <a:t>훅</a:t>
             </a:r>
+            <a:endParaRPr lang="ko-KR" altLang="en-US" sz="1600" b="1">
+              <a:solidFill>
+                <a:schemeClr val="tx1">
+                  <a:lumMod val="50000"/>
+                </a:schemeClr>
+              </a:solidFill>
+              <a:latin typeface="Lato"/>
+              <a:ea typeface="Lato"/>
+              <a:cs typeface="Lato"/>
+              <a:sym typeface="Lato"/>
+            </a:endParaRPr>
           </a:p>
         </p:txBody>
       </p:sp>
@@ -22607,11 +22788,11 @@
   <p:clrMapOvr>
     <a:masterClrMapping/>
   </p:clrMapOvr>
-  <mc:AlternateContent xmlns:mc="http://schemas.openxmlformats.org/markup-compatibility/2006" xmlns:p14="http://schemas.microsoft.com/office/powerpoint/2010/main">
-    <mc:Choice Requires="p14">
-      <p:transition/>
+  <mc:AlternateContent xmlns:mc="http://schemas.openxmlformats.org/markup-compatibility/2006">
+    <mc:Choice xmlns:p14="http://schemas.microsoft.com/office/powerpoint/2010/main" Requires="p14">
+      <p:transition xmlns:mc="http://schemas.openxmlformats.org/markup-compatibility/2006" xmlns:p14="http://schemas.microsoft.com/office/powerpoint/2010/main" mc:Ignorable="p14" p14:dur="500"/>
     </mc:Choice>
-    <mc:Fallback xmlns:dsp="http://schemas.microsoft.com/office/drawing/2008/diagram" xmlns:dgm="http://schemas.openxmlformats.org/drawingml/2006/diagram" xmlns:c="http://schemas.openxmlformats.org/drawingml/2006/chart" xmlns="">
+    <mc:Fallback>
       <p:transition/>
     </mc:Fallback>
   </mc:AlternateContent>
@@ -22626,11 +22807,11 @@
 </file>
 
 <file path=ppt/slides/slide6.xml><?xml version="1.0" encoding="utf-8"?>
-<p:sld xmlns:a="http://schemas.openxmlformats.org/drawingml/2006/main" xmlns:r="http://schemas.openxmlformats.org/officeDocument/2006/relationships" xmlns:p="http://schemas.openxmlformats.org/presentationml/2006/main">
+<p:sld xmlns:r="http://schemas.openxmlformats.org/officeDocument/2006/relationships" xmlns:c="http://schemas.openxmlformats.org/drawingml/2006/chart" xmlns:a="http://schemas.openxmlformats.org/drawingml/2006/main" xmlns:dgm="http://schemas.openxmlformats.org/drawingml/2006/diagram" xmlns:dsp="http://schemas.microsoft.com/office/drawing/2008/diagram" xmlns:p="http://schemas.openxmlformats.org/presentationml/2006/main">
   <p:cSld>
     <p:spTree>
       <p:nvGrpSpPr>
-        <p:cNvPr id="1" name="Shape 92"/>
+        <p:cNvPr id="1" name=""/>
         <p:cNvGrpSpPr/>
         <p:nvPr/>
       </p:nvGrpSpPr>
@@ -22648,13 +22829,7 @@
           <p:cNvGraphicFramePr>
             <a:graphicFrameLocks noGrp="1"/>
           </p:cNvGraphicFramePr>
-          <p:nvPr>
-            <p:extLst>
-              <p:ext uri="{D42A27DB-BD31-4B8C-83A1-F6EECF244321}">
-                <p14:modId xmlns:p14="http://schemas.microsoft.com/office/powerpoint/2010/main" val="3229620544"/>
-              </p:ext>
-            </p:extLst>
-          </p:nvPr>
+          <p:nvPr/>
         </p:nvGraphicFramePr>
         <p:xfrm>
           <a:off x="6001879" y="1419585"/>
@@ -22667,26 +22842,21 @@
                 <a:tableStyleId>{77C95F03-0CCA-47FF-B4B6-37FC9320E24F}</a:tableStyleId>
               </a:tblPr>
               <a:tblGrid>
-                <a:gridCol w="2520000">
-                  <a:extLst>
-                    <a:ext uri="{9D8B030D-6E8A-4147-A177-3AD203B41FA5}">
-                      <a16:colId xmlns:a16="http://schemas.microsoft.com/office/drawing/2014/main" xmlns="" val="20000"/>
-                    </a:ext>
-                  </a:extLst>
-                </a:gridCol>
+                <a:gridCol w="2520000"/>
               </a:tblGrid>
               <a:tr h="1440000">
                 <a:tc>
                   <a:txBody>
-                    <a:bodyPr/>
-                    <a:lstStyle/>
+                    <a:bodyPr vert="horz" lIns="91440" tIns="45720" rIns="91440" bIns="45720" anchor="t" anchorCtr="0"/>
                     <a:p>
-                      <a:pPr latinLnBrk="1"/>
-                      <a:endParaRPr lang="ko-KR" altLang="en-US" dirty="0"/>
+                      <a:pPr latinLnBrk="1">
+                        <a:defRPr/>
+                      </a:pPr>
+                      <a:endParaRPr lang="ko-KR" altLang="en-US"/>
                     </a:p>
                   </a:txBody>
-                  <a:tcPr>
-                    <a:blipFill>
+                  <a:tcPr marL="91440" marR="91440">
+                    <a:blipFill rotWithShape="1">
                       <a:blip r:embed="rId3"/>
                       <a:stretch>
                         <a:fillRect/>
@@ -22694,11 +22864,6 @@
                     </a:blipFill>
                   </a:tcPr>
                 </a:tc>
-                <a:extLst>
-                  <a:ext uri="{0D108BD9-81ED-4DB2-BD59-A6C34878D82A}">
-                    <a16:rowId xmlns:a16="http://schemas.microsoft.com/office/drawing/2014/main" xmlns="" val="10000"/>
-                  </a:ext>
-                </a:extLst>
               </a:tr>
             </a:tbl>
           </a:graphicData>
@@ -22710,13 +22875,7 @@
           <p:cNvGraphicFramePr>
             <a:graphicFrameLocks noGrp="1"/>
           </p:cNvGraphicFramePr>
-          <p:nvPr>
-            <p:extLst>
-              <p:ext uri="{D42A27DB-BD31-4B8C-83A1-F6EECF244321}">
-                <p14:modId xmlns:p14="http://schemas.microsoft.com/office/powerpoint/2010/main" val="2671211553"/>
-              </p:ext>
-            </p:extLst>
-          </p:nvPr>
+          <p:nvPr/>
         </p:nvGraphicFramePr>
         <p:xfrm>
           <a:off x="893099" y="1418664"/>
@@ -22729,26 +22888,21 @@
                 <a:tableStyleId>{77C95F03-0CCA-47FF-B4B6-37FC9320E24F}</a:tableStyleId>
               </a:tblPr>
               <a:tblGrid>
-                <a:gridCol w="2520000">
-                  <a:extLst>
-                    <a:ext uri="{9D8B030D-6E8A-4147-A177-3AD203B41FA5}">
-                      <a16:colId xmlns:a16="http://schemas.microsoft.com/office/drawing/2014/main" xmlns="" val="20000"/>
-                    </a:ext>
-                  </a:extLst>
-                </a:gridCol>
+                <a:gridCol w="2520000"/>
               </a:tblGrid>
               <a:tr h="1440000">
                 <a:tc>
                   <a:txBody>
-                    <a:bodyPr/>
-                    <a:lstStyle/>
+                    <a:bodyPr vert="horz" lIns="91440" tIns="45720" rIns="91440" bIns="45720" anchor="t" anchorCtr="0"/>
                     <a:p>
-                      <a:pPr latinLnBrk="1"/>
-                      <a:endParaRPr lang="ko-KR" altLang="en-US" dirty="0"/>
+                      <a:pPr latinLnBrk="1">
+                        <a:defRPr/>
+                      </a:pPr>
+                      <a:endParaRPr lang="ko-KR" altLang="en-US"/>
                     </a:p>
                   </a:txBody>
-                  <a:tcPr>
-                    <a:blipFill>
+                  <a:tcPr marL="91440" marR="91440">
+                    <a:blipFill rotWithShape="1">
                       <a:blip r:embed="rId4"/>
                       <a:stretch>
                         <a:fillRect/>
@@ -22756,11 +22910,6 @@
                     </a:blipFill>
                   </a:tcPr>
                 </a:tc>
-                <a:extLst>
-                  <a:ext uri="{0D108BD9-81ED-4DB2-BD59-A6C34878D82A}">
-                    <a16:rowId xmlns:a16="http://schemas.microsoft.com/office/drawing/2014/main" xmlns="" val="10000"/>
-                  </a:ext>
-                </a:extLst>
               </a:tr>
             </a:tbl>
           </a:graphicData>
@@ -22772,13 +22921,7 @@
           <p:cNvGraphicFramePr>
             <a:graphicFrameLocks noGrp="1"/>
           </p:cNvGraphicFramePr>
-          <p:nvPr>
-            <p:extLst>
-              <p:ext uri="{D42A27DB-BD31-4B8C-83A1-F6EECF244321}">
-                <p14:modId xmlns:p14="http://schemas.microsoft.com/office/powerpoint/2010/main" val="535565574"/>
-              </p:ext>
-            </p:extLst>
-          </p:nvPr>
+          <p:nvPr/>
         </p:nvGraphicFramePr>
         <p:xfrm>
           <a:off x="6003790" y="3323421"/>
@@ -22791,26 +22934,21 @@
                 <a:tableStyleId>{77C95F03-0CCA-47FF-B4B6-37FC9320E24F}</a:tableStyleId>
               </a:tblPr>
               <a:tblGrid>
-                <a:gridCol w="2520000">
-                  <a:extLst>
-                    <a:ext uri="{9D8B030D-6E8A-4147-A177-3AD203B41FA5}">
-                      <a16:colId xmlns:a16="http://schemas.microsoft.com/office/drawing/2014/main" xmlns="" val="20000"/>
-                    </a:ext>
-                  </a:extLst>
-                </a:gridCol>
+                <a:gridCol w="2520000"/>
               </a:tblGrid>
               <a:tr h="1440000">
                 <a:tc>
                   <a:txBody>
-                    <a:bodyPr/>
-                    <a:lstStyle/>
+                    <a:bodyPr vert="horz" lIns="91440" tIns="45720" rIns="91440" bIns="45720" anchor="t" anchorCtr="0"/>
                     <a:p>
-                      <a:pPr latinLnBrk="1"/>
-                      <a:endParaRPr lang="ko-KR" altLang="en-US" dirty="0"/>
+                      <a:pPr latinLnBrk="1">
+                        <a:defRPr/>
+                      </a:pPr>
+                      <a:endParaRPr lang="ko-KR" altLang="en-US"/>
                     </a:p>
                   </a:txBody>
-                  <a:tcPr>
-                    <a:blipFill>
+                  <a:tcPr marL="91440" marR="91440">
+                    <a:blipFill rotWithShape="1">
                       <a:blip r:embed="rId5"/>
                       <a:stretch>
                         <a:fillRect/>
@@ -22818,11 +22956,6 @@
                     </a:blipFill>
                   </a:tcPr>
                 </a:tc>
-                <a:extLst>
-                  <a:ext uri="{0D108BD9-81ED-4DB2-BD59-A6C34878D82A}">
-                    <a16:rowId xmlns:a16="http://schemas.microsoft.com/office/drawing/2014/main" xmlns="" val="10000"/>
-                  </a:ext>
-                </a:extLst>
               </a:tr>
             </a:tbl>
           </a:graphicData>
@@ -22831,9 +22964,7 @@
       <p:sp>
         <p:nvSpPr>
           <p:cNvPr id="34" name="내용 개체 틀 2"/>
-          <p:cNvSpPr txBox="1">
-            <a:spLocks/>
-          </p:cNvSpPr>
+          <p:cNvSpPr txBox="1"/>
           <p:nvPr/>
         </p:nvSpPr>
         <p:spPr>
@@ -22846,7 +22977,7 @@
           </a:prstGeom>
         </p:spPr>
         <p:txBody>
-          <a:bodyPr vert="horz" lIns="91440" tIns="45720" rIns="91440" bIns="45720" rtlCol="0">
+          <a:bodyPr vert="horz" lIns="91440" tIns="45720" rIns="91440" bIns="45720">
             <a:noAutofit/>
           </a:bodyPr>
           <a:lstStyle>
@@ -22857,7 +22988,7 @@
               <a:spcBef>
                 <a:spcPts val="1000"/>
               </a:spcBef>
-              <a:buFont typeface="Arial" panose="020B0604020202020204" pitchFamily="34" charset="0"/>
+              <a:buFont typeface="Arial"/>
               <a:buChar char="•"/>
               <a:defRPr sz="2800" kern="1200">
                 <a:solidFill>
@@ -22875,7 +23006,7 @@
               <a:spcBef>
                 <a:spcPts val="500"/>
               </a:spcBef>
-              <a:buFont typeface="Arial" panose="020B0604020202020204" pitchFamily="34" charset="0"/>
+              <a:buFont typeface="Arial"/>
               <a:buChar char="•"/>
               <a:defRPr sz="2400" kern="1200">
                 <a:solidFill>
@@ -22893,7 +23024,7 @@
               <a:spcBef>
                 <a:spcPts val="500"/>
               </a:spcBef>
-              <a:buFont typeface="Arial" panose="020B0604020202020204" pitchFamily="34" charset="0"/>
+              <a:buFont typeface="Arial"/>
               <a:buChar char="•"/>
               <a:defRPr sz="2000" kern="1200">
                 <a:solidFill>
@@ -22911,7 +23042,7 @@
               <a:spcBef>
                 <a:spcPts val="500"/>
               </a:spcBef>
-              <a:buFont typeface="Arial" panose="020B0604020202020204" pitchFamily="34" charset="0"/>
+              <a:buFont typeface="Arial"/>
               <a:buChar char="•"/>
               <a:defRPr sz="1800" kern="1200">
                 <a:solidFill>
@@ -22929,7 +23060,7 @@
               <a:spcBef>
                 <a:spcPts val="500"/>
               </a:spcBef>
-              <a:buFont typeface="Arial" panose="020B0604020202020204" pitchFamily="34" charset="0"/>
+              <a:buFont typeface="Arial"/>
               <a:buChar char="•"/>
               <a:defRPr sz="1800" kern="1200">
                 <a:solidFill>
@@ -22947,7 +23078,7 @@
               <a:spcBef>
                 <a:spcPts val="500"/>
               </a:spcBef>
-              <a:buFont typeface="Arial" panose="020B0604020202020204" pitchFamily="34" charset="0"/>
+              <a:buFont typeface="Arial"/>
               <a:buChar char="•"/>
               <a:defRPr sz="1800" kern="1200">
                 <a:solidFill>
@@ -22965,7 +23096,7 @@
               <a:spcBef>
                 <a:spcPts val="500"/>
               </a:spcBef>
-              <a:buFont typeface="Arial" panose="020B0604020202020204" pitchFamily="34" charset="0"/>
+              <a:buFont typeface="Arial"/>
               <a:buChar char="•"/>
               <a:defRPr sz="1800" kern="1200">
                 <a:solidFill>
@@ -22983,7 +23114,7 @@
               <a:spcBef>
                 <a:spcPts val="500"/>
               </a:spcBef>
-              <a:buFont typeface="Arial" panose="020B0604020202020204" pitchFamily="34" charset="0"/>
+              <a:buFont typeface="Arial"/>
               <a:buChar char="•"/>
               <a:defRPr sz="1800" kern="1200">
                 <a:solidFill>
@@ -23001,7 +23132,7 @@
               <a:spcBef>
                 <a:spcPts val="500"/>
               </a:spcBef>
-              <a:buFont typeface="Arial" panose="020B0604020202020204" pitchFamily="34" charset="0"/>
+              <a:buFont typeface="Arial"/>
               <a:buChar char="•"/>
               <a:defRPr sz="1800" kern="1200">
                 <a:solidFill>
@@ -23016,9 +23147,10 @@
           <a:p>
             <a:pPr marL="0" indent="0" algn="ctr">
               <a:buNone/>
+              <a:defRPr/>
             </a:pPr>
             <a:r>
-              <a:rPr lang="ko-KR" altLang="en-US" sz="1200" dirty="0">
+              <a:rPr lang="ko-KR" altLang="en-US" sz="1200">
                 <a:solidFill>
                   <a:schemeClr val="tx1">
                     <a:lumMod val="50000"/>
@@ -23026,10 +23158,10 @@
                 </a:solidFill>
                 <a:latin typeface="+mn-ea"/>
               </a:rPr>
-              <a:t>경기 중 업적 달성 </a:t>
+              <a:t>경기 중 미션 달성 </a:t>
             </a:r>
             <a:r>
-              <a:rPr lang="en-US" altLang="ko-KR" sz="1200" dirty="0">
+              <a:rPr lang="en-US" altLang="ko-KR" sz="1200">
                 <a:solidFill>
                   <a:schemeClr val="tx1">
                     <a:lumMod val="50000"/>
@@ -23040,7 +23172,7 @@
               <a:t>→ </a:t>
             </a:r>
             <a:r>
-              <a:rPr lang="ko-KR" altLang="en-US" sz="1200" dirty="0">
+              <a:rPr lang="ko-KR" altLang="en-US" sz="1200">
                 <a:solidFill>
                   <a:schemeClr val="tx1">
                     <a:lumMod val="50000"/>
@@ -23050,6 +23182,14 @@
               </a:rPr>
               <a:t>연계기 및 기술 획득</a:t>
             </a:r>
+            <a:endParaRPr lang="ko-KR" altLang="en-US" sz="1200">
+              <a:solidFill>
+                <a:schemeClr val="tx1">
+                  <a:lumMod val="50000"/>
+                </a:schemeClr>
+              </a:solidFill>
+              <a:latin typeface="+mn-ea"/>
+            </a:endParaRPr>
           </a:p>
         </p:txBody>
       </p:sp>
@@ -23060,7 +23200,7 @@
             <a:spLocks noGrp="1"/>
           </p:cNvSpPr>
           <p:nvPr>
-            <p:ph type="title"/>
+            <p:ph type="title" idx="0"/>
           </p:nvPr>
         </p:nvSpPr>
         <p:spPr>
@@ -23099,7 +23239,7 @@
           </a:fontRef>
         </p:style>
         <p:txBody>
-          <a:bodyPr spcFirstLastPara="1" wrap="square" lIns="91425" tIns="91425" rIns="91425" bIns="91425" anchor="ctr" anchorCtr="0">
+          <a:bodyPr wrap="square" lIns="91424" tIns="91424" rIns="91424" bIns="91424" anchor="ctr" anchorCtr="0">
             <a:noAutofit/>
           </a:bodyPr>
           <a:lstStyle/>
@@ -23112,9 +23252,10 @@
                 <a:spcPts val="0"/>
               </a:spcAft>
               <a:buNone/>
+              <a:defRPr/>
             </a:pPr>
             <a:r>
-              <a:rPr lang="en-US" altLang="ko-KR" dirty="0">
+              <a:rPr lang="en-US" altLang="ko-KR">
                 <a:solidFill>
                   <a:schemeClr val="tx1">
                     <a:lumMod val="50000"/>
@@ -23126,7 +23267,7 @@
               <a:t>2. </a:t>
             </a:r>
             <a:r>
-              <a:rPr lang="ko-KR" altLang="en-US" dirty="0">
+              <a:rPr lang="ko-KR" altLang="en-US">
                 <a:solidFill>
                   <a:schemeClr val="tx1">
                     <a:lumMod val="50000"/>
@@ -23138,7 +23279,7 @@
               <a:t>게임 소개 및 방법 </a:t>
             </a:r>
             <a:r>
-              <a:rPr lang="en-US" altLang="ko-KR" dirty="0">
+              <a:rPr lang="en-US" altLang="ko-KR">
                 <a:solidFill>
                   <a:schemeClr val="tx1">
                     <a:lumMod val="50000"/>
@@ -23150,7 +23291,7 @@
               <a:t>- </a:t>
             </a:r>
             <a:r>
-              <a:rPr lang="ko-KR" altLang="en-US" dirty="0">
+              <a:rPr lang="ko-KR" altLang="en-US">
                 <a:solidFill>
                   <a:schemeClr val="tx1">
                     <a:lumMod val="50000"/>
@@ -23162,7 +23303,7 @@
               <a:t>게임</a:t>
             </a:r>
             <a:r>
-              <a:rPr lang="en-US" altLang="ko-KR" dirty="0">
+              <a:rPr lang="en-US" altLang="ko-KR">
                 <a:solidFill>
                   <a:schemeClr val="tx1">
                     <a:lumMod val="50000"/>
@@ -23174,7 +23315,7 @@
               <a:t> </a:t>
             </a:r>
             <a:r>
-              <a:rPr lang="ko-KR" altLang="en-US" dirty="0">
+              <a:rPr lang="ko-KR" altLang="en-US">
                 <a:solidFill>
                   <a:schemeClr val="tx1">
                     <a:lumMod val="50000"/>
@@ -23186,7 +23327,7 @@
               <a:t>흐름도</a:t>
             </a:r>
             <a:r>
-              <a:rPr lang="en-US" altLang="ko-KR" dirty="0">
+              <a:rPr lang="en-US" altLang="ko-KR">
                 <a:solidFill>
                   <a:schemeClr val="tx1">
                     <a:lumMod val="50000"/>
@@ -23198,7 +23339,7 @@
               <a:t>(</a:t>
             </a:r>
             <a:r>
-              <a:rPr lang="ko-KR" altLang="en-US" dirty="0">
+              <a:rPr lang="ko-KR" altLang="en-US">
                 <a:solidFill>
                   <a:schemeClr val="tx1">
                     <a:lumMod val="50000"/>
@@ -23210,7 +23351,7 @@
               <a:t>예시</a:t>
             </a:r>
             <a:r>
-              <a:rPr lang="en-US" altLang="ko-KR" dirty="0">
+              <a:rPr lang="en-US" altLang="ko-KR">
                 <a:solidFill>
                   <a:schemeClr val="tx1">
                     <a:lumMod val="50000"/>
@@ -23221,7 +23362,7 @@
               </a:rPr>
               <a:t>)</a:t>
             </a:r>
-            <a:endParaRPr dirty="0">
+            <a:endParaRPr>
               <a:solidFill>
                 <a:schemeClr val="tx1">
                   <a:lumMod val="50000"/>
@@ -23236,9 +23377,7 @@
       <p:sp>
         <p:nvSpPr>
           <p:cNvPr id="33" name="내용 개체 틀 2"/>
-          <p:cNvSpPr txBox="1">
-            <a:spLocks/>
-          </p:cNvSpPr>
+          <p:cNvSpPr txBox="1"/>
           <p:nvPr/>
         </p:nvSpPr>
         <p:spPr>
@@ -23251,7 +23390,7 @@
           </a:prstGeom>
         </p:spPr>
         <p:txBody>
-          <a:bodyPr vert="horz" lIns="36000" tIns="45720" rIns="36000" bIns="45720" rtlCol="0">
+          <a:bodyPr vert="horz" lIns="36000" tIns="45720" rIns="36000" bIns="45720">
             <a:noAutofit/>
           </a:bodyPr>
           <a:lstStyle>
@@ -23262,7 +23401,7 @@
               <a:spcBef>
                 <a:spcPts val="1000"/>
               </a:spcBef>
-              <a:buFont typeface="Arial" panose="020B0604020202020204" pitchFamily="34" charset="0"/>
+              <a:buFont typeface="Arial"/>
               <a:buChar char="•"/>
               <a:defRPr sz="2800" kern="1200">
                 <a:solidFill>
@@ -23280,7 +23419,7 @@
               <a:spcBef>
                 <a:spcPts val="500"/>
               </a:spcBef>
-              <a:buFont typeface="Arial" panose="020B0604020202020204" pitchFamily="34" charset="0"/>
+              <a:buFont typeface="Arial"/>
               <a:buChar char="•"/>
               <a:defRPr sz="2400" kern="1200">
                 <a:solidFill>
@@ -23298,7 +23437,7 @@
               <a:spcBef>
                 <a:spcPts val="500"/>
               </a:spcBef>
-              <a:buFont typeface="Arial" panose="020B0604020202020204" pitchFamily="34" charset="0"/>
+              <a:buFont typeface="Arial"/>
               <a:buChar char="•"/>
               <a:defRPr sz="2000" kern="1200">
                 <a:solidFill>
@@ -23316,7 +23455,7 @@
               <a:spcBef>
                 <a:spcPts val="500"/>
               </a:spcBef>
-              <a:buFont typeface="Arial" panose="020B0604020202020204" pitchFamily="34" charset="0"/>
+              <a:buFont typeface="Arial"/>
               <a:buChar char="•"/>
               <a:defRPr sz="1800" kern="1200">
                 <a:solidFill>
@@ -23334,7 +23473,7 @@
               <a:spcBef>
                 <a:spcPts val="500"/>
               </a:spcBef>
-              <a:buFont typeface="Arial" panose="020B0604020202020204" pitchFamily="34" charset="0"/>
+              <a:buFont typeface="Arial"/>
               <a:buChar char="•"/>
               <a:defRPr sz="1800" kern="1200">
                 <a:solidFill>
@@ -23352,7 +23491,7 @@
               <a:spcBef>
                 <a:spcPts val="500"/>
               </a:spcBef>
-              <a:buFont typeface="Arial" panose="020B0604020202020204" pitchFamily="34" charset="0"/>
+              <a:buFont typeface="Arial"/>
               <a:buChar char="•"/>
               <a:defRPr sz="1800" kern="1200">
                 <a:solidFill>
@@ -23370,7 +23509,7 @@
               <a:spcBef>
                 <a:spcPts val="500"/>
               </a:spcBef>
-              <a:buFont typeface="Arial" panose="020B0604020202020204" pitchFamily="34" charset="0"/>
+              <a:buFont typeface="Arial"/>
               <a:buChar char="•"/>
               <a:defRPr sz="1800" kern="1200">
                 <a:solidFill>
@@ -23388,7 +23527,7 @@
               <a:spcBef>
                 <a:spcPts val="500"/>
               </a:spcBef>
-              <a:buFont typeface="Arial" panose="020B0604020202020204" pitchFamily="34" charset="0"/>
+              <a:buFont typeface="Arial"/>
               <a:buChar char="•"/>
               <a:defRPr sz="1800" kern="1200">
                 <a:solidFill>
@@ -23406,7 +23545,7 @@
               <a:spcBef>
                 <a:spcPts val="500"/>
               </a:spcBef>
-              <a:buFont typeface="Arial" panose="020B0604020202020204" pitchFamily="34" charset="0"/>
+              <a:buFont typeface="Arial"/>
               <a:buChar char="•"/>
               <a:defRPr sz="1800" kern="1200">
                 <a:solidFill>
@@ -23421,9 +23560,10 @@
           <a:p>
             <a:pPr marL="0" indent="0" algn="ctr">
               <a:buNone/>
+              <a:defRPr/>
             </a:pPr>
             <a:r>
-              <a:rPr lang="ko-KR" altLang="en-US" sz="1200" dirty="0">
+              <a:rPr lang="ko-KR" altLang="en-US" sz="1200">
                 <a:solidFill>
                   <a:schemeClr val="tx1">
                     <a:lumMod val="50000"/>
@@ -23433,15 +23573,21 @@
               </a:rPr>
               <a:t>게임 오버</a:t>
             </a:r>
+            <a:endParaRPr lang="ko-KR" altLang="en-US" sz="1200">
+              <a:solidFill>
+                <a:schemeClr val="tx1">
+                  <a:lumMod val="50000"/>
+                </a:schemeClr>
+              </a:solidFill>
+              <a:latin typeface="+mn-ea"/>
+            </a:endParaRPr>
           </a:p>
         </p:txBody>
       </p:sp>
       <p:sp>
         <p:nvSpPr>
           <p:cNvPr id="36" name="내용 개체 틀 2"/>
-          <p:cNvSpPr txBox="1">
-            <a:spLocks/>
-          </p:cNvSpPr>
+          <p:cNvSpPr txBox="1"/>
           <p:nvPr/>
         </p:nvSpPr>
         <p:spPr>
@@ -23454,7 +23600,7 @@
           </a:prstGeom>
         </p:spPr>
         <p:txBody>
-          <a:bodyPr vert="horz" lIns="91440" tIns="45720" rIns="91440" bIns="45720" rtlCol="0">
+          <a:bodyPr vert="horz" lIns="91440" tIns="45720" rIns="91440" bIns="45720">
             <a:noAutofit/>
           </a:bodyPr>
           <a:lstStyle>
@@ -23465,7 +23611,7 @@
               <a:spcBef>
                 <a:spcPts val="1000"/>
               </a:spcBef>
-              <a:buFont typeface="Arial" panose="020B0604020202020204" pitchFamily="34" charset="0"/>
+              <a:buFont typeface="Arial"/>
               <a:buChar char="•"/>
               <a:defRPr sz="2800" kern="1200">
                 <a:solidFill>
@@ -23483,7 +23629,7 @@
               <a:spcBef>
                 <a:spcPts val="500"/>
               </a:spcBef>
-              <a:buFont typeface="Arial" panose="020B0604020202020204" pitchFamily="34" charset="0"/>
+              <a:buFont typeface="Arial"/>
               <a:buChar char="•"/>
               <a:defRPr sz="2400" kern="1200">
                 <a:solidFill>
@@ -23501,7 +23647,7 @@
               <a:spcBef>
                 <a:spcPts val="500"/>
               </a:spcBef>
-              <a:buFont typeface="Arial" panose="020B0604020202020204" pitchFamily="34" charset="0"/>
+              <a:buFont typeface="Arial"/>
               <a:buChar char="•"/>
               <a:defRPr sz="2000" kern="1200">
                 <a:solidFill>
@@ -23519,7 +23665,7 @@
               <a:spcBef>
                 <a:spcPts val="500"/>
               </a:spcBef>
-              <a:buFont typeface="Arial" panose="020B0604020202020204" pitchFamily="34" charset="0"/>
+              <a:buFont typeface="Arial"/>
               <a:buChar char="•"/>
               <a:defRPr sz="1800" kern="1200">
                 <a:solidFill>
@@ -23537,7 +23683,7 @@
               <a:spcBef>
                 <a:spcPts val="500"/>
               </a:spcBef>
-              <a:buFont typeface="Arial" panose="020B0604020202020204" pitchFamily="34" charset="0"/>
+              <a:buFont typeface="Arial"/>
               <a:buChar char="•"/>
               <a:defRPr sz="1800" kern="1200">
                 <a:solidFill>
@@ -23555,7 +23701,7 @@
               <a:spcBef>
                 <a:spcPts val="500"/>
               </a:spcBef>
-              <a:buFont typeface="Arial" panose="020B0604020202020204" pitchFamily="34" charset="0"/>
+              <a:buFont typeface="Arial"/>
               <a:buChar char="•"/>
               <a:defRPr sz="1800" kern="1200">
                 <a:solidFill>
@@ -23573,7 +23719,7 @@
               <a:spcBef>
                 <a:spcPts val="500"/>
               </a:spcBef>
-              <a:buFont typeface="Arial" panose="020B0604020202020204" pitchFamily="34" charset="0"/>
+              <a:buFont typeface="Arial"/>
               <a:buChar char="•"/>
               <a:defRPr sz="1800" kern="1200">
                 <a:solidFill>
@@ -23591,7 +23737,7 @@
               <a:spcBef>
                 <a:spcPts val="500"/>
               </a:spcBef>
-              <a:buFont typeface="Arial" panose="020B0604020202020204" pitchFamily="34" charset="0"/>
+              <a:buFont typeface="Arial"/>
               <a:buChar char="•"/>
               <a:defRPr sz="1800" kern="1200">
                 <a:solidFill>
@@ -23609,7 +23755,7 @@
               <a:spcBef>
                 <a:spcPts val="500"/>
               </a:spcBef>
-              <a:buFont typeface="Arial" panose="020B0604020202020204" pitchFamily="34" charset="0"/>
+              <a:buFont typeface="Arial"/>
               <a:buChar char="•"/>
               <a:defRPr sz="1800" kern="1200">
                 <a:solidFill>
@@ -23624,9 +23770,10 @@
           <a:p>
             <a:pPr marL="0" indent="0" algn="ctr">
               <a:buNone/>
+              <a:defRPr/>
             </a:pPr>
             <a:r>
-              <a:rPr lang="ko-KR" altLang="en-US" sz="1200" dirty="0" err="1">
+              <a:rPr lang="ko-KR" altLang="en-US" sz="1200">
                 <a:solidFill>
                   <a:schemeClr val="tx1">
                     <a:lumMod val="50000"/>
@@ -23634,19 +23781,16 @@
                 </a:solidFill>
                 <a:latin typeface="+mn-ea"/>
               </a:rPr>
-              <a:t>이펙트</a:t>
+              <a:t>이펙트 효과 부각</a:t>
             </a:r>
-            <a:r>
-              <a:rPr lang="ko-KR" altLang="en-US" sz="1200" dirty="0">
-                <a:solidFill>
-                  <a:schemeClr val="tx1">
-                    <a:lumMod val="50000"/>
-                  </a:schemeClr>
-                </a:solidFill>
-                <a:latin typeface="+mn-ea"/>
-              </a:rPr>
-              <a:t> 효과 부각</a:t>
-            </a:r>
+            <a:endParaRPr lang="ko-KR" altLang="en-US" sz="1200">
+              <a:solidFill>
+                <a:schemeClr val="tx1">
+                  <a:lumMod val="50000"/>
+                </a:schemeClr>
+              </a:solidFill>
+              <a:latin typeface="+mn-ea"/>
+            </a:endParaRPr>
           </a:p>
         </p:txBody>
       </p:sp>
@@ -23670,7 +23814,7 @@
           </a:prstGeom>
         </p:spPr>
         <p:txBody>
-          <a:bodyPr spcFirstLastPara="1" wrap="square" lIns="91425" tIns="91425" rIns="91425" bIns="91425" anchor="t" anchorCtr="0">
+          <a:bodyPr wrap="square" lIns="91424" tIns="91424" rIns="91424" bIns="91424" anchor="t" anchorCtr="0">
             <a:noAutofit/>
           </a:bodyPr>
           <a:lstStyle/>
@@ -23683,18 +23827,29 @@
                 <a:spcPts val="0"/>
               </a:spcAft>
               <a:buNone/>
+              <a:defRPr/>
             </a:pPr>
             <a:fld id="{00000000-1234-1234-1234-123412341234}" type="slidenum">
-              <a:rPr lang="en">
+              <a:rPr lang="en-US">
                 <a:solidFill>
                   <a:schemeClr val="tx1">
                     <a:lumMod val="50000"/>
                   </a:schemeClr>
                 </a:solidFill>
               </a:rPr>
+              <a:pPr marL="0" lvl="0" indent="0" algn="r" rtl="0">
+                <a:spcBef>
+                  <a:spcPts val="0"/>
+                </a:spcBef>
+                <a:spcAft>
+                  <a:spcPts val="0"/>
+                </a:spcAft>
+                <a:buNone/>
+                <a:defRPr/>
+              </a:pPr>
               <a:t>6</a:t>
             </a:fld>
-            <a:endParaRPr dirty="0">
+            <a:endParaRPr lang="en-US">
               <a:solidFill>
                 <a:schemeClr val="tx1">
                   <a:lumMod val="50000"/>
@@ -23707,9 +23862,7 @@
       <p:sp>
         <p:nvSpPr>
           <p:cNvPr id="46" name="내용 개체 틀 2"/>
-          <p:cNvSpPr txBox="1">
-            <a:spLocks/>
-          </p:cNvSpPr>
+          <p:cNvSpPr txBox="1"/>
           <p:nvPr/>
         </p:nvSpPr>
         <p:spPr>
@@ -23722,7 +23875,7 @@
           </a:prstGeom>
         </p:spPr>
         <p:txBody>
-          <a:bodyPr vert="horz" lIns="91440" tIns="45720" rIns="91440" bIns="45720" rtlCol="0">
+          <a:bodyPr vert="horz" lIns="91440" tIns="45720" rIns="91440" bIns="45720">
             <a:noAutofit/>
           </a:bodyPr>
           <a:lstStyle>
@@ -23733,7 +23886,7 @@
               <a:spcBef>
                 <a:spcPts val="1000"/>
               </a:spcBef>
-              <a:buFont typeface="Arial" panose="020B0604020202020204" pitchFamily="34" charset="0"/>
+              <a:buFont typeface="Arial"/>
               <a:buChar char="•"/>
               <a:defRPr sz="2800" kern="1200">
                 <a:solidFill>
@@ -23751,7 +23904,7 @@
               <a:spcBef>
                 <a:spcPts val="500"/>
               </a:spcBef>
-              <a:buFont typeface="Arial" panose="020B0604020202020204" pitchFamily="34" charset="0"/>
+              <a:buFont typeface="Arial"/>
               <a:buChar char="•"/>
               <a:defRPr sz="2400" kern="1200">
                 <a:solidFill>
@@ -23769,7 +23922,7 @@
               <a:spcBef>
                 <a:spcPts val="500"/>
               </a:spcBef>
-              <a:buFont typeface="Arial" panose="020B0604020202020204" pitchFamily="34" charset="0"/>
+              <a:buFont typeface="Arial"/>
               <a:buChar char="•"/>
               <a:defRPr sz="2000" kern="1200">
                 <a:solidFill>
@@ -23787,7 +23940,7 @@
               <a:spcBef>
                 <a:spcPts val="500"/>
               </a:spcBef>
-              <a:buFont typeface="Arial" panose="020B0604020202020204" pitchFamily="34" charset="0"/>
+              <a:buFont typeface="Arial"/>
               <a:buChar char="•"/>
               <a:defRPr sz="1800" kern="1200">
                 <a:solidFill>
@@ -23805,7 +23958,7 @@
               <a:spcBef>
                 <a:spcPts val="500"/>
               </a:spcBef>
-              <a:buFont typeface="Arial" panose="020B0604020202020204" pitchFamily="34" charset="0"/>
+              <a:buFont typeface="Arial"/>
               <a:buChar char="•"/>
               <a:defRPr sz="1800" kern="1200">
                 <a:solidFill>
@@ -23823,7 +23976,7 @@
               <a:spcBef>
                 <a:spcPts val="500"/>
               </a:spcBef>
-              <a:buFont typeface="Arial" panose="020B0604020202020204" pitchFamily="34" charset="0"/>
+              <a:buFont typeface="Arial"/>
               <a:buChar char="•"/>
               <a:defRPr sz="1800" kern="1200">
                 <a:solidFill>
@@ -23841,7 +23994,7 @@
               <a:spcBef>
                 <a:spcPts val="500"/>
               </a:spcBef>
-              <a:buFont typeface="Arial" panose="020B0604020202020204" pitchFamily="34" charset="0"/>
+              <a:buFont typeface="Arial"/>
               <a:buChar char="•"/>
               <a:defRPr sz="1800" kern="1200">
                 <a:solidFill>
@@ -23859,7 +24012,7 @@
               <a:spcBef>
                 <a:spcPts val="500"/>
               </a:spcBef>
-              <a:buFont typeface="Arial" panose="020B0604020202020204" pitchFamily="34" charset="0"/>
+              <a:buFont typeface="Arial"/>
               <a:buChar char="•"/>
               <a:defRPr sz="1800" kern="1200">
                 <a:solidFill>
@@ -23877,7 +24030,7 @@
               <a:spcBef>
                 <a:spcPts val="500"/>
               </a:spcBef>
-              <a:buFont typeface="Arial" panose="020B0604020202020204" pitchFamily="34" charset="0"/>
+              <a:buFont typeface="Arial"/>
               <a:buChar char="•"/>
               <a:defRPr sz="1800" kern="1200">
                 <a:solidFill>
@@ -23891,11 +24044,12 @@
           </a:lstStyle>
           <a:p>
             <a:pPr marL="0" indent="0" algn="ctr">
-              <a:buFont typeface="Arial" panose="020B0604020202020204" pitchFamily="34" charset="0"/>
+              <a:buFont typeface="Arial"/>
               <a:buNone/>
+              <a:defRPr/>
             </a:pPr>
             <a:r>
-              <a:rPr lang="en-US" altLang="ko-KR" sz="1200" dirty="0">
+              <a:rPr lang="en-US" altLang="ko-KR" sz="1200">
                 <a:solidFill>
                   <a:schemeClr val="tx1">
                     <a:lumMod val="50000"/>
@@ -23906,7 +24060,7 @@
               <a:t>1,2 </a:t>
             </a:r>
             <a:r>
-              <a:rPr lang="ko-KR" altLang="en-US" sz="1200" dirty="0">
+              <a:rPr lang="ko-KR" altLang="en-US" sz="1200">
                 <a:solidFill>
                   <a:schemeClr val="tx1">
                     <a:lumMod val="50000"/>
@@ -23916,7 +24070,7 @@
               </a:rPr>
               <a:t>라운드 진행</a:t>
             </a:r>
-            <a:endParaRPr lang="en-US" altLang="ko-KR" sz="1200" dirty="0">
+            <a:endParaRPr lang="en-US" altLang="ko-KR" sz="1200">
               <a:solidFill>
                 <a:schemeClr val="tx1">
                   <a:lumMod val="50000"/>
@@ -23933,13 +24087,7 @@
           <p:cNvGraphicFramePr>
             <a:graphicFrameLocks noGrp="1"/>
           </p:cNvGraphicFramePr>
-          <p:nvPr>
-            <p:extLst>
-              <p:ext uri="{D42A27DB-BD31-4B8C-83A1-F6EECF244321}">
-                <p14:modId xmlns:p14="http://schemas.microsoft.com/office/powerpoint/2010/main" val="2730201675"/>
-              </p:ext>
-            </p:extLst>
-          </p:nvPr>
+          <p:nvPr/>
         </p:nvGraphicFramePr>
         <p:xfrm>
           <a:off x="879654" y="3305133"/>
@@ -23952,26 +24100,21 @@
                 <a:tableStyleId>{77C95F03-0CCA-47FF-B4B6-37FC9320E24F}</a:tableStyleId>
               </a:tblPr>
               <a:tblGrid>
-                <a:gridCol w="2520000">
-                  <a:extLst>
-                    <a:ext uri="{9D8B030D-6E8A-4147-A177-3AD203B41FA5}">
-                      <a16:colId xmlns:a16="http://schemas.microsoft.com/office/drawing/2014/main" xmlns="" val="20000"/>
-                    </a:ext>
-                  </a:extLst>
-                </a:gridCol>
+                <a:gridCol w="2520000"/>
               </a:tblGrid>
               <a:tr h="1440000">
                 <a:tc>
                   <a:txBody>
-                    <a:bodyPr/>
-                    <a:lstStyle/>
+                    <a:bodyPr vert="horz" lIns="91440" tIns="45720" rIns="91440" bIns="45720" anchor="t" anchorCtr="0"/>
                     <a:p>
-                      <a:pPr latinLnBrk="1"/>
-                      <a:endParaRPr lang="ko-KR" altLang="en-US" dirty="0"/>
+                      <a:pPr latinLnBrk="1">
+                        <a:defRPr/>
+                      </a:pPr>
+                      <a:endParaRPr lang="ko-KR" altLang="en-US"/>
                     </a:p>
                   </a:txBody>
-                  <a:tcPr>
-                    <a:blipFill>
+                  <a:tcPr marL="91440" marR="91440">
+                    <a:blipFill rotWithShape="1">
                       <a:blip r:embed="rId6"/>
                       <a:stretch>
                         <a:fillRect/>
@@ -23979,11 +24122,6 @@
                     </a:blipFill>
                   </a:tcPr>
                 </a:tc>
-                <a:extLst>
-                  <a:ext uri="{0D108BD9-81ED-4DB2-BD59-A6C34878D82A}">
-                    <a16:rowId xmlns:a16="http://schemas.microsoft.com/office/drawing/2014/main" xmlns="" val="10000"/>
-                  </a:ext>
-                </a:extLst>
               </a:tr>
             </a:tbl>
           </a:graphicData>
@@ -24001,14 +24139,18 @@
             <a:ext cx="1764360" cy="612068"/>
           </a:xfrm>
           <a:prstGeom prst="curvedDownArrow">
-            <a:avLst/>
+            <a:avLst>
+              <a:gd name="adj1" fmla="val 25000"/>
+              <a:gd name="adj2" fmla="val 50000"/>
+              <a:gd name="adj3" fmla="val 25000"/>
+            </a:avLst>
           </a:prstGeom>
           <a:solidFill>
-            <a:srgbClr val="FF0000"/>
+            <a:srgbClr val="ff0000"/>
           </a:solidFill>
           <a:ln w="3175">
             <a:solidFill>
-              <a:srgbClr val="C00000"/>
+              <a:srgbClr val="c00000"/>
             </a:solidFill>
           </a:ln>
         </p:spPr>
@@ -24029,10 +24171,12 @@
           </a:fontRef>
         </p:style>
         <p:txBody>
-          <a:bodyPr rtlCol="0" anchor="ctr"/>
+          <a:bodyPr anchor="ctr"/>
           <a:lstStyle/>
           <a:p>
-            <a:pPr algn="ctr"/>
+            <a:pPr algn="ctr">
+              <a:defRPr/>
+            </a:pPr>
             <a:endParaRPr lang="ko-KR" altLang="en-US">
               <a:solidFill>
                 <a:schemeClr val="tx1"/>
@@ -24053,14 +24197,17 @@
             <a:ext cx="1800200" cy="288032"/>
           </a:xfrm>
           <a:prstGeom prst="rightArrow">
-            <a:avLst/>
+            <a:avLst>
+              <a:gd name="adj1" fmla="val 50000"/>
+              <a:gd name="adj2" fmla="val 50000"/>
+            </a:avLst>
           </a:prstGeom>
           <a:solidFill>
-            <a:srgbClr val="FF0000"/>
+            <a:srgbClr val="ff0000"/>
           </a:solidFill>
           <a:ln w="3175">
             <a:solidFill>
-              <a:srgbClr val="C00000"/>
+              <a:srgbClr val="c00000"/>
             </a:solidFill>
           </a:ln>
         </p:spPr>
@@ -24081,10 +24228,12 @@
           </a:fontRef>
         </p:style>
         <p:txBody>
-          <a:bodyPr rtlCol="0" anchor="ctr"/>
+          <a:bodyPr anchor="ctr"/>
           <a:lstStyle/>
           <a:p>
-            <a:pPr algn="ctr"/>
+            <a:pPr algn="ctr">
+              <a:defRPr/>
+            </a:pPr>
             <a:endParaRPr lang="ko-KR" altLang="en-US"/>
           </a:p>
         </p:txBody>
@@ -24101,14 +24250,17 @@
             <a:ext cx="2193354" cy="288032"/>
           </a:xfrm>
           <a:prstGeom prst="rightArrow">
-            <a:avLst/>
+            <a:avLst>
+              <a:gd name="adj1" fmla="val 50000"/>
+              <a:gd name="adj2" fmla="val 50000"/>
+            </a:avLst>
           </a:prstGeom>
           <a:solidFill>
-            <a:srgbClr val="FF0000"/>
+            <a:srgbClr val="ff0000"/>
           </a:solidFill>
           <a:ln w="3175">
             <a:solidFill>
-              <a:srgbClr val="C00000"/>
+              <a:srgbClr val="c00000"/>
             </a:solidFill>
           </a:ln>
         </p:spPr>
@@ -24129,10 +24281,12 @@
           </a:fontRef>
         </p:style>
         <p:txBody>
-          <a:bodyPr rtlCol="0" anchor="ctr"/>
+          <a:bodyPr anchor="ctr"/>
           <a:lstStyle/>
           <a:p>
-            <a:pPr algn="ctr"/>
+            <a:pPr algn="ctr">
+              <a:defRPr/>
+            </a:pPr>
             <a:endParaRPr lang="ko-KR" altLang="en-US"/>
           </a:p>
         </p:txBody>
@@ -24140,9 +24294,7 @@
       <p:sp>
         <p:nvSpPr>
           <p:cNvPr id="83" name="내용 개체 틀 2"/>
-          <p:cNvSpPr txBox="1">
-            <a:spLocks/>
-          </p:cNvSpPr>
+          <p:cNvSpPr txBox="1"/>
           <p:nvPr/>
         </p:nvSpPr>
         <p:spPr>
@@ -24155,7 +24307,7 @@
           </a:prstGeom>
         </p:spPr>
         <p:txBody>
-          <a:bodyPr vert="horz" lIns="36000" tIns="45720" rIns="36000" bIns="45720" rtlCol="0">
+          <a:bodyPr vert="horz" lIns="36000" tIns="45720" rIns="36000" bIns="45720">
             <a:noAutofit/>
           </a:bodyPr>
           <a:lstStyle>
@@ -24166,7 +24318,7 @@
               <a:spcBef>
                 <a:spcPts val="1000"/>
               </a:spcBef>
-              <a:buFont typeface="Arial" panose="020B0604020202020204" pitchFamily="34" charset="0"/>
+              <a:buFont typeface="Arial"/>
               <a:buChar char="•"/>
               <a:defRPr sz="2800" kern="1200">
                 <a:solidFill>
@@ -24184,7 +24336,7 @@
               <a:spcBef>
                 <a:spcPts val="500"/>
               </a:spcBef>
-              <a:buFont typeface="Arial" panose="020B0604020202020204" pitchFamily="34" charset="0"/>
+              <a:buFont typeface="Arial"/>
               <a:buChar char="•"/>
               <a:defRPr sz="2400" kern="1200">
                 <a:solidFill>
@@ -24202,7 +24354,7 @@
               <a:spcBef>
                 <a:spcPts val="500"/>
               </a:spcBef>
-              <a:buFont typeface="Arial" panose="020B0604020202020204" pitchFamily="34" charset="0"/>
+              <a:buFont typeface="Arial"/>
               <a:buChar char="•"/>
               <a:defRPr sz="2000" kern="1200">
                 <a:solidFill>
@@ -24220,7 +24372,7 @@
               <a:spcBef>
                 <a:spcPts val="500"/>
               </a:spcBef>
-              <a:buFont typeface="Arial" panose="020B0604020202020204" pitchFamily="34" charset="0"/>
+              <a:buFont typeface="Arial"/>
               <a:buChar char="•"/>
               <a:defRPr sz="1800" kern="1200">
                 <a:solidFill>
@@ -24238,7 +24390,7 @@
               <a:spcBef>
                 <a:spcPts val="500"/>
               </a:spcBef>
-              <a:buFont typeface="Arial" panose="020B0604020202020204" pitchFamily="34" charset="0"/>
+              <a:buFont typeface="Arial"/>
               <a:buChar char="•"/>
               <a:defRPr sz="1800" kern="1200">
                 <a:solidFill>
@@ -24256,7 +24408,7 @@
               <a:spcBef>
                 <a:spcPts val="500"/>
               </a:spcBef>
-              <a:buFont typeface="Arial" panose="020B0604020202020204" pitchFamily="34" charset="0"/>
+              <a:buFont typeface="Arial"/>
               <a:buChar char="•"/>
               <a:defRPr sz="1800" kern="1200">
                 <a:solidFill>
@@ -24274,7 +24426,7 @@
               <a:spcBef>
                 <a:spcPts val="500"/>
               </a:spcBef>
-              <a:buFont typeface="Arial" panose="020B0604020202020204" pitchFamily="34" charset="0"/>
+              <a:buFont typeface="Arial"/>
               <a:buChar char="•"/>
               <a:defRPr sz="1800" kern="1200">
                 <a:solidFill>
@@ -24292,7 +24444,7 @@
               <a:spcBef>
                 <a:spcPts val="500"/>
               </a:spcBef>
-              <a:buFont typeface="Arial" panose="020B0604020202020204" pitchFamily="34" charset="0"/>
+              <a:buFont typeface="Arial"/>
               <a:buChar char="•"/>
               <a:defRPr sz="1800" kern="1200">
                 <a:solidFill>
@@ -24310,7 +24462,7 @@
               <a:spcBef>
                 <a:spcPts val="500"/>
               </a:spcBef>
-              <a:buFont typeface="Arial" panose="020B0604020202020204" pitchFamily="34" charset="0"/>
+              <a:buFont typeface="Arial"/>
               <a:buChar char="•"/>
               <a:defRPr sz="1800" kern="1200">
                 <a:solidFill>
@@ -24325,9 +24477,10 @@
           <a:p>
             <a:pPr marL="0" indent="0" algn="ctr">
               <a:buNone/>
+              <a:defRPr/>
             </a:pPr>
             <a:r>
-              <a:rPr lang="en-US" altLang="ko-KR" sz="1200" dirty="0">
+              <a:rPr lang="en-US" altLang="ko-KR" sz="1200">
                 <a:solidFill>
                   <a:schemeClr val="tx1">
                     <a:lumMod val="50000"/>
@@ -24338,7 +24491,7 @@
               <a:t>2</a:t>
             </a:r>
             <a:r>
-              <a:rPr lang="ko-KR" altLang="en-US" sz="1200" dirty="0">
+              <a:rPr lang="ko-KR" altLang="en-US" sz="1200">
                 <a:solidFill>
                   <a:schemeClr val="tx1">
                     <a:lumMod val="50000"/>
@@ -24348,15 +24501,21 @@
               </a:rPr>
               <a:t>연패 시</a:t>
             </a:r>
+            <a:endParaRPr lang="ko-KR" altLang="en-US" sz="1200">
+              <a:solidFill>
+                <a:schemeClr val="tx1">
+                  <a:lumMod val="50000"/>
+                </a:schemeClr>
+              </a:solidFill>
+              <a:latin typeface="+mn-ea"/>
+            </a:endParaRPr>
           </a:p>
         </p:txBody>
       </p:sp>
       <p:sp>
         <p:nvSpPr>
           <p:cNvPr id="84" name="내용 개체 틀 2"/>
-          <p:cNvSpPr txBox="1">
-            <a:spLocks/>
-          </p:cNvSpPr>
+          <p:cNvSpPr txBox="1"/>
           <p:nvPr/>
         </p:nvSpPr>
         <p:spPr>
@@ -24369,7 +24528,7 @@
           </a:prstGeom>
         </p:spPr>
         <p:txBody>
-          <a:bodyPr vert="horz" lIns="36000" tIns="45720" rIns="36000" bIns="45720" rtlCol="0">
+          <a:bodyPr vert="horz" lIns="36000" tIns="45720" rIns="36000" bIns="45720">
             <a:noAutofit/>
           </a:bodyPr>
           <a:lstStyle>
@@ -24380,7 +24539,7 @@
               <a:spcBef>
                 <a:spcPts val="1000"/>
               </a:spcBef>
-              <a:buFont typeface="Arial" panose="020B0604020202020204" pitchFamily="34" charset="0"/>
+              <a:buFont typeface="Arial"/>
               <a:buChar char="•"/>
               <a:defRPr sz="2800" kern="1200">
                 <a:solidFill>
@@ -24398,7 +24557,7 @@
               <a:spcBef>
                 <a:spcPts val="500"/>
               </a:spcBef>
-              <a:buFont typeface="Arial" panose="020B0604020202020204" pitchFamily="34" charset="0"/>
+              <a:buFont typeface="Arial"/>
               <a:buChar char="•"/>
               <a:defRPr sz="2400" kern="1200">
                 <a:solidFill>
@@ -24416,7 +24575,7 @@
               <a:spcBef>
                 <a:spcPts val="500"/>
               </a:spcBef>
-              <a:buFont typeface="Arial" panose="020B0604020202020204" pitchFamily="34" charset="0"/>
+              <a:buFont typeface="Arial"/>
               <a:buChar char="•"/>
               <a:defRPr sz="2000" kern="1200">
                 <a:solidFill>
@@ -24434,7 +24593,7 @@
               <a:spcBef>
                 <a:spcPts val="500"/>
               </a:spcBef>
-              <a:buFont typeface="Arial" panose="020B0604020202020204" pitchFamily="34" charset="0"/>
+              <a:buFont typeface="Arial"/>
               <a:buChar char="•"/>
               <a:defRPr sz="1800" kern="1200">
                 <a:solidFill>
@@ -24452,7 +24611,7 @@
               <a:spcBef>
                 <a:spcPts val="500"/>
               </a:spcBef>
-              <a:buFont typeface="Arial" panose="020B0604020202020204" pitchFamily="34" charset="0"/>
+              <a:buFont typeface="Arial"/>
               <a:buChar char="•"/>
               <a:defRPr sz="1800" kern="1200">
                 <a:solidFill>
@@ -24470,7 +24629,7 @@
               <a:spcBef>
                 <a:spcPts val="500"/>
               </a:spcBef>
-              <a:buFont typeface="Arial" panose="020B0604020202020204" pitchFamily="34" charset="0"/>
+              <a:buFont typeface="Arial"/>
               <a:buChar char="•"/>
               <a:defRPr sz="1800" kern="1200">
                 <a:solidFill>
@@ -24488,7 +24647,7 @@
               <a:spcBef>
                 <a:spcPts val="500"/>
               </a:spcBef>
-              <a:buFont typeface="Arial" panose="020B0604020202020204" pitchFamily="34" charset="0"/>
+              <a:buFont typeface="Arial"/>
               <a:buChar char="•"/>
               <a:defRPr sz="1800" kern="1200">
                 <a:solidFill>
@@ -24506,7 +24665,7 @@
               <a:spcBef>
                 <a:spcPts val="500"/>
               </a:spcBef>
-              <a:buFont typeface="Arial" panose="020B0604020202020204" pitchFamily="34" charset="0"/>
+              <a:buFont typeface="Arial"/>
               <a:buChar char="•"/>
               <a:defRPr sz="1800" kern="1200">
                 <a:solidFill>
@@ -24524,7 +24683,7 @@
               <a:spcBef>
                 <a:spcPts val="500"/>
               </a:spcBef>
-              <a:buFont typeface="Arial" panose="020B0604020202020204" pitchFamily="34" charset="0"/>
+              <a:buFont typeface="Arial"/>
               <a:buChar char="•"/>
               <a:defRPr sz="1800" kern="1200">
                 <a:solidFill>
@@ -24539,9 +24698,10 @@
           <a:p>
             <a:pPr marL="0" indent="0" algn="ctr">
               <a:buNone/>
+              <a:defRPr/>
             </a:pPr>
             <a:r>
-              <a:rPr lang="en-US" altLang="ko-KR" sz="1200" dirty="0">
+              <a:rPr lang="en-US" altLang="ko-KR" sz="1200">
                 <a:solidFill>
                   <a:schemeClr val="tx1">
                     <a:lumMod val="50000"/>
@@ -24552,7 +24712,7 @@
               <a:t>3</a:t>
             </a:r>
             <a:r>
-              <a:rPr lang="ko-KR" altLang="en-US" sz="1200" dirty="0">
+              <a:rPr lang="ko-KR" altLang="en-US" sz="1200">
                 <a:solidFill>
                   <a:schemeClr val="tx1">
                     <a:lumMod val="50000"/>
@@ -24562,19 +24722,30 @@
               </a:rPr>
               <a:t>라운드 진행</a:t>
             </a:r>
+            <a:endParaRPr lang="ko-KR" altLang="en-US" sz="1200">
+              <a:solidFill>
+                <a:schemeClr val="tx1">
+                  <a:lumMod val="50000"/>
+                </a:schemeClr>
+              </a:solidFill>
+              <a:latin typeface="+mn-ea"/>
+            </a:endParaRPr>
           </a:p>
         </p:txBody>
       </p:sp>
     </p:spTree>
-    <p:extLst>
-      <p:ext uri="{BB962C8B-B14F-4D97-AF65-F5344CB8AC3E}">
-        <p14:creationId xmlns:p14="http://schemas.microsoft.com/office/powerpoint/2010/main" val="2565443430"/>
-      </p:ext>
-    </p:extLst>
   </p:cSld>
   <p:clrMapOvr>
     <a:masterClrMapping/>
   </p:clrMapOvr>
+  <mc:AlternateContent xmlns:mc="http://schemas.openxmlformats.org/markup-compatibility/2006">
+    <mc:Choice xmlns:p14="http://schemas.microsoft.com/office/powerpoint/2010/main" Requires="p14">
+      <p:transition xmlns:mc="http://schemas.openxmlformats.org/markup-compatibility/2006" xmlns:p14="http://schemas.microsoft.com/office/powerpoint/2010/main" mc:Ignorable="p14" p14:dur="500"/>
+    </mc:Choice>
+    <mc:Fallback>
+      <p:transition/>
+    </mc:Fallback>
+  </mc:AlternateContent>
   <p:timing>
     <p:tnLst>
       <p:par>
@@ -25669,7 +25840,7 @@
 </file>
 
 <file path=ppt/slides/slide8.xml><?xml version="1.0" encoding="utf-8"?>
-<p:sld xmlns:a="http://schemas.openxmlformats.org/drawingml/2006/main" xmlns:r="http://schemas.openxmlformats.org/officeDocument/2006/relationships" xmlns:p="http://schemas.openxmlformats.org/presentationml/2006/main">
+<p:sld xmlns:r="http://schemas.openxmlformats.org/officeDocument/2006/relationships" xmlns:c="http://schemas.openxmlformats.org/drawingml/2006/chart" xmlns:a="http://schemas.openxmlformats.org/drawingml/2006/main" xmlns:dgm="http://schemas.openxmlformats.org/drawingml/2006/diagram" xmlns:dsp="http://schemas.microsoft.com/office/drawing/2008/diagram" xmlns:p="http://schemas.openxmlformats.org/presentationml/2006/main">
   <p:cSld>
     <p:spTree>
       <p:nvGrpSpPr>
@@ -25710,8 +25881,7 @@
               <a:tr h="3277160">
                 <a:tc>
                   <a:txBody>
-                    <a:bodyPr/>
-                    <a:lstStyle/>
+                    <a:bodyPr vert="horz" lIns="91440" tIns="45720" rIns="91440" bIns="45720" anchor="ctr" anchorCtr="0"/>
                     <a:p>
                       <a:pPr algn="ctr" latinLnBrk="1">
                         <a:defRPr/>
@@ -25722,7 +25892,7 @@
                       </a:endParaRPr>
                     </a:p>
                   </a:txBody>
-                  <a:tcPr anchor="ctr">
+                  <a:tcPr marL="91440" marR="91440" anchor="ctr">
                     <a:lnL w="12700" cap="flat" cmpd="sng" algn="ctr">
                       <a:solidFill>
                         <a:schemeClr val="tx2">
@@ -25769,8 +25939,7 @@
                 </a:tc>
                 <a:tc>
                   <a:txBody>
-                    <a:bodyPr/>
-                    <a:lstStyle/>
+                    <a:bodyPr vert="horz" lIns="91440" tIns="45720" rIns="91440" bIns="45720" anchor="ctr" anchorCtr="0"/>
                     <a:p>
                       <a:pPr latinLnBrk="1">
                         <a:defRPr/>
@@ -25781,7 +25950,7 @@
                       </a:endParaRPr>
                     </a:p>
                   </a:txBody>
-                  <a:tcPr anchor="ctr">
+                  <a:tcPr marL="91440" marR="91440" anchor="ctr">
                     <a:lnL w="12700" cap="flat" cmpd="sng" algn="ctr">
                       <a:solidFill>
                         <a:schemeClr val="tx2">
@@ -25838,7 +26007,7 @@
             <a:spLocks noGrp="1"/>
           </p:cNvSpPr>
           <p:nvPr>
-            <p:ph type="title"/>
+            <p:ph type="title" idx="0"/>
           </p:nvPr>
         </p:nvSpPr>
         <p:spPr>
@@ -25895,7 +26064,7 @@
             <a:r>
               <a:rPr lang="en-US" altLang="ko-KR">
                 <a:solidFill>
-                  <a:srgbClr val="1D263F"/>
+                  <a:srgbClr val="1d263f"/>
                 </a:solidFill>
                 <a:latin typeface="+mj-ea"/>
                 <a:ea typeface="+mj-ea"/>
@@ -25905,7 +26074,7 @@
             <a:r>
               <a:rPr lang="ko-KR" altLang="en-US">
                 <a:solidFill>
-                  <a:srgbClr val="1D263F"/>
+                  <a:srgbClr val="1d263f"/>
                 </a:solidFill>
                 <a:latin typeface="+mj-ea"/>
                 <a:ea typeface="+mj-ea"/>
@@ -25915,7 +26084,7 @@
             <a:r>
               <a:rPr lang="en-US" altLang="ko-KR">
                 <a:solidFill>
-                  <a:srgbClr val="1D263F"/>
+                  <a:srgbClr val="1d263f"/>
                 </a:solidFill>
                 <a:latin typeface="+mj-ea"/>
                 <a:ea typeface="+mj-ea"/>
@@ -25925,7 +26094,7 @@
             <a:r>
               <a:rPr lang="ko-KR" altLang="en-US">
                 <a:solidFill>
-                  <a:srgbClr val="1D263F"/>
+                  <a:srgbClr val="1d263f"/>
                 </a:solidFill>
                 <a:latin typeface="+mj-ea"/>
                 <a:ea typeface="+mj-ea"/>
@@ -25934,7 +26103,7 @@
             </a:r>
             <a:endParaRPr>
               <a:solidFill>
-                <a:srgbClr val="1D263F"/>
+                <a:srgbClr val="1d263f"/>
               </a:solidFill>
               <a:latin typeface="+mj-ea"/>
               <a:ea typeface="+mj-ea"/>
@@ -26082,14 +26251,13 @@
               <a:tr h="540325">
                 <a:tc>
                   <a:txBody>
-                    <a:bodyPr/>
-                    <a:lstStyle/>
+                    <a:bodyPr vert="horz" lIns="91440" tIns="45720" rIns="91440" bIns="45720" anchor="ctr" anchorCtr="0"/>
                     <a:p>
                       <a:pPr algn="ctr" latinLnBrk="1">
                         <a:defRPr/>
                       </a:pPr>
                       <a:r>
-                        <a:rPr lang="ko-KR" altLang="en-US" dirty="0">
+                        <a:rPr lang="ko-KR" altLang="en-US">
                           <a:solidFill>
                             <a:srgbClr val="000000"/>
                           </a:solidFill>
@@ -26097,66 +26265,6 @@
                           <a:ea typeface="+mj-ea"/>
                         </a:rPr>
                         <a:t>체력</a:t>
-                      </a:r>
-                    </a:p>
-                  </a:txBody>
-                  <a:tcPr anchor="ctr">
-                    <a:lnL w="12700" cap="flat" cmpd="sng" algn="ctr">
-                      <a:solidFill>
-                        <a:schemeClr val="tx2">
-                          <a:lumMod val="10000"/>
-                        </a:schemeClr>
-                      </a:solidFill>
-                      <a:prstDash val="solid"/>
-                      <a:round/>
-                    </a:lnL>
-                    <a:lnR w="12700" cap="flat" cmpd="sng" algn="ctr">
-                      <a:solidFill>
-                        <a:schemeClr val="tx2">
-                          <a:lumMod val="10000"/>
-                        </a:schemeClr>
-                      </a:solidFill>
-                      <a:prstDash val="solid"/>
-                      <a:round/>
-                    </a:lnR>
-                    <a:lnT w="12700" cap="flat" cmpd="sng" algn="ctr">
-                      <a:solidFill>
-                        <a:schemeClr val="tx2">
-                          <a:lumMod val="10000"/>
-                        </a:schemeClr>
-                      </a:solidFill>
-                      <a:prstDash val="solid"/>
-                      <a:round/>
-                    </a:lnT>
-                    <a:lnB w="12700" cap="flat" cmpd="sng" algn="ctr">
-                      <a:solidFill>
-                        <a:schemeClr val="tx2">
-                          <a:lumMod val="10000"/>
-                        </a:schemeClr>
-                      </a:solidFill>
-                      <a:prstDash val="solid"/>
-                      <a:round/>
-                    </a:lnB>
-                    <a:noFill/>
-                  </a:tcPr>
-                </a:tc>
-                <a:tc>
-                  <a:txBody>
-                    <a:bodyPr/>
-                    <a:lstStyle/>
-                    <a:p>
-                      <a:pPr algn="ctr" latinLnBrk="1">
-                        <a:defRPr/>
-                      </a:pPr>
-                      <a:r>
-                        <a:rPr lang="en-US" altLang="ko-KR">
-                          <a:solidFill>
-                            <a:srgbClr val="000000"/>
-                          </a:solidFill>
-                          <a:latin typeface="+mj-ea"/>
-                          <a:ea typeface="+mj-ea"/>
-                        </a:rPr>
-                        <a:t>150</a:t>
                       </a:r>
                       <a:endParaRPr lang="ko-KR" altLang="en-US">
                         <a:solidFill>
@@ -26167,7 +26275,73 @@
                       </a:endParaRPr>
                     </a:p>
                   </a:txBody>
-                  <a:tcPr anchor="ctr">
+                  <a:tcPr marL="91440" marR="91440" anchor="ctr">
+                    <a:lnL w="12700" cap="flat" cmpd="sng" algn="ctr">
+                      <a:solidFill>
+                        <a:schemeClr val="tx2">
+                          <a:lumMod val="10000"/>
+                        </a:schemeClr>
+                      </a:solidFill>
+                      <a:prstDash val="solid"/>
+                      <a:round/>
+                    </a:lnL>
+                    <a:lnR w="12700" cap="flat" cmpd="sng" algn="ctr">
+                      <a:solidFill>
+                        <a:schemeClr val="tx2">
+                          <a:lumMod val="10000"/>
+                        </a:schemeClr>
+                      </a:solidFill>
+                      <a:prstDash val="solid"/>
+                      <a:round/>
+                    </a:lnR>
+                    <a:lnT w="12700" cap="flat" cmpd="sng" algn="ctr">
+                      <a:solidFill>
+                        <a:schemeClr val="tx2">
+                          <a:lumMod val="10000"/>
+                        </a:schemeClr>
+                      </a:solidFill>
+                      <a:prstDash val="solid"/>
+                      <a:round/>
+                    </a:lnT>
+                    <a:lnB w="12700" cap="flat" cmpd="sng" algn="ctr">
+                      <a:solidFill>
+                        <a:schemeClr val="tx2">
+                          <a:lumMod val="10000"/>
+                        </a:schemeClr>
+                      </a:solidFill>
+                      <a:prstDash val="solid"/>
+                      <a:round/>
+                    </a:lnB>
+                    <a:noFill/>
+                  </a:tcPr>
+                </a:tc>
+                <a:tc>
+                  <a:txBody>
+                    <a:bodyPr vert="horz" lIns="91440" tIns="45720" rIns="91440" bIns="45720" anchor="ctr" anchorCtr="0"/>
+                    <a:p>
+                      <a:pPr algn="ctr" latinLnBrk="1">
+                        <a:defRPr/>
+                      </a:pPr>
+                      <a:r>
+                        <a:rPr lang="en-US" altLang="ko-KR">
+                          <a:solidFill>
+                            <a:srgbClr val="000000"/>
+                          </a:solidFill>
+                          <a:latin typeface="+mj-ea"/>
+                          <a:ea typeface="+mj-ea"/>
+                        </a:rPr>
+                        <a:t>150</a:t>
+                      </a:r>
+                      <a:endParaRPr lang="ko-KR" altLang="en-US">
+                        <a:solidFill>
+                          <a:srgbClr val="000000"/>
+                        </a:solidFill>
+                        <a:latin typeface="+mj-ea"/>
+                        <a:ea typeface="+mj-ea"/>
+                      </a:endParaRPr>
+                    </a:p>
+                  </a:txBody>
+                  <a:tcPr marL="91440" marR="91440" anchor="ctr">
                     <a:lnL w="12700" cap="flat" cmpd="sng" algn="ctr">
                       <a:solidFill>
                         <a:schemeClr val="tx2">
@@ -26208,8 +26382,7 @@
                 </a:tc>
                 <a:tc>
                   <a:txBody>
-                    <a:bodyPr/>
-                    <a:lstStyle/>
+                    <a:bodyPr vert="horz" lIns="91440" tIns="45720" rIns="91440" bIns="45720" anchor="ctr" anchorCtr="0"/>
                     <a:p>
                       <a:pPr algn="ctr" latinLnBrk="1">
                         <a:defRPr/>
@@ -26224,9 +26397,16 @@
                         </a:rPr>
                         <a:t>키</a:t>
                       </a:r>
+                      <a:endParaRPr lang="ko-KR" altLang="en-US">
+                        <a:solidFill>
+                          <a:srgbClr val="000000"/>
+                        </a:solidFill>
+                        <a:latin typeface="+mj-ea"/>
+                        <a:ea typeface="+mj-ea"/>
+                      </a:endParaRPr>
                     </a:p>
                   </a:txBody>
-                  <a:tcPr anchor="ctr">
+                  <a:tcPr marL="91440" marR="91440" anchor="ctr">
                     <a:lnL w="12700" cap="flat" cmpd="sng" algn="ctr">
                       <a:solidFill>
                         <a:schemeClr val="tx2">
@@ -26267,8 +26447,7 @@
                 </a:tc>
                 <a:tc>
                   <a:txBody>
-                    <a:bodyPr/>
-                    <a:lstStyle/>
+                    <a:bodyPr vert="horz" lIns="91440" tIns="45720" rIns="91440" bIns="45720" anchor="ctr" anchorCtr="0"/>
                     <a:p>
                       <a:pPr marL="0" marR="0" indent="0" algn="ctr" defTabSz="914400" rtl="0" eaLnBrk="1" latinLnBrk="1" hangingPunct="1">
                         <a:lnSpc>
@@ -26346,7 +26525,7 @@
                       </a:endParaRPr>
                     </a:p>
                   </a:txBody>
-                  <a:tcPr anchor="ctr">
+                  <a:tcPr marL="91440" marR="91440" anchor="ctr">
                     <a:lnL w="12700" cap="flat" cmpd="sng" algn="ctr">
                       <a:solidFill>
                         <a:schemeClr val="tx2">
@@ -26389,8 +26568,7 @@
               <a:tr h="540325">
                 <a:tc>
                   <a:txBody>
-                    <a:bodyPr/>
-                    <a:lstStyle/>
+                    <a:bodyPr vert="horz" lIns="91440" tIns="45720" rIns="91440" bIns="45720" anchor="ctr" anchorCtr="0"/>
                     <a:p>
                       <a:pPr algn="ctr" latinLnBrk="1">
                         <a:defRPr/>
@@ -26405,9 +26583,16 @@
                         </a:rPr>
                         <a:t>보폭</a:t>
                       </a:r>
+                      <a:endParaRPr lang="ko-KR" altLang="en-US">
+                        <a:solidFill>
+                          <a:srgbClr val="000000"/>
+                        </a:solidFill>
+                        <a:latin typeface="+mj-ea"/>
+                        <a:ea typeface="+mj-ea"/>
+                      </a:endParaRPr>
                     </a:p>
                   </a:txBody>
-                  <a:tcPr anchor="ctr">
+                  <a:tcPr marL="91440" marR="91440" anchor="ctr">
                     <a:lnL w="12700" cap="flat" cmpd="sng" algn="ctr">
                       <a:solidFill>
                         <a:schemeClr val="tx2">
@@ -26448,8 +26633,7 @@
                 </a:tc>
                 <a:tc>
                   <a:txBody>
-                    <a:bodyPr/>
-                    <a:lstStyle/>
+                    <a:bodyPr vert="horz" lIns="91440" tIns="45720" rIns="91440" bIns="45720" anchor="ctr" anchorCtr="0"/>
                     <a:p>
                       <a:pPr algn="ctr" latinLnBrk="1">
                         <a:defRPr/>
@@ -26521,7 +26705,7 @@
                       </a:endParaRPr>
                     </a:p>
                   </a:txBody>
-                  <a:tcPr anchor="ctr">
+                  <a:tcPr marL="91440" marR="91440" anchor="ctr">
                     <a:lnL w="12700" cap="flat" cmpd="sng" algn="ctr">
                       <a:solidFill>
                         <a:schemeClr val="tx2">
@@ -26562,8 +26746,7 @@
                 </a:tc>
                 <a:tc>
                   <a:txBody>
-                    <a:bodyPr/>
-                    <a:lstStyle/>
+                    <a:bodyPr vert="horz" lIns="91440" tIns="45720" rIns="91440" bIns="45720" anchor="ctr" anchorCtr="0"/>
                     <a:p>
                       <a:pPr algn="ctr" latinLnBrk="1">
                         <a:defRPr/>
@@ -26578,9 +26761,16 @@
                         </a:rPr>
                         <a:t>팔 길이</a:t>
                       </a:r>
+                      <a:endParaRPr lang="ko-KR" altLang="en-US">
+                        <a:solidFill>
+                          <a:srgbClr val="000000"/>
+                        </a:solidFill>
+                        <a:latin typeface="+mj-ea"/>
+                        <a:ea typeface="+mj-ea"/>
+                      </a:endParaRPr>
                     </a:p>
                   </a:txBody>
-                  <a:tcPr anchor="ctr">
+                  <a:tcPr marL="91440" marR="91440" anchor="ctr">
                     <a:lnL w="12700" cap="flat" cmpd="sng" algn="ctr">
                       <a:solidFill>
                         <a:schemeClr val="tx2">
@@ -26621,8 +26811,7 @@
                 </a:tc>
                 <a:tc>
                   <a:txBody>
-                    <a:bodyPr/>
-                    <a:lstStyle/>
+                    <a:bodyPr vert="horz" lIns="91440" tIns="45720" rIns="91440" bIns="45720" anchor="ctr" anchorCtr="0"/>
                     <a:p>
                       <a:pPr algn="ctr" latinLnBrk="1">
                         <a:defRPr/>
@@ -26684,7 +26873,7 @@
                       </a:endParaRPr>
                     </a:p>
                   </a:txBody>
-                  <a:tcPr anchor="ctr">
+                  <a:tcPr marL="91440" marR="91440" anchor="ctr">
                     <a:lnL w="12700" cap="flat" cmpd="sng" algn="ctr">
                       <a:solidFill>
                         <a:schemeClr val="tx2">
@@ -26727,14 +26916,13 @@
               <a:tr h="540325">
                 <a:tc>
                   <a:txBody>
-                    <a:bodyPr/>
-                    <a:lstStyle/>
+                    <a:bodyPr vert="horz" lIns="91440" tIns="45720" rIns="91440" bIns="45720" anchor="ctr" anchorCtr="0"/>
                     <a:p>
                       <a:pPr algn="ctr" latinLnBrk="1">
                         <a:defRPr/>
                       </a:pPr>
                       <a:r>
-                        <a:rPr lang="ko-KR" altLang="en-US" dirty="0">
+                        <a:rPr lang="ko-KR" altLang="en-US">
                           <a:solidFill>
                             <a:srgbClr val="000000"/>
                           </a:solidFill>
@@ -26743,9 +26931,16 @@
                         </a:rPr>
                         <a:t>이동 속도</a:t>
                       </a:r>
+                      <a:endParaRPr lang="ko-KR" altLang="en-US">
+                        <a:solidFill>
+                          <a:srgbClr val="000000"/>
+                        </a:solidFill>
+                        <a:latin typeface="+mj-ea"/>
+                        <a:ea typeface="+mj-ea"/>
+                      </a:endParaRPr>
                     </a:p>
                   </a:txBody>
-                  <a:tcPr anchor="ctr">
+                  <a:tcPr marL="91440" marR="91440" anchor="ctr">
                     <a:lnL w="12700" cap="flat" cmpd="sng" algn="ctr">
                       <a:solidFill>
                         <a:schemeClr val="tx2">
@@ -26786,8 +26981,7 @@
                 </a:tc>
                 <a:tc>
                   <a:txBody>
-                    <a:bodyPr/>
-                    <a:lstStyle/>
+                    <a:bodyPr vert="horz" lIns="91440" tIns="45720" rIns="91440" bIns="45720" anchor="ctr" anchorCtr="0"/>
                     <a:p>
                       <a:pPr marL="0" marR="0" indent="0" algn="ctr" defTabSz="914400" rtl="0" eaLnBrk="1" latinLnBrk="1" hangingPunct="1">
                         <a:lnSpc>
@@ -26807,7 +27001,7 @@
                         <a:defRPr/>
                       </a:pPr>
                       <a:r>
-                        <a:rPr lang="en-US" altLang="ko-KR" dirty="0">
+                        <a:rPr lang="en-US" altLang="ko-KR">
                           <a:solidFill>
                             <a:srgbClr val="000000"/>
                           </a:solidFill>
@@ -26817,7 +27011,7 @@
                         <a:t>0.4 (</a:t>
                       </a:r>
                       <a:r>
-                        <a:rPr lang="ko-KR" altLang="en-US" sz="1400" b="0" i="0" u="none" strike="noStrike" cap="none" dirty="0">
+                        <a:rPr lang="ko-KR" altLang="en-US" sz="1400" b="0" i="0" u="none" strike="noStrike" cap="none">
                           <a:solidFill>
                             <a:srgbClr val="000000"/>
                           </a:solidFill>
@@ -26830,7 +27024,7 @@
                         <a:t>㎧</a:t>
                       </a:r>
                       <a:r>
-                        <a:rPr lang="en-US" altLang="ko-KR" sz="1400" b="0" i="0" u="none" strike="noStrike" cap="none" dirty="0">
+                        <a:rPr lang="en-US" altLang="ko-KR" sz="1400" b="0" i="0" u="none" strike="noStrike" cap="none">
                           <a:solidFill>
                             <a:srgbClr val="000000"/>
                           </a:solidFill>
@@ -26842,7 +27036,7 @@
                         </a:rPr>
                         <a:t>)</a:t>
                       </a:r>
-                      <a:endParaRPr lang="en-US" altLang="ko-KR" sz="1400" b="0" i="0" u="none" strike="noStrike" cap="none" dirty="0">
+                      <a:endParaRPr lang="en-US" altLang="ko-KR" sz="1400" b="0" i="0" u="none" strike="noStrike" cap="none">
                         <a:solidFill>
                           <a:srgbClr val="000000"/>
                         </a:solidFill>
@@ -26853,7 +27047,7 @@
                       </a:endParaRPr>
                     </a:p>
                   </a:txBody>
-                  <a:tcPr anchor="ctr">
+                  <a:tcPr marL="91440" marR="91440" anchor="ctr">
                     <a:lnL w="12700" cap="flat" cmpd="sng" algn="ctr">
                       <a:solidFill>
                         <a:schemeClr val="tx2">
@@ -26894,14 +27088,13 @@
                 </a:tc>
                 <a:tc>
                   <a:txBody>
-                    <a:bodyPr/>
-                    <a:lstStyle/>
+                    <a:bodyPr vert="horz" lIns="91440" tIns="45720" rIns="91440" bIns="45720" anchor="ctr" anchorCtr="0"/>
                     <a:p>
                       <a:pPr algn="ctr" latinLnBrk="1">
                         <a:defRPr/>
                       </a:pPr>
                       <a:r>
-                        <a:rPr lang="ko-KR" altLang="en-US" dirty="0">
+                        <a:rPr lang="ko-KR" altLang="en-US">
                           <a:solidFill>
                             <a:srgbClr val="000000"/>
                           </a:solidFill>
@@ -26910,9 +27103,16 @@
                         </a:rPr>
                         <a:t>공격 속도</a:t>
                       </a:r>
+                      <a:endParaRPr lang="ko-KR" altLang="en-US">
+                        <a:solidFill>
+                          <a:srgbClr val="000000"/>
+                        </a:solidFill>
+                        <a:latin typeface="+mj-ea"/>
+                        <a:ea typeface="+mj-ea"/>
+                      </a:endParaRPr>
                     </a:p>
                   </a:txBody>
-                  <a:tcPr anchor="ctr">
+                  <a:tcPr marL="91440" marR="91440" anchor="ctr">
                     <a:lnL w="12700" cap="flat" cmpd="sng" algn="ctr">
                       <a:solidFill>
                         <a:schemeClr val="tx2">
@@ -26953,8 +27153,7 @@
                 </a:tc>
                 <a:tc>
                   <a:txBody>
-                    <a:bodyPr/>
-                    <a:lstStyle/>
+                    <a:bodyPr vert="horz" lIns="91440" tIns="45720" rIns="91440" bIns="45720" anchor="ctr" anchorCtr="0"/>
                     <a:p>
                       <a:pPr marL="0" marR="0" indent="0" algn="ctr" defTabSz="914400" rtl="0" eaLnBrk="1" latinLnBrk="1" hangingPunct="1">
                         <a:lnSpc>
@@ -26974,7 +27173,7 @@
                         <a:defRPr/>
                       </a:pPr>
                       <a:r>
-                        <a:rPr lang="en-US" altLang="ko-KR" sz="1400" b="0" i="0" u="none" strike="noStrike" cap="none" dirty="0">
+                        <a:rPr lang="en-US" altLang="ko-KR" sz="1400" b="0" i="0" u="none" strike="noStrike" cap="none">
                           <a:solidFill>
                             <a:srgbClr val="000000"/>
                           </a:solidFill>
@@ -26983,11 +27182,20 @@
                           <a:cs typeface="Arial"/>
                           <a:sym typeface="Arial"/>
                         </a:rPr>
-                        <a:t>1.0(p/s)</a:t>
-                      </a:r>
+                        <a:t>0.7(p/s)</a:t>
+                      </a:r>
+                      <a:endParaRPr lang="en-US" altLang="ko-KR" sz="1400" b="0" i="0" u="none" strike="noStrike" cap="none">
+                        <a:solidFill>
+                          <a:srgbClr val="000000"/>
+                        </a:solidFill>
+                        <a:latin typeface="+mj-ea"/>
+                        <a:ea typeface="Arial"/>
+                        <a:cs typeface="Arial"/>
+                        <a:sym typeface="Arial"/>
+                      </a:endParaRPr>
                     </a:p>
                   </a:txBody>
-                  <a:tcPr anchor="ctr">
+                  <a:tcPr marL="91440" marR="91440" anchor="ctr">
                     <a:lnL w="12700" cap="flat" cmpd="sng" algn="ctr">
                       <a:solidFill>
                         <a:schemeClr val="tx2">
@@ -27030,8 +27238,7 @@
               <a:tr h="1638580">
                 <a:tc>
                   <a:txBody>
-                    <a:bodyPr/>
-                    <a:lstStyle/>
+                    <a:bodyPr vert="horz" lIns="91440" tIns="45720" rIns="91440" bIns="45720" anchor="ctr" anchorCtr="0"/>
                     <a:p>
                       <a:pPr algn="ctr" latinLnBrk="1">
                         <a:defRPr/>
@@ -27046,9 +27253,16 @@
                         </a:rPr>
                         <a:t>애니메이션</a:t>
                       </a:r>
+                      <a:endParaRPr lang="ko-KR" altLang="en-US">
+                        <a:solidFill>
+                          <a:srgbClr val="000000"/>
+                        </a:solidFill>
+                        <a:latin typeface="+mj-ea"/>
+                        <a:ea typeface="+mj-ea"/>
+                      </a:endParaRPr>
                     </a:p>
                   </a:txBody>
-                  <a:tcPr anchor="ctr">
+                  <a:tcPr marL="91440" marR="91440" anchor="ctr">
                     <a:lnL w="12700" cap="flat" cmpd="sng" algn="ctr">
                       <a:solidFill>
                         <a:schemeClr val="tx2">
@@ -27089,14 +27303,13 @@
                 </a:tc>
                 <a:tc gridSpan="3">
                   <a:txBody>
-                    <a:bodyPr/>
-                    <a:lstStyle/>
+                    <a:bodyPr vert="horz" lIns="91440" tIns="45720" rIns="91440" bIns="45720" anchor="ctr" anchorCtr="0"/>
                     <a:p>
                       <a:pPr latinLnBrk="1">
                         <a:defRPr/>
                       </a:pPr>
                       <a:r>
-                        <a:rPr lang="en-US" altLang="ko-KR" dirty="0">
+                        <a:rPr lang="en-US" altLang="ko-KR">
                           <a:solidFill>
                             <a:srgbClr val="000000"/>
                           </a:solidFill>
@@ -27106,7 +27319,7 @@
                         <a:t>Idle, </a:t>
                       </a:r>
                       <a:r>
-                        <a:rPr lang="ko-KR" altLang="en-US" dirty="0">
+                        <a:rPr lang="ko-KR" altLang="en-US">
                           <a:solidFill>
                             <a:srgbClr val="000000"/>
                           </a:solidFill>
@@ -27116,7 +27329,7 @@
                         <a:t>가드</a:t>
                       </a:r>
                       <a:r>
-                        <a:rPr lang="en-US" altLang="ko-KR" dirty="0">
+                        <a:rPr lang="en-US" altLang="ko-KR">
                           <a:solidFill>
                             <a:srgbClr val="000000"/>
                           </a:solidFill>
@@ -27126,7 +27339,7 @@
                         <a:t>, </a:t>
                       </a:r>
                       <a:r>
-                        <a:rPr lang="ko-KR" altLang="en-US" dirty="0">
+                        <a:rPr lang="ko-KR" altLang="en-US">
                           <a:solidFill>
                             <a:srgbClr val="000000"/>
                           </a:solidFill>
@@ -27136,7 +27349,7 @@
                         <a:t>이동</a:t>
                       </a:r>
                       <a:r>
-                        <a:rPr lang="en-US" altLang="ko-KR" dirty="0">
+                        <a:rPr lang="en-US" altLang="ko-KR">
                           <a:solidFill>
                             <a:srgbClr val="000000"/>
                           </a:solidFill>
@@ -27146,7 +27359,7 @@
                         <a:t>, </a:t>
                       </a:r>
                       <a:r>
-                        <a:rPr lang="ko-KR" altLang="en-US" dirty="0" err="1">
+                        <a:rPr lang="ko-KR" altLang="en-US">
                           <a:solidFill>
                             <a:srgbClr val="000000"/>
                           </a:solidFill>
@@ -27155,7 +27368,7 @@
                         </a:rPr>
                         <a:t>위빙</a:t>
                       </a:r>
-                      <a:endParaRPr lang="ko-KR" altLang="en-US" dirty="0">
+                      <a:endParaRPr lang="ko-KR" altLang="en-US">
                         <a:solidFill>
                           <a:srgbClr val="000000"/>
                         </a:solidFill>
@@ -27168,7 +27381,7 @@
                         <a:defRPr/>
                       </a:pPr>
                       <a:r>
-                        <a:rPr lang="ko-KR" altLang="en-US" dirty="0">
+                        <a:rPr lang="ko-KR" altLang="en-US">
                           <a:solidFill>
                             <a:srgbClr val="000000"/>
                           </a:solidFill>
@@ -27178,7 +27391,7 @@
                         <a:t>공격</a:t>
                       </a:r>
                       <a:r>
-                        <a:rPr lang="en-US" altLang="ko-KR" baseline="0" dirty="0">
+                        <a:rPr lang="en-US" altLang="ko-KR" baseline="0">
                           <a:solidFill>
                             <a:srgbClr val="000000"/>
                           </a:solidFill>
@@ -27188,7 +27401,7 @@
                         <a:t> </a:t>
                       </a:r>
                       <a:r>
-                        <a:rPr lang="ko-KR" altLang="en-US" baseline="0" dirty="0">
+                        <a:rPr lang="ko-KR" altLang="en-US" baseline="0">
                           <a:solidFill>
                             <a:srgbClr val="000000"/>
                           </a:solidFill>
@@ -27197,13 +27410,20 @@
                         </a:rPr>
                         <a:t>기술 및 연계기</a:t>
                       </a:r>
+                      <a:endParaRPr lang="ko-KR" altLang="en-US" baseline="0">
+                        <a:solidFill>
+                          <a:srgbClr val="000000"/>
+                        </a:solidFill>
+                        <a:latin typeface="+mj-ea"/>
+                        <a:ea typeface="+mj-ea"/>
+                      </a:endParaRPr>
                     </a:p>
                     <a:p>
                       <a:pPr latinLnBrk="1">
                         <a:defRPr/>
                       </a:pPr>
                       <a:r>
-                        <a:rPr lang="ko-KR" altLang="en-US" dirty="0">
+                        <a:rPr lang="ko-KR" altLang="en-US">
                           <a:solidFill>
                             <a:srgbClr val="000000"/>
                           </a:solidFill>
@@ -27213,7 +27433,7 @@
                         <a:t>피격</a:t>
                       </a:r>
                       <a:r>
-                        <a:rPr lang="en-US" altLang="ko-KR" dirty="0">
+                        <a:rPr lang="en-US" altLang="ko-KR">
                           <a:solidFill>
                             <a:srgbClr val="000000"/>
                           </a:solidFill>
@@ -27223,7 +27443,7 @@
                         <a:t>,</a:t>
                       </a:r>
                       <a:r>
-                        <a:rPr lang="en-US" altLang="ko-KR" baseline="0" dirty="0">
+                        <a:rPr lang="en-US" altLang="ko-KR" baseline="0">
                           <a:solidFill>
                             <a:srgbClr val="000000"/>
                           </a:solidFill>
@@ -27233,7 +27453,7 @@
                         <a:t> </a:t>
                       </a:r>
                       <a:r>
-                        <a:rPr lang="ko-KR" altLang="en-US" baseline="0" dirty="0">
+                        <a:rPr lang="ko-KR" altLang="en-US" baseline="0">
                           <a:solidFill>
                             <a:srgbClr val="000000"/>
                           </a:solidFill>
@@ -27243,7 +27463,7 @@
                         <a:t>다운</a:t>
                       </a:r>
                       <a:r>
-                        <a:rPr lang="en-US" altLang="ko-KR" baseline="0" dirty="0">
+                        <a:rPr lang="en-US" altLang="ko-KR" baseline="0">
                           <a:solidFill>
                             <a:srgbClr val="000000"/>
                           </a:solidFill>
@@ -27252,7 +27472,7 @@
                         </a:rPr>
                         <a:t>, K.O.</a:t>
                       </a:r>
-                      <a:endParaRPr lang="ko-KR" altLang="en-US" dirty="0">
+                      <a:endParaRPr lang="ko-KR" altLang="en-US">
                         <a:solidFill>
                           <a:srgbClr val="000000"/>
                         </a:solidFill>
@@ -27261,7 +27481,7 @@
                       </a:endParaRPr>
                     </a:p>
                   </a:txBody>
-                  <a:tcPr anchor="ctr">
+                  <a:tcPr marL="91440" marR="91440" anchor="ctr">
                     <a:lnL w="12700" cap="flat" cmpd="sng" algn="ctr">
                       <a:solidFill>
                         <a:schemeClr val="tx2">
@@ -27303,7 +27523,6 @@
                 <a:tc hMerge="1">
                   <a:txBody>
                     <a:bodyPr/>
-                    <a:lstStyle/>
                     <a:p>
                       <a:pPr latinLnBrk="1">
                         <a:defRPr/>
@@ -27311,12 +27530,11 @@
                       <a:endParaRPr lang="ko-KR" altLang="en-US"/>
                     </a:p>
                   </a:txBody>
-                  <a:tcPr/>
+                  <a:tcPr marL="91440" marR="91440"/>
                 </a:tc>
                 <a:tc hMerge="1">
                   <a:txBody>
                     <a:bodyPr/>
-                    <a:lstStyle/>
                     <a:p>
                       <a:pPr latinLnBrk="1">
                         <a:defRPr/>
@@ -27324,7 +27542,7 @@
                       <a:endParaRPr lang="ko-KR" altLang="en-US"/>
                     </a:p>
                   </a:txBody>
-                  <a:tcPr/>
+                  <a:tcPr marL="91440" marR="91440"/>
                 </a:tc>
               </a:tr>
             </a:tbl>
@@ -27336,11 +27554,11 @@
   <p:clrMapOvr>
     <a:masterClrMapping/>
   </p:clrMapOvr>
-  <mc:AlternateContent xmlns:mc="http://schemas.openxmlformats.org/markup-compatibility/2006" xmlns:p14="http://schemas.microsoft.com/office/powerpoint/2010/main">
-    <mc:Choice Requires="p14">
-      <p:transition/>
+  <mc:AlternateContent xmlns:mc="http://schemas.openxmlformats.org/markup-compatibility/2006">
+    <mc:Choice xmlns:p14="http://schemas.microsoft.com/office/powerpoint/2010/main" Requires="p14">
+      <p:transition xmlns:mc="http://schemas.openxmlformats.org/markup-compatibility/2006" xmlns:p14="http://schemas.microsoft.com/office/powerpoint/2010/main" mc:Ignorable="p14" p14:dur="500"/>
     </mc:Choice>
-    <mc:Fallback xmlns:dsp="http://schemas.microsoft.com/office/drawing/2008/diagram" xmlns:dgm="http://schemas.openxmlformats.org/drawingml/2006/diagram" xmlns:c="http://schemas.openxmlformats.org/drawingml/2006/chart" xmlns="">
+    <mc:Fallback>
       <p:transition/>
     </mc:Fallback>
   </mc:AlternateContent>
@@ -28880,44 +29098,44 @@
 </file>
 
 <file path=ppt/theme/theme1.xml><?xml version="1.0" encoding="utf-8"?>
-<a:theme xmlns:a="http://schemas.openxmlformats.org/drawingml/2006/main" name="Antonio template">
+<a:theme xmlns:r="http://schemas.openxmlformats.org/officeDocument/2006/relationships" xmlns:c="http://schemas.openxmlformats.org/drawingml/2006/chart" xmlns:dgm="http://schemas.openxmlformats.org/drawingml/2006/diagram" xmlns:dsp="http://schemas.microsoft.com/office/drawing/2008/diagram" xmlns:a="http://schemas.openxmlformats.org/drawingml/2006/main" xmlns:pic="http://schemas.openxmlformats.org/drawingml/2006/picture" xmlns:wp="http://schemas.openxmlformats.org/drawingml/2006/wordprocessingDrawing" xmlns:xdr="http://schemas.openxmlformats.org/drawingml/2006/spreadsheetDrawing" xmlns:p="http://schemas.openxmlformats.org/presentationml/2006/main" name="Antonio template">
   <a:themeElements>
     <a:clrScheme name="Custom 347">
       <a:dk1>
         <a:srgbClr val="677480"/>
       </a:dk1>
       <a:lt1>
-        <a:srgbClr val="FFFFFF"/>
+        <a:srgbClr val="ffffff"/>
       </a:lt1>
       <a:dk2>
-        <a:srgbClr val="2185C5"/>
+        <a:srgbClr val="2185c5"/>
       </a:dk2>
       <a:lt2>
-        <a:srgbClr val="DEE2E6"/>
+        <a:srgbClr val="dee2e6"/>
       </a:lt2>
       <a:accent1>
-        <a:srgbClr val="2185C5"/>
+        <a:srgbClr val="2185c5"/>
       </a:accent1>
       <a:accent2>
-        <a:srgbClr val="7ECEFD"/>
+        <a:srgbClr val="7ecefd"/>
       </a:accent2>
       <a:accent3>
-        <a:srgbClr val="F20253"/>
+        <a:srgbClr val="f20253"/>
       </a:accent3>
       <a:accent4>
-        <a:srgbClr val="FF9715"/>
+        <a:srgbClr val="ff9715"/>
       </a:accent4>
       <a:accent5>
-        <a:srgbClr val="1C3AA9"/>
+        <a:srgbClr val="1c3aa9"/>
       </a:accent5>
       <a:accent6>
-        <a:srgbClr val="97ABBC"/>
+        <a:srgbClr val="97abbc"/>
       </a:accent6>
       <a:hlink>
-        <a:srgbClr val="2185C5"/>
+        <a:srgbClr val="2185c5"/>
       </a:hlink>
       <a:folHlink>
-        <a:srgbClr val="6611CC"/>
+        <a:srgbClr val="6611cc"/>
       </a:folHlink>
     </a:clrScheme>
     <a:fontScheme name="Office">
@@ -29155,50 +29373,48 @@
       </a:bgFillStyleLst>
     </a:fmtScheme>
   </a:themeElements>
-  <a:objectDefaults/>
-  <a:extraClrSchemeLst/>
 </a:theme>
 </file>
 
 <file path=ppt/theme/theme2.xml><?xml version="1.0" encoding="utf-8"?>
-<a:theme xmlns:a="http://schemas.openxmlformats.org/drawingml/2006/main">
+<a:theme xmlns:r="http://schemas.openxmlformats.org/officeDocument/2006/relationships" xmlns:c="http://schemas.openxmlformats.org/drawingml/2006/chart" xmlns:dgm="http://schemas.openxmlformats.org/drawingml/2006/diagram" xmlns:dsp="http://schemas.microsoft.com/office/drawing/2008/diagram" xmlns:a="http://schemas.openxmlformats.org/drawingml/2006/main" xmlns:pic="http://schemas.openxmlformats.org/drawingml/2006/picture" xmlns:wp="http://schemas.openxmlformats.org/drawingml/2006/wordprocessingDrawing" xmlns:xdr="http://schemas.openxmlformats.org/drawingml/2006/spreadsheetDrawing" xmlns:p="http://schemas.openxmlformats.org/presentationml/2006/main" name="">
   <a:themeElements>
     <a:clrScheme name="Default">
       <a:dk1>
         <a:srgbClr val="000000"/>
       </a:dk1>
       <a:lt1>
-        <a:srgbClr val="FFFFFF"/>
+        <a:srgbClr val="ffffff"/>
       </a:lt1>
       <a:dk2>
         <a:srgbClr val="158158"/>
       </a:dk2>
       <a:lt2>
-        <a:srgbClr val="F3F3F3"/>
+        <a:srgbClr val="f3f3f3"/>
       </a:lt2>
       <a:accent1>
-        <a:srgbClr val="058DC7"/>
+        <a:srgbClr val="058dc7"/>
       </a:accent1>
       <a:accent2>
-        <a:srgbClr val="50B432"/>
+        <a:srgbClr val="50b432"/>
       </a:accent2>
       <a:accent3>
-        <a:srgbClr val="ED561B"/>
+        <a:srgbClr val="ed561b"/>
       </a:accent3>
       <a:accent4>
-        <a:srgbClr val="EDEF00"/>
+        <a:srgbClr val="edef00"/>
       </a:accent4>
       <a:accent5>
-        <a:srgbClr val="24CBE5"/>
+        <a:srgbClr val="24cbe5"/>
       </a:accent5>
       <a:accent6>
-        <a:srgbClr val="64E572"/>
+        <a:srgbClr val="64e572"/>
       </a:accent6>
       <a:hlink>
-        <a:srgbClr val="2200CC"/>
+        <a:srgbClr val="2200cc"/>
       </a:hlink>
       <a:folHlink>
-        <a:srgbClr val="551A8B"/>
+        <a:srgbClr val="551a8b"/>
       </a:folHlink>
     </a:clrScheme>
     <a:fontScheme name="Office">
@@ -29436,7 +29652,5 @@
       </a:bgFillStyleLst>
     </a:fmtScheme>
   </a:themeElements>
-  <a:objectDefaults/>
-  <a:extraClrSchemeLst/>
 </a:theme>
 </file>